--- a/Presentation.pptx
+++ b/Presentation.pptx
@@ -6,16 +6,17 @@
   </p:sldMasterIdLst>
   <p:sldIdLst>
     <p:sldId id="257" r:id="rId2"/>
-    <p:sldId id="258" r:id="rId3"/>
-    <p:sldId id="259" r:id="rId4"/>
-    <p:sldId id="260" r:id="rId5"/>
-    <p:sldId id="268" r:id="rId6"/>
-    <p:sldId id="262" r:id="rId7"/>
-    <p:sldId id="261" r:id="rId8"/>
-    <p:sldId id="263" r:id="rId9"/>
-    <p:sldId id="264" r:id="rId10"/>
-    <p:sldId id="265" r:id="rId11"/>
-    <p:sldId id="266" r:id="rId12"/>
+    <p:sldId id="269" r:id="rId3"/>
+    <p:sldId id="258" r:id="rId4"/>
+    <p:sldId id="259" r:id="rId5"/>
+    <p:sldId id="260" r:id="rId6"/>
+    <p:sldId id="268" r:id="rId7"/>
+    <p:sldId id="262" r:id="rId8"/>
+    <p:sldId id="261" r:id="rId9"/>
+    <p:sldId id="263" r:id="rId10"/>
+    <p:sldId id="264" r:id="rId11"/>
+    <p:sldId id="265" r:id="rId12"/>
+    <p:sldId id="266" r:id="rId13"/>
   </p:sldIdLst>
   <p:sldSz cx="12192000" cy="6858000"/>
   <p:notesSz cx="6858000" cy="9144000"/>
@@ -3161,28 +3162,55 @@
         </p:nvSpPr>
         <p:spPr>
           <a:xfrm>
-            <a:off x="78376" y="-11771"/>
-            <a:ext cx="12017829" cy="1325563"/>
-          </a:xfrm>
-        </p:spPr>
-        <p:txBody>
-          <a:bodyPr>
-            <a:normAutofit/>
-          </a:bodyPr>
+            <a:off x="838200" y="0"/>
+            <a:ext cx="10515600" cy="1325563"/>
+          </a:xfrm>
+        </p:spPr>
+        <p:txBody>
+          <a:bodyPr/>
           <a:lstStyle/>
           <a:p>
             <a:pPr algn="ctr"/>
             <a:r>
-              <a:rPr lang="en-US" altLang="ko-KR" sz="4000" b="1" dirty="0" smtClean="0"/>
-              <a:t>Malware Identification with Parallel-computing</a:t>
-            </a:r>
-            <a:endParaRPr lang="ko-KR" altLang="en-US" sz="4000" dirty="0"/>
-          </a:p>
-        </p:txBody>
-      </p:sp>
-      <p:sp>
-        <p:nvSpPr>
-          <p:cNvPr id="8" name="Content Placeholder 2"/>
+              <a:rPr lang="en-US" altLang="ko-KR" b="1" dirty="0" smtClean="0"/>
+              <a:t>Remote Attestation</a:t>
+            </a:r>
+            <a:endParaRPr lang="ko-KR" altLang="en-US" b="1" dirty="0"/>
+          </a:p>
+        </p:txBody>
+      </p:sp>
+      <p:pic>
+        <p:nvPicPr>
+          <p:cNvPr id="4" name="Content Placeholder 3"/>
+          <p:cNvPicPr>
+            <a:picLocks noGrp="1" noChangeAspect="1"/>
+          </p:cNvPicPr>
+          <p:nvPr>
+            <p:ph idx="1"/>
+          </p:nvPr>
+        </p:nvPicPr>
+        <p:blipFill>
+          <a:blip r:embed="rId2">
+            <a:extLst>
+              <a:ext uri="{28A0092B-C50C-407E-A947-70E740481C1C}">
+                <a14:useLocalDpi xmlns:a14="http://schemas.microsoft.com/office/drawing/2010/main" val="0"/>
+              </a:ext>
+            </a:extLst>
+          </a:blip>
+          <a:stretch>
+            <a:fillRect/>
+          </a:stretch>
+        </p:blipFill>
+        <p:spPr>
+          <a:xfrm>
+            <a:off x="200298" y="1634564"/>
+            <a:ext cx="5606766" cy="4351338"/>
+          </a:xfrm>
+        </p:spPr>
+      </p:pic>
+      <p:sp>
+        <p:nvSpPr>
+          <p:cNvPr id="5" name="Content Placeholder 2"/>
           <p:cNvSpPr txBox="1">
             <a:spLocks/>
           </p:cNvSpPr>
@@ -3190,8 +3218,8 @@
         </p:nvSpPr>
         <p:spPr>
           <a:xfrm>
-            <a:off x="6377967" y="1109147"/>
-            <a:ext cx="5814033" cy="4698515"/>
+            <a:off x="6235337" y="1634564"/>
+            <a:ext cx="5956663" cy="4698515"/>
           </a:xfrm>
           <a:prstGeom prst="rect">
             <a:avLst/>
@@ -3372,147 +3400,40 @@
             <a:endParaRPr lang="en-US" altLang="ko-KR" dirty="0" smtClean="0"/>
           </a:p>
           <a:p>
-            <a:pPr>
-              <a:buFontTx/>
-              <a:buChar char="-"/>
+            <a:pPr marL="0" indent="0">
+              <a:buNone/>
             </a:pPr>
             <a:r>
               <a:rPr lang="en-US" altLang="ko-KR" dirty="0" smtClean="0"/>
-              <a:t>Measuring </a:t>
+              <a:t>- 200 binary files loaded during boot-up</a:t>
+            </a:r>
+          </a:p>
+          <a:p>
+            <a:pPr marL="0" indent="0">
+              <a:buNone/>
+            </a:pPr>
+            <a:endParaRPr lang="en-US" altLang="ko-KR" dirty="0"/>
+          </a:p>
+          <a:p>
+            <a:pPr marL="0" indent="0">
+              <a:buNone/>
+            </a:pPr>
+            <a:r>
+              <a:rPr lang="en-US" altLang="ko-KR" dirty="0" smtClean="0"/>
+              <a:t>- The </a:t>
             </a:r>
             <a:r>
               <a:rPr lang="en-US" altLang="ko-KR" dirty="0"/>
-              <a:t>e</a:t>
-            </a:r>
-            <a:r>
-              <a:rPr lang="en-US" altLang="ko-KR" dirty="0" smtClean="0"/>
-              <a:t>xecution time for multiple SHA1 computations (200, 200</a:t>
-            </a:r>
-            <a:r>
-              <a:rPr lang="en-US" altLang="ko-KR" baseline="30000" dirty="0" smtClean="0"/>
-              <a:t>2</a:t>
-            </a:r>
-            <a:r>
-              <a:rPr lang="en-US" altLang="ko-KR" dirty="0" smtClean="0"/>
-              <a:t>, 200</a:t>
-            </a:r>
-            <a:r>
-              <a:rPr lang="en-US" altLang="ko-KR" baseline="30000" dirty="0" smtClean="0"/>
-              <a:t>3</a:t>
-            </a:r>
-            <a:r>
-              <a:rPr lang="en-US" altLang="ko-KR" dirty="0" smtClean="0"/>
-              <a:t>, 200</a:t>
-            </a:r>
-            <a:r>
-              <a:rPr lang="en-US" altLang="ko-KR" baseline="30000" dirty="0" smtClean="0"/>
-              <a:t>4</a:t>
-            </a:r>
-            <a:r>
-              <a:rPr lang="en-US" altLang="ko-KR" dirty="0" smtClean="0"/>
-              <a:t>)</a:t>
-            </a:r>
-            <a:endParaRPr lang="en-US" altLang="ko-KR" baseline="30000" dirty="0" smtClean="0"/>
-          </a:p>
-          <a:p>
-            <a:pPr>
-              <a:buFontTx/>
-              <a:buChar char="-"/>
-            </a:pPr>
-            <a:endParaRPr lang="en-US" altLang="ko-KR" dirty="0"/>
-          </a:p>
-          <a:p>
-            <a:pPr>
-              <a:buFontTx/>
-              <a:buChar char="-"/>
-            </a:pPr>
-            <a:r>
-              <a:rPr lang="en-US" altLang="ko-KR" dirty="0" err="1" smtClean="0"/>
-              <a:t>OpenACC</a:t>
-            </a:r>
-            <a:r>
-              <a:rPr lang="en-US" altLang="ko-KR" dirty="0" smtClean="0"/>
-              <a:t>: </a:t>
-            </a:r>
-            <a:r>
-              <a:rPr lang="en-US" altLang="ko-KR" dirty="0" err="1" smtClean="0"/>
-              <a:t>upto</a:t>
-            </a:r>
-            <a:r>
-              <a:rPr lang="en-US" altLang="ko-KR" dirty="0" smtClean="0"/>
-              <a:t> 10x speedup</a:t>
-            </a:r>
-          </a:p>
-          <a:p>
-            <a:pPr>
-              <a:buFontTx/>
-              <a:buChar char="-"/>
-            </a:pPr>
-            <a:r>
-              <a:rPr lang="en-US" altLang="ko-KR" dirty="0" smtClean="0"/>
-              <a:t>CUDA: </a:t>
-            </a:r>
-            <a:r>
-              <a:rPr lang="en-US" altLang="ko-KR" dirty="0" err="1" smtClean="0"/>
-              <a:t>upto</a:t>
-            </a:r>
-            <a:r>
-              <a:rPr lang="en-US" altLang="ko-KR" dirty="0" smtClean="0"/>
-              <a:t> 100x speedup</a:t>
-            </a:r>
-          </a:p>
-          <a:p>
-            <a:pPr>
-              <a:buFontTx/>
-              <a:buChar char="-"/>
-            </a:pPr>
-            <a:endParaRPr lang="en-US" altLang="ko-KR" dirty="0"/>
-          </a:p>
-          <a:p>
-            <a:pPr marL="0" indent="0">
-              <a:buNone/>
-            </a:pPr>
-            <a:r>
-              <a:rPr lang="en-US" altLang="ko-KR" dirty="0" smtClean="0"/>
-              <a:t>- Practical enough up to the scenario of 4 malware injection</a:t>
+              <a:t>attestation delay becomes higher with the increasing network latency, but decreases with the increasing bandwidth.</a:t>
             </a:r>
             <a:endParaRPr lang="ko-KR" altLang="en-US" dirty="0"/>
           </a:p>
         </p:txBody>
       </p:sp>
-      <p:pic>
-        <p:nvPicPr>
-          <p:cNvPr id="9" name="Content Placeholder 8"/>
-          <p:cNvPicPr>
-            <a:picLocks noGrp="1" noChangeAspect="1"/>
-          </p:cNvPicPr>
-          <p:nvPr>
-            <p:ph idx="1"/>
-          </p:nvPr>
-        </p:nvPicPr>
-        <p:blipFill>
-          <a:blip r:embed="rId2">
-            <a:extLst>
-              <a:ext uri="{28A0092B-C50C-407E-A947-70E740481C1C}">
-                <a14:useLocalDpi xmlns:a14="http://schemas.microsoft.com/office/drawing/2010/main" val="0"/>
-              </a:ext>
-            </a:extLst>
-          </a:blip>
-          <a:stretch>
-            <a:fillRect/>
-          </a:stretch>
-        </p:blipFill>
-        <p:spPr>
-          <a:xfrm>
-            <a:off x="78375" y="1440973"/>
-            <a:ext cx="6299593" cy="4724695"/>
-          </a:xfrm>
-        </p:spPr>
-      </p:pic>
     </p:spTree>
     <p:extLst>
       <p:ext uri="{BB962C8B-B14F-4D97-AF65-F5344CB8AC3E}">
-        <p14:creationId xmlns:p14="http://schemas.microsoft.com/office/powerpoint/2010/main" val="107203272"/>
+        <p14:creationId xmlns:p14="http://schemas.microsoft.com/office/powerpoint/2010/main" val="4184587848"/>
       </p:ext>
     </p:extLst>
   </p:cSld>
@@ -3551,2872 +3472,8 @@
         </p:nvSpPr>
         <p:spPr>
           <a:xfrm>
-            <a:off x="838200" y="0"/>
-            <a:ext cx="10515600" cy="1325563"/>
-          </a:xfrm>
-        </p:spPr>
-        <p:txBody>
-          <a:bodyPr/>
-          <a:lstStyle/>
-          <a:p>
-            <a:pPr algn="ctr"/>
-            <a:r>
-              <a:rPr lang="en-US" altLang="ko-KR" b="1" dirty="0" smtClean="0"/>
-              <a:t>Conclusion</a:t>
-            </a:r>
-            <a:endParaRPr lang="ko-KR" altLang="en-US" dirty="0"/>
-          </a:p>
-        </p:txBody>
-      </p:sp>
-      <p:sp>
-        <p:nvSpPr>
-          <p:cNvPr id="3" name="Content Placeholder 2"/>
-          <p:cNvSpPr>
-            <a:spLocks noGrp="1"/>
-          </p:cNvSpPr>
-          <p:nvPr>
-            <p:ph idx="1"/>
-          </p:nvPr>
-        </p:nvSpPr>
-        <p:spPr>
-          <a:xfrm>
-            <a:off x="838200" y="1325563"/>
-            <a:ext cx="10515600" cy="4351338"/>
-          </a:xfrm>
-        </p:spPr>
-        <p:txBody>
-          <a:bodyPr/>
-          <a:lstStyle/>
-          <a:p>
-            <a:pPr marL="0" indent="0">
-              <a:buNone/>
-            </a:pPr>
-            <a:r>
-              <a:rPr lang="en-US" altLang="ko-KR" dirty="0" smtClean="0"/>
-              <a:t>Leveraging parallel computing enables identifying a reasonable </a:t>
-            </a:r>
-            <a:r>
-              <a:rPr lang="en-US" altLang="ko-KR" dirty="0"/>
-              <a:t>number of </a:t>
-            </a:r>
-            <a:r>
-              <a:rPr lang="en-US" altLang="ko-KR" dirty="0" smtClean="0"/>
-              <a:t>concurrently intruding </a:t>
-            </a:r>
-            <a:r>
-              <a:rPr lang="en-US" altLang="ko-KR" dirty="0"/>
-              <a:t>malware </a:t>
-            </a:r>
-            <a:r>
-              <a:rPr lang="en-US" altLang="ko-KR" dirty="0" smtClean="0"/>
-              <a:t>even without the launch log file.</a:t>
-            </a:r>
-          </a:p>
-          <a:p>
-            <a:pPr marL="0" indent="0">
-              <a:buNone/>
-            </a:pPr>
-            <a:endParaRPr lang="en-US" altLang="ko-KR" dirty="0"/>
-          </a:p>
-          <a:p>
-            <a:pPr marL="0" indent="0">
-              <a:buNone/>
-            </a:pPr>
-            <a:r>
-              <a:rPr lang="en-US" altLang="ko-KR" u="sng" dirty="0" smtClean="0"/>
-              <a:t>Future research</a:t>
-            </a:r>
-            <a:r>
-              <a:rPr lang="en-US" altLang="ko-KR" dirty="0" smtClean="0"/>
-              <a:t>: </a:t>
-            </a:r>
-          </a:p>
-          <a:p>
-            <a:pPr marL="0" indent="0">
-              <a:buNone/>
-            </a:pPr>
-            <a:r>
-              <a:rPr lang="en-US" altLang="ko-KR" dirty="0" smtClean="0"/>
-              <a:t>- How to identify self-modifying malware?</a:t>
-            </a:r>
-          </a:p>
-          <a:p>
-            <a:pPr marL="0" indent="0">
-              <a:buNone/>
-            </a:pPr>
-            <a:r>
-              <a:rPr lang="en-US" altLang="ko-KR" dirty="0" smtClean="0"/>
-              <a:t>- How to handle multi-core CPU’s non-deterministic binary launch sequence?</a:t>
-            </a:r>
-            <a:endParaRPr lang="ko-KR" altLang="en-US" dirty="0"/>
-          </a:p>
-        </p:txBody>
-      </p:sp>
-    </p:spTree>
-    <p:extLst>
-      <p:ext uri="{BB962C8B-B14F-4D97-AF65-F5344CB8AC3E}">
-        <p14:creationId xmlns:p14="http://schemas.microsoft.com/office/powerpoint/2010/main" val="101990692"/>
-      </p:ext>
-    </p:extLst>
-  </p:cSld>
-  <p:clrMapOvr>
-    <a:masterClrMapping/>
-  </p:clrMapOvr>
-</p:sld>
-</file>
-
-<file path=ppt/slides/slide2.xml><?xml version="1.0" encoding="utf-8"?>
-<p:sld xmlns:a="http://schemas.openxmlformats.org/drawingml/2006/main" xmlns:r="http://schemas.openxmlformats.org/officeDocument/2006/relationships" xmlns:p="http://schemas.openxmlformats.org/presentationml/2006/main">
-  <p:cSld>
-    <p:spTree>
-      <p:nvGrpSpPr>
-        <p:cNvPr id="1" name=""/>
-        <p:cNvGrpSpPr/>
-        <p:nvPr/>
-      </p:nvGrpSpPr>
-      <p:grpSpPr>
-        <a:xfrm>
-          <a:off x="0" y="0"/>
-          <a:ext cx="0" cy="0"/>
-          <a:chOff x="0" y="0"/>
-          <a:chExt cx="0" cy="0"/>
-        </a:xfrm>
-      </p:grpSpPr>
-      <p:sp>
-        <p:nvSpPr>
-          <p:cNvPr id="2" name="Title 1"/>
-          <p:cNvSpPr>
-            <a:spLocks noGrp="1"/>
-          </p:cNvSpPr>
-          <p:nvPr>
-            <p:ph type="title"/>
-          </p:nvPr>
-        </p:nvSpPr>
-        <p:spPr>
-          <a:xfrm>
-            <a:off x="535576" y="199231"/>
-            <a:ext cx="11120846" cy="1325563"/>
-          </a:xfrm>
-        </p:spPr>
-        <p:txBody>
-          <a:bodyPr/>
-          <a:lstStyle/>
-          <a:p>
-            <a:pPr algn="ctr"/>
-            <a:r>
-              <a:rPr lang="en-US" altLang="ko-KR" b="1" dirty="0" smtClean="0"/>
-              <a:t>Malware</a:t>
-            </a:r>
-            <a:r>
-              <a:rPr lang="en-US" altLang="ko-KR" b="1" dirty="0"/>
-              <a:t> </a:t>
-            </a:r>
-            <a:r>
-              <a:rPr lang="en-US" altLang="ko-KR" b="1" dirty="0" smtClean="0"/>
-              <a:t>Detection &amp; Identification </a:t>
-            </a:r>
-            <a:br>
-              <a:rPr lang="en-US" altLang="ko-KR" b="1" dirty="0" smtClean="0"/>
-            </a:br>
-            <a:r>
-              <a:rPr lang="en-US" altLang="ko-KR" b="1" dirty="0" smtClean="0"/>
-              <a:t>by </a:t>
-            </a:r>
-            <a:r>
-              <a:rPr lang="en-US" altLang="ko-KR" b="1" dirty="0"/>
-              <a:t>Tamper-proof Hardware</a:t>
-            </a:r>
-            <a:endParaRPr lang="ko-KR" altLang="en-US" b="1" dirty="0"/>
-          </a:p>
-        </p:txBody>
-      </p:sp>
-      <p:sp>
-        <p:nvSpPr>
-          <p:cNvPr id="3" name="Content Placeholder 2"/>
-          <p:cNvSpPr>
-            <a:spLocks noGrp="1"/>
-          </p:cNvSpPr>
-          <p:nvPr>
-            <p:ph idx="1"/>
-          </p:nvPr>
-        </p:nvSpPr>
-        <p:spPr>
-          <a:xfrm>
-            <a:off x="101601" y="1870223"/>
-            <a:ext cx="12191999" cy="4853849"/>
-          </a:xfrm>
-        </p:spPr>
-        <p:txBody>
-          <a:bodyPr>
-            <a:normAutofit fontScale="92500" lnSpcReduction="20000"/>
-          </a:bodyPr>
-          <a:lstStyle/>
-          <a:p>
-            <a:pPr marL="0" indent="0">
-              <a:buNone/>
-            </a:pPr>
-            <a:r>
-              <a:rPr lang="en-US" altLang="ko-KR" b="1" dirty="0" smtClean="0"/>
-              <a:t>TPM (Trusted Platform Module): </a:t>
-            </a:r>
-            <a:r>
-              <a:rPr lang="en-US" altLang="ko-KR" dirty="0" smtClean="0"/>
-              <a:t>Tamper-proof security chip</a:t>
-            </a:r>
-          </a:p>
-          <a:p>
-            <a:pPr marL="0" indent="0">
-              <a:buNone/>
-            </a:pPr>
-            <a:endParaRPr lang="en-US" altLang="ko-KR" dirty="0" smtClean="0"/>
-          </a:p>
-          <a:p>
-            <a:pPr marL="0" indent="0">
-              <a:buNone/>
-            </a:pPr>
-            <a:r>
-              <a:rPr lang="en-US" altLang="ko-KR" dirty="0" smtClean="0"/>
-              <a:t>TPM is an independent chip from CPU </a:t>
-            </a:r>
-          </a:p>
-          <a:p>
-            <a:pPr marL="0" indent="0">
-              <a:buNone/>
-            </a:pPr>
-            <a:endParaRPr lang="en-US" altLang="ko-KR" dirty="0"/>
-          </a:p>
-          <a:p>
-            <a:pPr marL="0" indent="0">
-              <a:buNone/>
-            </a:pPr>
-            <a:r>
-              <a:rPr lang="en-US" altLang="ko-KR" dirty="0" smtClean="0"/>
-              <a:t>TPM has its own registers and RSA private key burned at manufacture stage, </a:t>
-            </a:r>
-          </a:p>
-          <a:p>
-            <a:pPr marL="0" indent="0">
-              <a:buNone/>
-            </a:pPr>
-            <a:r>
-              <a:rPr lang="en-US" altLang="ko-KR" dirty="0" smtClean="0"/>
-              <a:t>which never gets revealed outside the TPM</a:t>
-            </a:r>
-          </a:p>
-          <a:p>
-            <a:pPr marL="0" indent="0">
-              <a:buNone/>
-            </a:pPr>
-            <a:endParaRPr lang="en-US" altLang="ko-KR" dirty="0" smtClean="0"/>
-          </a:p>
-          <a:p>
-            <a:pPr marL="0" indent="0">
-              <a:buNone/>
-            </a:pPr>
-            <a:r>
-              <a:rPr lang="en-US" altLang="ko-KR" dirty="0" smtClean="0"/>
-              <a:t>CPU communicates with TPM to leverage TPM’s security services</a:t>
-            </a:r>
-          </a:p>
-          <a:p>
-            <a:pPr marL="0" indent="0">
-              <a:buNone/>
-            </a:pPr>
-            <a:endParaRPr lang="en-US" altLang="ko-KR" dirty="0" smtClean="0"/>
-          </a:p>
-          <a:p>
-            <a:pPr marL="0" indent="0">
-              <a:buNone/>
-            </a:pPr>
-            <a:r>
-              <a:rPr lang="en-US" altLang="ko-KR" u="sng" dirty="0"/>
-              <a:t>TPM is </a:t>
-            </a:r>
-            <a:r>
-              <a:rPr lang="en-US" altLang="ko-KR" u="sng" dirty="0" smtClean="0"/>
-              <a:t>mainly used </a:t>
-            </a:r>
-            <a:r>
-              <a:rPr lang="en-US" altLang="ko-KR" u="sng" dirty="0"/>
-              <a:t>for</a:t>
-            </a:r>
-            <a:r>
-              <a:rPr lang="en-US" altLang="ko-KR" dirty="0"/>
-              <a:t>: </a:t>
-            </a:r>
-          </a:p>
-          <a:p>
-            <a:pPr marL="0" indent="0">
-              <a:buNone/>
-            </a:pPr>
-            <a:r>
-              <a:rPr lang="en-US" altLang="ko-KR" dirty="0"/>
-              <a:t>- </a:t>
-            </a:r>
-            <a:r>
-              <a:rPr lang="en-US" altLang="ko-KR" dirty="0" smtClean="0"/>
-              <a:t>Integrity Measurement for launched software binaries </a:t>
-            </a:r>
-            <a:endParaRPr lang="en-US" altLang="ko-KR" dirty="0"/>
-          </a:p>
-          <a:p>
-            <a:pPr marL="0" indent="0">
-              <a:buNone/>
-            </a:pPr>
-            <a:r>
-              <a:rPr lang="en-US" altLang="ko-KR" dirty="0"/>
-              <a:t>- Remote Attestation</a:t>
-            </a:r>
-          </a:p>
-          <a:p>
-            <a:pPr marL="0" indent="0">
-              <a:buNone/>
-            </a:pPr>
-            <a:endParaRPr lang="en-US" altLang="ko-KR" dirty="0" smtClean="0"/>
-          </a:p>
-          <a:p>
-            <a:pPr marL="0" indent="0">
-              <a:buNone/>
-            </a:pPr>
-            <a:endParaRPr lang="en-US" altLang="ko-KR" dirty="0"/>
-          </a:p>
-          <a:p>
-            <a:pPr marL="0" indent="0">
-              <a:buNone/>
-            </a:pPr>
-            <a:endParaRPr lang="en-US" altLang="ko-KR" dirty="0" smtClean="0"/>
-          </a:p>
-        </p:txBody>
-      </p:sp>
-      <p:pic>
-        <p:nvPicPr>
-          <p:cNvPr id="1026" name="Picture 2" descr="trusted platform module에 대한 이미지 검색결과"/>
-          <p:cNvPicPr>
-            <a:picLocks noChangeAspect="1" noChangeArrowheads="1"/>
-          </p:cNvPicPr>
-          <p:nvPr/>
-        </p:nvPicPr>
-        <p:blipFill>
-          <a:blip r:embed="rId2">
-            <a:extLst>
-              <a:ext uri="{28A0092B-C50C-407E-A947-70E740481C1C}">
-                <a14:useLocalDpi xmlns:a14="http://schemas.microsoft.com/office/drawing/2010/main" val="0"/>
-              </a:ext>
-            </a:extLst>
-          </a:blip>
-          <a:srcRect/>
-          <a:stretch>
-            <a:fillRect/>
-          </a:stretch>
-        </p:blipFill>
-        <p:spPr bwMode="auto">
-          <a:xfrm>
-            <a:off x="8915017" y="5110739"/>
-            <a:ext cx="2433221" cy="1613333"/>
-          </a:xfrm>
-          <a:prstGeom prst="rect">
-            <a:avLst/>
-          </a:prstGeom>
-          <a:noFill/>
-          <a:extLst>
-            <a:ext uri="{909E8E84-426E-40DD-AFC4-6F175D3DCCD1}">
-              <a14:hiddenFill xmlns:a14="http://schemas.microsoft.com/office/drawing/2010/main">
-                <a:solidFill>
-                  <a:srgbClr val="FFFFFF"/>
-                </a:solidFill>
-              </a14:hiddenFill>
-            </a:ext>
-          </a:extLst>
-        </p:spPr>
-      </p:pic>
-    </p:spTree>
-    <p:extLst>
-      <p:ext uri="{BB962C8B-B14F-4D97-AF65-F5344CB8AC3E}">
-        <p14:creationId xmlns:p14="http://schemas.microsoft.com/office/powerpoint/2010/main" val="272491203"/>
-      </p:ext>
-    </p:extLst>
-  </p:cSld>
-  <p:clrMapOvr>
-    <a:masterClrMapping/>
-  </p:clrMapOvr>
-  <p:timing>
-    <p:tnLst>
-      <p:par>
-        <p:cTn id="1" dur="indefinite" restart="never" nodeType="tmRoot"/>
-      </p:par>
-    </p:tnLst>
-  </p:timing>
-</p:sld>
-</file>
-
-<file path=ppt/slides/slide3.xml><?xml version="1.0" encoding="utf-8"?>
-<p:sld xmlns:a="http://schemas.openxmlformats.org/drawingml/2006/main" xmlns:r="http://schemas.openxmlformats.org/officeDocument/2006/relationships" xmlns:p="http://schemas.openxmlformats.org/presentationml/2006/main">
-  <p:cSld>
-    <p:spTree>
-      <p:nvGrpSpPr>
-        <p:cNvPr id="1" name=""/>
-        <p:cNvGrpSpPr/>
-        <p:nvPr/>
-      </p:nvGrpSpPr>
-      <p:grpSpPr>
-        <a:xfrm>
-          <a:off x="0" y="0"/>
-          <a:ext cx="0" cy="0"/>
-          <a:chOff x="0" y="0"/>
-          <a:chExt cx="0" cy="0"/>
-        </a:xfrm>
-      </p:grpSpPr>
-      <p:sp>
-        <p:nvSpPr>
-          <p:cNvPr id="2" name="Title 1"/>
-          <p:cNvSpPr>
-            <a:spLocks noGrp="1"/>
-          </p:cNvSpPr>
-          <p:nvPr>
-            <p:ph type="title"/>
-          </p:nvPr>
-        </p:nvSpPr>
-        <p:spPr>
-          <a:xfrm>
-            <a:off x="881743" y="0"/>
-            <a:ext cx="10515600" cy="1325563"/>
-          </a:xfrm>
-        </p:spPr>
-        <p:txBody>
-          <a:bodyPr/>
-          <a:lstStyle/>
-          <a:p>
-            <a:pPr algn="ctr"/>
-            <a:r>
-              <a:rPr lang="en-US" altLang="ko-KR" b="1" dirty="0" smtClean="0"/>
-              <a:t>TPM Chip’s Security Features</a:t>
-            </a:r>
-            <a:endParaRPr lang="ko-KR" altLang="en-US" b="1" dirty="0"/>
-          </a:p>
-        </p:txBody>
-      </p:sp>
-      <p:sp>
-        <p:nvSpPr>
-          <p:cNvPr id="3" name="Content Placeholder 2"/>
-          <p:cNvSpPr>
-            <a:spLocks noGrp="1"/>
-          </p:cNvSpPr>
-          <p:nvPr>
-            <p:ph idx="1"/>
-          </p:nvPr>
-        </p:nvSpPr>
-        <p:spPr>
-          <a:xfrm>
-            <a:off x="252548" y="1390196"/>
-            <a:ext cx="11773989" cy="4670969"/>
-          </a:xfrm>
-        </p:spPr>
-        <p:txBody>
-          <a:bodyPr>
-            <a:normAutofit fontScale="92500" lnSpcReduction="20000"/>
-          </a:bodyPr>
-          <a:lstStyle/>
-          <a:p>
-            <a:pPr marL="0" indent="0">
-              <a:buNone/>
-            </a:pPr>
-            <a:r>
-              <a:rPr lang="en-US" altLang="ko-KR" dirty="0"/>
-              <a:t/>
-            </a:r>
-            <a:br>
-              <a:rPr lang="en-US" altLang="ko-KR" dirty="0"/>
-            </a:br>
-            <a:r>
-              <a:rPr lang="en-US" altLang="ko-KR" dirty="0"/>
-              <a:t>Contains </a:t>
-            </a:r>
-            <a:r>
-              <a:rPr lang="en-US" altLang="ko-KR" dirty="0" smtClean="0"/>
-              <a:t>special registers</a:t>
-            </a:r>
-            <a:r>
-              <a:rPr lang="en-US" altLang="ko-KR" dirty="0"/>
-              <a:t>, called PCR</a:t>
-            </a:r>
-          </a:p>
-          <a:p>
-            <a:pPr marL="0" indent="0">
-              <a:buNone/>
-            </a:pPr>
-            <a:endParaRPr lang="en-US" altLang="ko-KR" b="1" dirty="0"/>
-          </a:p>
-          <a:p>
-            <a:pPr marL="0" indent="0">
-              <a:buNone/>
-            </a:pPr>
-            <a:r>
-              <a:rPr lang="en-US" altLang="ko-KR" b="1" dirty="0" smtClean="0"/>
-              <a:t>[</a:t>
-            </a:r>
-            <a:r>
-              <a:rPr lang="en-US" altLang="ko-KR" b="1" dirty="0"/>
-              <a:t>TPM’s PCR update rule]</a:t>
-            </a:r>
-          </a:p>
-          <a:p>
-            <a:pPr marL="0" indent="0">
-              <a:buNone/>
-            </a:pPr>
-            <a:r>
-              <a:rPr lang="en-US" altLang="ko-KR" dirty="0"/>
-              <a:t>PCR</a:t>
-            </a:r>
-            <a:r>
-              <a:rPr lang="en-US" altLang="ko-KR" baseline="-25000" dirty="0"/>
-              <a:t>n+1</a:t>
-            </a:r>
-            <a:r>
-              <a:rPr lang="en-US" altLang="ko-KR" dirty="0"/>
-              <a:t> = SHA1(</a:t>
-            </a:r>
-            <a:r>
-              <a:rPr lang="en-US" altLang="ko-KR" dirty="0" err="1"/>
-              <a:t>PCR</a:t>
-            </a:r>
-            <a:r>
-              <a:rPr lang="en-US" altLang="ko-KR" baseline="-25000" dirty="0" err="1"/>
-              <a:t>n</a:t>
-            </a:r>
-            <a:r>
-              <a:rPr lang="en-US" altLang="ko-KR" dirty="0"/>
-              <a:t> | </a:t>
-            </a:r>
-            <a:r>
-              <a:rPr lang="en-US" altLang="ko-KR" dirty="0" smtClean="0"/>
-              <a:t>hash</a:t>
-            </a:r>
-            <a:r>
-              <a:rPr lang="en-US" altLang="ko-KR" baseline="-25000" dirty="0" smtClean="0"/>
-              <a:t>n+1</a:t>
-            </a:r>
-            <a:r>
-              <a:rPr lang="en-US" altLang="ko-KR" dirty="0"/>
-              <a:t>)</a:t>
-            </a:r>
-          </a:p>
-          <a:p>
-            <a:pPr marL="0" indent="0">
-              <a:buNone/>
-            </a:pPr>
-            <a:r>
-              <a:rPr lang="en-US" altLang="ko-KR" dirty="0">
-                <a:sym typeface="Wingdings" panose="05000000000000000000" pitchFamily="2" charset="2"/>
-              </a:rPr>
-              <a:t/>
-            </a:r>
-            <a:br>
-              <a:rPr lang="en-US" altLang="ko-KR" dirty="0">
-                <a:sym typeface="Wingdings" panose="05000000000000000000" pitchFamily="2" charset="2"/>
-              </a:rPr>
-            </a:br>
-            <a:r>
-              <a:rPr lang="en-US" altLang="ko-KR" dirty="0">
-                <a:sym typeface="Wingdings" panose="05000000000000000000" pitchFamily="2" charset="2"/>
-              </a:rPr>
-              <a:t> PCR accumulates &amp; stores the 20-byte </a:t>
-            </a:r>
-            <a:r>
-              <a:rPr lang="en-US" altLang="ko-KR" dirty="0" smtClean="0">
-                <a:sym typeface="Wingdings" panose="05000000000000000000" pitchFamily="2" charset="2"/>
-              </a:rPr>
-              <a:t>hash </a:t>
-            </a:r>
-            <a:r>
-              <a:rPr lang="en-US" altLang="ko-KR" dirty="0">
-                <a:sym typeface="Wingdings" panose="05000000000000000000" pitchFamily="2" charset="2"/>
-              </a:rPr>
-              <a:t>signature of the system’s all </a:t>
-            </a:r>
-            <a:endParaRPr lang="en-US" altLang="ko-KR" dirty="0" smtClean="0">
-              <a:sym typeface="Wingdings" panose="05000000000000000000" pitchFamily="2" charset="2"/>
-            </a:endParaRPr>
-          </a:p>
-          <a:p>
-            <a:pPr marL="0" indent="0">
-              <a:buNone/>
-            </a:pPr>
-            <a:r>
-              <a:rPr lang="en-US" altLang="ko-KR" dirty="0" smtClean="0">
-                <a:sym typeface="Wingdings" panose="05000000000000000000" pitchFamily="2" charset="2"/>
-              </a:rPr>
-              <a:t>loaded </a:t>
-            </a:r>
-            <a:r>
-              <a:rPr lang="en-US" altLang="ko-KR" dirty="0">
-                <a:sym typeface="Wingdings" panose="05000000000000000000" pitchFamily="2" charset="2"/>
-              </a:rPr>
-              <a:t>binaries, modules, shared libraries since the computer’s boot-time</a:t>
-            </a:r>
-          </a:p>
-          <a:p>
-            <a:pPr marL="0" indent="0">
-              <a:buNone/>
-            </a:pPr>
-            <a:r>
-              <a:rPr lang="en-US" altLang="ko-KR" dirty="0">
-                <a:sym typeface="Wingdings" panose="05000000000000000000" pitchFamily="2" charset="2"/>
-              </a:rPr>
-              <a:t/>
-            </a:r>
-            <a:br>
-              <a:rPr lang="en-US" altLang="ko-KR" dirty="0">
-                <a:sym typeface="Wingdings" panose="05000000000000000000" pitchFamily="2" charset="2"/>
-              </a:rPr>
-            </a:br>
-            <a:r>
-              <a:rPr lang="en-US" altLang="ko-KR" dirty="0">
-                <a:sym typeface="Wingdings" panose="05000000000000000000" pitchFamily="2" charset="2"/>
-              </a:rPr>
-              <a:t> SHA1() is </a:t>
-            </a:r>
-            <a:r>
-              <a:rPr lang="en-US" altLang="ko-KR" dirty="0" smtClean="0">
-                <a:sym typeface="Wingdings" panose="05000000000000000000" pitchFamily="2" charset="2"/>
-              </a:rPr>
-              <a:t>a </a:t>
-            </a:r>
-            <a:r>
-              <a:rPr lang="en-US" altLang="ko-KR" dirty="0">
-                <a:sym typeface="Wingdings" panose="05000000000000000000" pitchFamily="2" charset="2"/>
-              </a:rPr>
-              <a:t>non-invertible cryptographic hash function </a:t>
-            </a:r>
-          </a:p>
-          <a:p>
-            <a:pPr marL="0" indent="0">
-              <a:buNone/>
-            </a:pPr>
-            <a:endParaRPr lang="en-US" altLang="ko-KR" dirty="0">
-              <a:sym typeface="Wingdings" panose="05000000000000000000" pitchFamily="2" charset="2"/>
-            </a:endParaRPr>
-          </a:p>
-          <a:p>
-            <a:pPr marL="0" indent="0">
-              <a:buNone/>
-            </a:pPr>
-            <a:r>
-              <a:rPr lang="en-US" altLang="ko-KR" dirty="0">
-                <a:sym typeface="Wingdings" panose="05000000000000000000" pitchFamily="2" charset="2"/>
-              </a:rPr>
-              <a:t> can’t intentionally update PCR to some expected value</a:t>
-            </a:r>
-            <a:endParaRPr lang="en-US" altLang="ko-KR" dirty="0"/>
-          </a:p>
-          <a:p>
-            <a:endParaRPr lang="ko-KR" altLang="en-US" dirty="0"/>
-          </a:p>
-        </p:txBody>
-      </p:sp>
-    </p:spTree>
-    <p:extLst>
-      <p:ext uri="{BB962C8B-B14F-4D97-AF65-F5344CB8AC3E}">
-        <p14:creationId xmlns:p14="http://schemas.microsoft.com/office/powerpoint/2010/main" val="3814618264"/>
-      </p:ext>
-    </p:extLst>
-  </p:cSld>
-  <p:clrMapOvr>
-    <a:masterClrMapping/>
-  </p:clrMapOvr>
-  <p:timing>
-    <p:tnLst>
-      <p:par>
-        <p:cTn id="1" dur="indefinite" restart="never" nodeType="tmRoot"/>
-      </p:par>
-    </p:tnLst>
-  </p:timing>
-</p:sld>
-</file>
-
-<file path=ppt/slides/slide4.xml><?xml version="1.0" encoding="utf-8"?>
-<p:sld xmlns:a="http://schemas.openxmlformats.org/drawingml/2006/main" xmlns:r="http://schemas.openxmlformats.org/officeDocument/2006/relationships" xmlns:p="http://schemas.openxmlformats.org/presentationml/2006/main">
-  <p:cSld>
-    <p:spTree>
-      <p:nvGrpSpPr>
-        <p:cNvPr id="1" name=""/>
-        <p:cNvGrpSpPr/>
-        <p:nvPr/>
-      </p:nvGrpSpPr>
-      <p:grpSpPr>
-        <a:xfrm>
-          <a:off x="0" y="0"/>
-          <a:ext cx="0" cy="0"/>
-          <a:chOff x="0" y="0"/>
-          <a:chExt cx="0" cy="0"/>
-        </a:xfrm>
-      </p:grpSpPr>
-      <p:sp>
-        <p:nvSpPr>
-          <p:cNvPr id="2" name="Title 1"/>
-          <p:cNvSpPr>
-            <a:spLocks noGrp="1"/>
-          </p:cNvSpPr>
-          <p:nvPr>
-            <p:ph type="title"/>
-          </p:nvPr>
-        </p:nvSpPr>
-        <p:spPr>
-          <a:xfrm>
-            <a:off x="426720" y="0"/>
-            <a:ext cx="11179629" cy="1325563"/>
-          </a:xfrm>
-        </p:spPr>
-        <p:txBody>
-          <a:bodyPr/>
-          <a:lstStyle/>
-          <a:p>
-            <a:pPr algn="ctr"/>
-            <a:r>
-              <a:rPr lang="en-US" altLang="ko-KR" b="1" dirty="0" smtClean="0"/>
-              <a:t>System Integrity Measurement</a:t>
-            </a:r>
-            <a:endParaRPr lang="ko-KR" altLang="en-US" b="1" dirty="0"/>
-          </a:p>
-        </p:txBody>
-      </p:sp>
-      <p:sp>
-        <p:nvSpPr>
-          <p:cNvPr id="3" name="Content Placeholder 2"/>
-          <p:cNvSpPr>
-            <a:spLocks noGrp="1"/>
-          </p:cNvSpPr>
-          <p:nvPr>
-            <p:ph idx="1"/>
-          </p:nvPr>
-        </p:nvSpPr>
-        <p:spPr>
-          <a:xfrm>
-            <a:off x="64656" y="1400688"/>
-            <a:ext cx="12127344" cy="3310393"/>
-          </a:xfrm>
-        </p:spPr>
-        <p:txBody>
-          <a:bodyPr>
-            <a:normAutofit fontScale="92500" lnSpcReduction="20000"/>
-          </a:bodyPr>
-          <a:lstStyle/>
-          <a:p>
-            <a:pPr marL="0" indent="0">
-              <a:buNone/>
-            </a:pPr>
-            <a:r>
-              <a:rPr lang="en-US" altLang="ko-KR" b="1" dirty="0" smtClean="0"/>
-              <a:t>[System Boot-up Sequence]</a:t>
-            </a:r>
-          </a:p>
-          <a:p>
-            <a:pPr marL="0" indent="0">
-              <a:buNone/>
-            </a:pPr>
-            <a:r>
-              <a:rPr lang="en-US" altLang="ko-KR" sz="2400" dirty="0" smtClean="0"/>
-              <a:t>BIOS </a:t>
-            </a:r>
-            <a:r>
-              <a:rPr lang="en-US" altLang="ko-KR" sz="2400" dirty="0" smtClean="0">
-                <a:sym typeface="Wingdings" panose="05000000000000000000" pitchFamily="2" charset="2"/>
-              </a:rPr>
-              <a:t> bootloader (GRUB2) </a:t>
-            </a:r>
-            <a:endParaRPr lang="en-US" altLang="ko-KR" sz="2400" dirty="0">
-              <a:sym typeface="Wingdings" panose="05000000000000000000" pitchFamily="2" charset="2"/>
-            </a:endParaRPr>
-          </a:p>
-          <a:p>
-            <a:pPr marL="0" indent="0">
-              <a:buNone/>
-            </a:pPr>
-            <a:r>
-              <a:rPr lang="en-US" altLang="ko-KR" sz="2400" dirty="0" smtClean="0">
-                <a:sym typeface="Wingdings" panose="05000000000000000000" pitchFamily="2" charset="2"/>
-              </a:rPr>
-              <a:t> OS kernel image (Linux, iOS, windows) </a:t>
-            </a:r>
-          </a:p>
-          <a:p>
-            <a:pPr>
-              <a:buFont typeface="Wingdings" panose="05000000000000000000" pitchFamily="2" charset="2"/>
-              <a:buChar char="à"/>
-            </a:pPr>
-            <a:r>
-              <a:rPr lang="en-US" altLang="ko-KR" sz="2400" dirty="0" smtClean="0">
-                <a:sym typeface="Wingdings" panose="05000000000000000000" pitchFamily="2" charset="2"/>
-              </a:rPr>
-              <a:t> startup executables, scripts, modules, shared libraries </a:t>
-            </a:r>
-          </a:p>
-          <a:p>
-            <a:pPr>
-              <a:buFont typeface="Wingdings" panose="05000000000000000000" pitchFamily="2" charset="2"/>
-              <a:buChar char="à"/>
-            </a:pPr>
-            <a:r>
-              <a:rPr lang="en-US" altLang="ko-KR" sz="2400" dirty="0" smtClean="0">
-                <a:sym typeface="Wingdings" panose="05000000000000000000" pitchFamily="2" charset="2"/>
-              </a:rPr>
-              <a:t> additional binaries</a:t>
-            </a:r>
-          </a:p>
-          <a:p>
-            <a:pPr marL="0" indent="0">
-              <a:buNone/>
-            </a:pPr>
-            <a:endParaRPr lang="en-US" altLang="ko-KR" dirty="0" smtClean="0">
-              <a:sym typeface="Wingdings" panose="05000000000000000000" pitchFamily="2" charset="2"/>
-            </a:endParaRPr>
-          </a:p>
-          <a:p>
-            <a:pPr marL="0" indent="0">
-              <a:buNone/>
-            </a:pPr>
-            <a:r>
-              <a:rPr lang="en-US" altLang="ko-KR" b="1" dirty="0" smtClean="0"/>
-              <a:t>[TPM’s PCR update rule]</a:t>
-            </a:r>
-          </a:p>
-          <a:p>
-            <a:pPr marL="0" indent="0">
-              <a:buNone/>
-            </a:pPr>
-            <a:r>
-              <a:rPr lang="en-US" altLang="ko-KR" dirty="0" smtClean="0"/>
-              <a:t>PCR</a:t>
-            </a:r>
-            <a:r>
-              <a:rPr lang="en-US" altLang="ko-KR" baseline="-25000" dirty="0" smtClean="0"/>
-              <a:t>n+1</a:t>
-            </a:r>
-            <a:r>
-              <a:rPr lang="en-US" altLang="ko-KR" dirty="0" smtClean="0"/>
-              <a:t> = SHA1(</a:t>
-            </a:r>
-            <a:r>
-              <a:rPr lang="en-US" altLang="ko-KR" dirty="0" err="1" smtClean="0"/>
-              <a:t>PCR</a:t>
-            </a:r>
-            <a:r>
-              <a:rPr lang="en-US" altLang="ko-KR" baseline="-25000" dirty="0" err="1" smtClean="0"/>
-              <a:t>n</a:t>
-            </a:r>
-            <a:r>
-              <a:rPr lang="en-US" altLang="ko-KR" dirty="0" smtClean="0"/>
-              <a:t> | hash</a:t>
-            </a:r>
-            <a:r>
-              <a:rPr lang="en-US" altLang="ko-KR" baseline="-25000" dirty="0" smtClean="0"/>
-              <a:t>n+1</a:t>
-            </a:r>
-            <a:r>
-              <a:rPr lang="en-US" altLang="ko-KR" dirty="0" smtClean="0"/>
-              <a:t>)</a:t>
-            </a:r>
-          </a:p>
-          <a:p>
-            <a:pPr marL="0" indent="0">
-              <a:buNone/>
-            </a:pPr>
-            <a:endParaRPr lang="en-US" altLang="ko-KR" dirty="0">
-              <a:sym typeface="Wingdings" panose="05000000000000000000" pitchFamily="2" charset="2"/>
-            </a:endParaRPr>
-          </a:p>
-          <a:p>
-            <a:pPr marL="0" indent="0">
-              <a:buNone/>
-            </a:pPr>
-            <a:endParaRPr lang="en-US" altLang="ko-KR" dirty="0">
-              <a:sym typeface="Wingdings" panose="05000000000000000000" pitchFamily="2" charset="2"/>
-            </a:endParaRPr>
-          </a:p>
-          <a:p>
-            <a:pPr marL="0" indent="0">
-              <a:buNone/>
-            </a:pPr>
-            <a:endParaRPr lang="en-US" altLang="ko-KR" dirty="0" smtClean="0"/>
-          </a:p>
-          <a:p>
-            <a:pPr marL="0" indent="0">
-              <a:buNone/>
-            </a:pPr>
-            <a:endParaRPr lang="ko-KR" altLang="en-US" dirty="0"/>
-          </a:p>
-        </p:txBody>
-      </p:sp>
-      <p:sp>
-        <p:nvSpPr>
-          <p:cNvPr id="4" name="Rectangle 3"/>
-          <p:cNvSpPr/>
-          <p:nvPr/>
-        </p:nvSpPr>
-        <p:spPr>
-          <a:xfrm>
-            <a:off x="7551124" y="2485570"/>
-            <a:ext cx="4528457" cy="3683725"/>
-          </a:xfrm>
-          <a:prstGeom prst="rect">
-            <a:avLst/>
-          </a:prstGeom>
-          <a:noFill/>
-        </p:spPr>
-        <p:style>
-          <a:lnRef idx="2">
-            <a:schemeClr val="accent1">
-              <a:shade val="50000"/>
-            </a:schemeClr>
-          </a:lnRef>
-          <a:fillRef idx="1">
-            <a:schemeClr val="accent1"/>
-          </a:fillRef>
-          <a:effectRef idx="0">
-            <a:schemeClr val="accent1"/>
-          </a:effectRef>
-          <a:fontRef idx="minor">
-            <a:schemeClr val="lt1"/>
-          </a:fontRef>
-        </p:style>
-        <p:txBody>
-          <a:bodyPr rtlCol="0" anchor="ctr"/>
-          <a:lstStyle/>
-          <a:p>
-            <a:pPr algn="ctr"/>
-            <a:endParaRPr lang="ko-KR" altLang="en-US"/>
-          </a:p>
-        </p:txBody>
-      </p:sp>
-      <p:sp>
-        <p:nvSpPr>
-          <p:cNvPr id="5" name="TextBox 4"/>
-          <p:cNvSpPr txBox="1"/>
-          <p:nvPr/>
-        </p:nvSpPr>
-        <p:spPr>
-          <a:xfrm>
-            <a:off x="9065326" y="5707630"/>
-            <a:ext cx="2099855" cy="461665"/>
-          </a:xfrm>
-          <a:prstGeom prst="rect">
-            <a:avLst/>
-          </a:prstGeom>
-          <a:noFill/>
-        </p:spPr>
-        <p:txBody>
-          <a:bodyPr wrap="square" rtlCol="0">
-            <a:spAutoFit/>
-          </a:bodyPr>
-          <a:lstStyle/>
-          <a:p>
-            <a:r>
-              <a:rPr lang="en-US" altLang="ko-KR" sz="2400" dirty="0" smtClean="0"/>
-              <a:t>BIOS</a:t>
-            </a:r>
-            <a:endParaRPr lang="ko-KR" altLang="en-US" sz="2400" dirty="0"/>
-          </a:p>
-        </p:txBody>
-      </p:sp>
-      <p:sp>
-        <p:nvSpPr>
-          <p:cNvPr id="6" name="TextBox 5"/>
-          <p:cNvSpPr txBox="1"/>
-          <p:nvPr/>
-        </p:nvSpPr>
-        <p:spPr>
-          <a:xfrm>
-            <a:off x="8169432" y="4796460"/>
-            <a:ext cx="4214949" cy="461665"/>
-          </a:xfrm>
-          <a:prstGeom prst="rect">
-            <a:avLst/>
-          </a:prstGeom>
-          <a:noFill/>
-        </p:spPr>
-        <p:txBody>
-          <a:bodyPr wrap="square" rtlCol="0">
-            <a:spAutoFit/>
-          </a:bodyPr>
-          <a:lstStyle/>
-          <a:p>
-            <a:r>
-              <a:rPr lang="en-US" altLang="ko-KR" sz="2400" dirty="0" smtClean="0"/>
-              <a:t>Kernel image (Linux)</a:t>
-            </a:r>
-            <a:endParaRPr lang="ko-KR" altLang="en-US" sz="2400" dirty="0"/>
-          </a:p>
-        </p:txBody>
-      </p:sp>
-      <p:sp>
-        <p:nvSpPr>
-          <p:cNvPr id="7" name="TextBox 6"/>
-          <p:cNvSpPr txBox="1"/>
-          <p:nvPr/>
-        </p:nvSpPr>
-        <p:spPr>
-          <a:xfrm>
-            <a:off x="8160724" y="5258125"/>
-            <a:ext cx="4302035" cy="461665"/>
-          </a:xfrm>
-          <a:prstGeom prst="rect">
-            <a:avLst/>
-          </a:prstGeom>
-          <a:noFill/>
-        </p:spPr>
-        <p:txBody>
-          <a:bodyPr wrap="square" rtlCol="0">
-            <a:spAutoFit/>
-          </a:bodyPr>
-          <a:lstStyle/>
-          <a:p>
-            <a:r>
-              <a:rPr lang="en-US" altLang="ko-KR" sz="2400" dirty="0" smtClean="0"/>
-              <a:t>Bootloader (GRUB2)</a:t>
-            </a:r>
-            <a:endParaRPr lang="ko-KR" altLang="en-US" sz="2400" dirty="0"/>
-          </a:p>
-        </p:txBody>
-      </p:sp>
-      <p:sp>
-        <p:nvSpPr>
-          <p:cNvPr id="8" name="TextBox 7"/>
-          <p:cNvSpPr txBox="1"/>
-          <p:nvPr/>
-        </p:nvSpPr>
-        <p:spPr>
-          <a:xfrm>
-            <a:off x="7551120" y="3262818"/>
-            <a:ext cx="4981303" cy="830997"/>
-          </a:xfrm>
-          <a:prstGeom prst="rect">
-            <a:avLst/>
-          </a:prstGeom>
-          <a:noFill/>
-        </p:spPr>
-        <p:txBody>
-          <a:bodyPr wrap="square" rtlCol="0">
-            <a:spAutoFit/>
-          </a:bodyPr>
-          <a:lstStyle/>
-          <a:p>
-            <a:r>
-              <a:rPr lang="en-US" altLang="ko-KR" sz="2400" dirty="0" smtClean="0"/>
-              <a:t>User-space executables, scripts, </a:t>
-            </a:r>
-          </a:p>
-          <a:p>
-            <a:r>
-              <a:rPr lang="en-US" altLang="ko-KR" sz="2400" dirty="0" smtClean="0"/>
-              <a:t>kernel modules, shared libraries</a:t>
-            </a:r>
-            <a:endParaRPr lang="ko-KR" altLang="en-US" sz="2400" dirty="0"/>
-          </a:p>
-        </p:txBody>
-      </p:sp>
-      <p:sp>
-        <p:nvSpPr>
-          <p:cNvPr id="9" name="TextBox 8"/>
-          <p:cNvSpPr txBox="1"/>
-          <p:nvPr/>
-        </p:nvSpPr>
-        <p:spPr>
-          <a:xfrm>
-            <a:off x="9484424" y="4093816"/>
-            <a:ext cx="1114697" cy="369332"/>
-          </a:xfrm>
-          <a:prstGeom prst="rect">
-            <a:avLst/>
-          </a:prstGeom>
-          <a:noFill/>
-        </p:spPr>
-        <p:txBody>
-          <a:bodyPr wrap="square" rtlCol="0">
-            <a:spAutoFit/>
-          </a:bodyPr>
-          <a:lstStyle/>
-          <a:p>
-            <a:r>
-              <a:rPr lang="en-US" altLang="ko-KR" dirty="0" smtClean="0"/>
-              <a:t>......</a:t>
-            </a:r>
-            <a:endParaRPr lang="ko-KR" altLang="en-US" dirty="0"/>
-          </a:p>
-        </p:txBody>
-      </p:sp>
-      <p:cxnSp>
-        <p:nvCxnSpPr>
-          <p:cNvPr id="11" name="Straight Connector 10"/>
-          <p:cNvCxnSpPr/>
-          <p:nvPr/>
-        </p:nvCxnSpPr>
-        <p:spPr>
-          <a:xfrm>
-            <a:off x="7551124" y="5707630"/>
-            <a:ext cx="4528457" cy="0"/>
-          </a:xfrm>
-          <a:prstGeom prst="line">
-            <a:avLst/>
-          </a:prstGeom>
-        </p:spPr>
-        <p:style>
-          <a:lnRef idx="1">
-            <a:schemeClr val="accent1"/>
-          </a:lnRef>
-          <a:fillRef idx="0">
-            <a:schemeClr val="accent1"/>
-          </a:fillRef>
-          <a:effectRef idx="0">
-            <a:schemeClr val="accent1"/>
-          </a:effectRef>
-          <a:fontRef idx="minor">
-            <a:schemeClr val="tx1"/>
-          </a:fontRef>
-        </p:style>
-      </p:cxnSp>
-      <p:cxnSp>
-        <p:nvCxnSpPr>
-          <p:cNvPr id="13" name="Straight Connector 12"/>
-          <p:cNvCxnSpPr/>
-          <p:nvPr/>
-        </p:nvCxnSpPr>
-        <p:spPr>
-          <a:xfrm>
-            <a:off x="7551124" y="5258125"/>
-            <a:ext cx="4528457" cy="0"/>
-          </a:xfrm>
-          <a:prstGeom prst="line">
-            <a:avLst/>
-          </a:prstGeom>
-        </p:spPr>
-        <p:style>
-          <a:lnRef idx="1">
-            <a:schemeClr val="accent1"/>
-          </a:lnRef>
-          <a:fillRef idx="0">
-            <a:schemeClr val="accent1"/>
-          </a:fillRef>
-          <a:effectRef idx="0">
-            <a:schemeClr val="accent1"/>
-          </a:effectRef>
-          <a:fontRef idx="minor">
-            <a:schemeClr val="tx1"/>
-          </a:fontRef>
-        </p:style>
-      </p:cxnSp>
-      <p:cxnSp>
-        <p:nvCxnSpPr>
-          <p:cNvPr id="15" name="Straight Connector 14"/>
-          <p:cNvCxnSpPr/>
-          <p:nvPr/>
-        </p:nvCxnSpPr>
-        <p:spPr>
-          <a:xfrm>
-            <a:off x="7551124" y="4728140"/>
-            <a:ext cx="4528457" cy="0"/>
-          </a:xfrm>
-          <a:prstGeom prst="line">
-            <a:avLst/>
-          </a:prstGeom>
-        </p:spPr>
-        <p:style>
-          <a:lnRef idx="1">
-            <a:schemeClr val="accent1"/>
-          </a:lnRef>
-          <a:fillRef idx="0">
-            <a:schemeClr val="accent1"/>
-          </a:fillRef>
-          <a:effectRef idx="0">
-            <a:schemeClr val="accent1"/>
-          </a:effectRef>
-          <a:fontRef idx="minor">
-            <a:schemeClr val="tx1"/>
-          </a:fontRef>
-        </p:style>
-      </p:cxnSp>
-      <p:sp>
-        <p:nvSpPr>
-          <p:cNvPr id="16" name="TextBox 15"/>
-          <p:cNvSpPr txBox="1"/>
-          <p:nvPr/>
-        </p:nvSpPr>
-        <p:spPr>
-          <a:xfrm>
-            <a:off x="6745036" y="5753686"/>
-            <a:ext cx="1245326" cy="369332"/>
-          </a:xfrm>
-          <a:prstGeom prst="rect">
-            <a:avLst/>
-          </a:prstGeom>
-          <a:noFill/>
-        </p:spPr>
-        <p:txBody>
-          <a:bodyPr wrap="square" rtlCol="0">
-            <a:spAutoFit/>
-          </a:bodyPr>
-          <a:lstStyle/>
-          <a:p>
-            <a:r>
-              <a:rPr lang="en-US" altLang="ko-KR" b="1" dirty="0" smtClean="0"/>
-              <a:t>n=1</a:t>
-            </a:r>
-            <a:endParaRPr lang="ko-KR" altLang="en-US" b="1" dirty="0"/>
-          </a:p>
-        </p:txBody>
-      </p:sp>
-      <p:sp>
-        <p:nvSpPr>
-          <p:cNvPr id="18" name="TextBox 17"/>
-          <p:cNvSpPr txBox="1"/>
-          <p:nvPr/>
-        </p:nvSpPr>
-        <p:spPr>
-          <a:xfrm>
-            <a:off x="6745036" y="5275184"/>
-            <a:ext cx="1915885" cy="369332"/>
-          </a:xfrm>
-          <a:prstGeom prst="rect">
-            <a:avLst/>
-          </a:prstGeom>
-          <a:noFill/>
-        </p:spPr>
-        <p:txBody>
-          <a:bodyPr wrap="square" rtlCol="0">
-            <a:spAutoFit/>
-          </a:bodyPr>
-          <a:lstStyle/>
-          <a:p>
-            <a:r>
-              <a:rPr lang="en-US" altLang="ko-KR" b="1" dirty="0" smtClean="0"/>
-              <a:t>n=2</a:t>
-            </a:r>
-            <a:endParaRPr lang="ko-KR" altLang="en-US" b="1" dirty="0"/>
-          </a:p>
-        </p:txBody>
-      </p:sp>
-      <p:sp>
-        <p:nvSpPr>
-          <p:cNvPr id="19" name="TextBox 18"/>
-          <p:cNvSpPr txBox="1"/>
-          <p:nvPr/>
-        </p:nvSpPr>
-        <p:spPr>
-          <a:xfrm>
-            <a:off x="6745036" y="4799937"/>
-            <a:ext cx="1280160" cy="369332"/>
-          </a:xfrm>
-          <a:prstGeom prst="rect">
-            <a:avLst/>
-          </a:prstGeom>
-          <a:noFill/>
-        </p:spPr>
-        <p:txBody>
-          <a:bodyPr wrap="square" rtlCol="0">
-            <a:spAutoFit/>
-          </a:bodyPr>
-          <a:lstStyle/>
-          <a:p>
-            <a:r>
-              <a:rPr lang="en-US" altLang="ko-KR" b="1" dirty="0" smtClean="0"/>
-              <a:t>n=3</a:t>
-            </a:r>
-            <a:endParaRPr lang="ko-KR" altLang="en-US" b="1" dirty="0"/>
-          </a:p>
-        </p:txBody>
-      </p:sp>
-      <p:sp>
-        <p:nvSpPr>
-          <p:cNvPr id="20" name="TextBox 19"/>
-          <p:cNvSpPr txBox="1"/>
-          <p:nvPr/>
-        </p:nvSpPr>
-        <p:spPr>
-          <a:xfrm>
-            <a:off x="6358049" y="3787973"/>
-            <a:ext cx="1811383" cy="369332"/>
-          </a:xfrm>
-          <a:prstGeom prst="rect">
-            <a:avLst/>
-          </a:prstGeom>
-          <a:noFill/>
-        </p:spPr>
-        <p:txBody>
-          <a:bodyPr wrap="square" rtlCol="0">
-            <a:spAutoFit/>
-          </a:bodyPr>
-          <a:lstStyle/>
-          <a:p>
-            <a:r>
-              <a:rPr lang="en-US" altLang="ko-KR" b="1" dirty="0" smtClean="0"/>
-              <a:t>n=4,5,6...</a:t>
-            </a:r>
-            <a:endParaRPr lang="ko-KR" altLang="en-US" b="1" dirty="0"/>
-          </a:p>
-        </p:txBody>
-      </p:sp>
-      <p:sp>
-        <p:nvSpPr>
-          <p:cNvPr id="22" name="TextBox 21"/>
-          <p:cNvSpPr txBox="1"/>
-          <p:nvPr/>
-        </p:nvSpPr>
-        <p:spPr>
-          <a:xfrm>
-            <a:off x="7232074" y="6275210"/>
-            <a:ext cx="5152308" cy="461665"/>
-          </a:xfrm>
-          <a:prstGeom prst="rect">
-            <a:avLst/>
-          </a:prstGeom>
-          <a:noFill/>
-        </p:spPr>
-        <p:txBody>
-          <a:bodyPr wrap="square" rtlCol="0">
-            <a:spAutoFit/>
-          </a:bodyPr>
-          <a:lstStyle/>
-          <a:p>
-            <a:r>
-              <a:rPr lang="en-US" altLang="ko-KR" sz="2400" b="1" dirty="0" smtClean="0"/>
-              <a:t>[System Boot-up Software Stack]</a:t>
-            </a:r>
-            <a:endParaRPr lang="ko-KR" altLang="en-US" sz="2400" b="1" dirty="0"/>
-          </a:p>
-        </p:txBody>
-      </p:sp>
-      <p:sp>
-        <p:nvSpPr>
-          <p:cNvPr id="23" name="TextBox 22"/>
-          <p:cNvSpPr txBox="1"/>
-          <p:nvPr/>
-        </p:nvSpPr>
-        <p:spPr>
-          <a:xfrm>
-            <a:off x="9484424" y="2708820"/>
-            <a:ext cx="1114697" cy="369332"/>
-          </a:xfrm>
-          <a:prstGeom prst="rect">
-            <a:avLst/>
-          </a:prstGeom>
-          <a:noFill/>
-        </p:spPr>
-        <p:txBody>
-          <a:bodyPr wrap="square" rtlCol="0">
-            <a:spAutoFit/>
-          </a:bodyPr>
-          <a:lstStyle/>
-          <a:p>
-            <a:r>
-              <a:rPr lang="en-US" altLang="ko-KR" dirty="0" smtClean="0"/>
-              <a:t>......</a:t>
-            </a:r>
-            <a:endParaRPr lang="ko-KR" altLang="en-US" dirty="0"/>
-          </a:p>
-        </p:txBody>
-      </p:sp>
-    </p:spTree>
-    <p:extLst>
-      <p:ext uri="{BB962C8B-B14F-4D97-AF65-F5344CB8AC3E}">
-        <p14:creationId xmlns:p14="http://schemas.microsoft.com/office/powerpoint/2010/main" val="1393068764"/>
-      </p:ext>
-    </p:extLst>
-  </p:cSld>
-  <p:clrMapOvr>
-    <a:masterClrMapping/>
-  </p:clrMapOvr>
-</p:sld>
-</file>
-
-<file path=ppt/slides/slide5.xml><?xml version="1.0" encoding="utf-8"?>
-<p:sld xmlns:a="http://schemas.openxmlformats.org/drawingml/2006/main" xmlns:r="http://schemas.openxmlformats.org/officeDocument/2006/relationships" xmlns:p="http://schemas.openxmlformats.org/presentationml/2006/main">
-  <p:cSld>
-    <p:spTree>
-      <p:nvGrpSpPr>
-        <p:cNvPr id="1" name=""/>
-        <p:cNvGrpSpPr/>
-        <p:nvPr/>
-      </p:nvGrpSpPr>
-      <p:grpSpPr>
-        <a:xfrm>
-          <a:off x="0" y="0"/>
-          <a:ext cx="0" cy="0"/>
-          <a:chOff x="0" y="0"/>
-          <a:chExt cx="0" cy="0"/>
-        </a:xfrm>
-      </p:grpSpPr>
-      <p:sp>
-        <p:nvSpPr>
-          <p:cNvPr id="27" name="Rectangle 26"/>
-          <p:cNvSpPr/>
-          <p:nvPr/>
-        </p:nvSpPr>
-        <p:spPr>
-          <a:xfrm>
-            <a:off x="7536872" y="2835213"/>
-            <a:ext cx="4521331" cy="430571"/>
-          </a:xfrm>
-          <a:prstGeom prst="rect">
-            <a:avLst/>
-          </a:prstGeom>
-          <a:solidFill>
-            <a:srgbClr val="FFA3A3"/>
-          </a:solidFill>
-          <a:ln>
-            <a:solidFill>
-              <a:srgbClr val="FFA3A3"/>
-            </a:solidFill>
-          </a:ln>
-        </p:spPr>
-        <p:style>
-          <a:lnRef idx="2">
-            <a:schemeClr val="accent1">
-              <a:shade val="50000"/>
-            </a:schemeClr>
-          </a:lnRef>
-          <a:fillRef idx="1">
-            <a:schemeClr val="accent1"/>
-          </a:fillRef>
-          <a:effectRef idx="0">
-            <a:schemeClr val="accent1"/>
-          </a:effectRef>
-          <a:fontRef idx="minor">
-            <a:schemeClr val="lt1"/>
-          </a:fontRef>
-        </p:style>
-        <p:txBody>
-          <a:bodyPr rtlCol="0" anchor="ctr"/>
-          <a:lstStyle/>
-          <a:p>
-            <a:pPr algn="ctr"/>
-            <a:endParaRPr lang="ko-KR" altLang="en-US"/>
-          </a:p>
-        </p:txBody>
-      </p:sp>
-      <p:sp>
-        <p:nvSpPr>
-          <p:cNvPr id="2" name="Title 1"/>
-          <p:cNvSpPr>
-            <a:spLocks noGrp="1"/>
-          </p:cNvSpPr>
-          <p:nvPr>
-            <p:ph type="title"/>
-          </p:nvPr>
-        </p:nvSpPr>
-        <p:spPr>
-          <a:xfrm>
-            <a:off x="426720" y="0"/>
-            <a:ext cx="11179629" cy="1325563"/>
-          </a:xfrm>
-        </p:spPr>
-        <p:txBody>
-          <a:bodyPr/>
-          <a:lstStyle/>
-          <a:p>
-            <a:pPr algn="ctr"/>
-            <a:r>
-              <a:rPr lang="en-US" altLang="ko-KR" b="1" dirty="0" smtClean="0"/>
-              <a:t>System Integrity Measurement</a:t>
-            </a:r>
-            <a:endParaRPr lang="ko-KR" altLang="en-US" b="1" dirty="0"/>
-          </a:p>
-        </p:txBody>
-      </p:sp>
-      <p:sp>
-        <p:nvSpPr>
-          <p:cNvPr id="3" name="Content Placeholder 2"/>
-          <p:cNvSpPr>
-            <a:spLocks noGrp="1"/>
-          </p:cNvSpPr>
-          <p:nvPr>
-            <p:ph idx="1"/>
-          </p:nvPr>
-        </p:nvSpPr>
-        <p:spPr>
-          <a:xfrm>
-            <a:off x="64656" y="1400688"/>
-            <a:ext cx="12127344" cy="3310393"/>
-          </a:xfrm>
-        </p:spPr>
-        <p:txBody>
-          <a:bodyPr>
-            <a:normAutofit fontScale="92500" lnSpcReduction="20000"/>
-          </a:bodyPr>
-          <a:lstStyle/>
-          <a:p>
-            <a:pPr marL="0" indent="0">
-              <a:buNone/>
-            </a:pPr>
-            <a:r>
-              <a:rPr lang="en-US" altLang="ko-KR" b="1" dirty="0" smtClean="0"/>
-              <a:t>[System Boot-up Sequence]</a:t>
-            </a:r>
-          </a:p>
-          <a:p>
-            <a:pPr marL="0" indent="0">
-              <a:buNone/>
-            </a:pPr>
-            <a:r>
-              <a:rPr lang="en-US" altLang="ko-KR" sz="2400" dirty="0" smtClean="0"/>
-              <a:t>BIOS </a:t>
-            </a:r>
-            <a:r>
-              <a:rPr lang="en-US" altLang="ko-KR" sz="2400" dirty="0" smtClean="0">
-                <a:sym typeface="Wingdings" panose="05000000000000000000" pitchFamily="2" charset="2"/>
-              </a:rPr>
-              <a:t> bootloader (GRUB2) </a:t>
-            </a:r>
-            <a:endParaRPr lang="en-US" altLang="ko-KR" sz="2400" dirty="0">
-              <a:sym typeface="Wingdings" panose="05000000000000000000" pitchFamily="2" charset="2"/>
-            </a:endParaRPr>
-          </a:p>
-          <a:p>
-            <a:pPr marL="0" indent="0">
-              <a:buNone/>
-            </a:pPr>
-            <a:r>
-              <a:rPr lang="en-US" altLang="ko-KR" sz="2400" dirty="0" smtClean="0">
-                <a:sym typeface="Wingdings" panose="05000000000000000000" pitchFamily="2" charset="2"/>
-              </a:rPr>
-              <a:t> OS kernel image (Linux, iOS, windows) </a:t>
-            </a:r>
-          </a:p>
-          <a:p>
-            <a:pPr>
-              <a:buFont typeface="Wingdings" panose="05000000000000000000" pitchFamily="2" charset="2"/>
-              <a:buChar char="à"/>
-            </a:pPr>
-            <a:r>
-              <a:rPr lang="en-US" altLang="ko-KR" sz="2400" dirty="0" smtClean="0">
-                <a:sym typeface="Wingdings" panose="05000000000000000000" pitchFamily="2" charset="2"/>
-              </a:rPr>
-              <a:t> startup executables, scripts, modules, shared libraries </a:t>
-            </a:r>
-          </a:p>
-          <a:p>
-            <a:pPr>
-              <a:buFont typeface="Wingdings" panose="05000000000000000000" pitchFamily="2" charset="2"/>
-              <a:buChar char="à"/>
-            </a:pPr>
-            <a:r>
-              <a:rPr lang="en-US" altLang="ko-KR" sz="2400" dirty="0" smtClean="0">
-                <a:sym typeface="Wingdings" panose="05000000000000000000" pitchFamily="2" charset="2"/>
-              </a:rPr>
-              <a:t> additional binaries</a:t>
-            </a:r>
-          </a:p>
-          <a:p>
-            <a:pPr marL="0" indent="0">
-              <a:buNone/>
-            </a:pPr>
-            <a:endParaRPr lang="en-US" altLang="ko-KR" dirty="0" smtClean="0">
-              <a:sym typeface="Wingdings" panose="05000000000000000000" pitchFamily="2" charset="2"/>
-            </a:endParaRPr>
-          </a:p>
-          <a:p>
-            <a:pPr marL="0" indent="0">
-              <a:buNone/>
-            </a:pPr>
-            <a:r>
-              <a:rPr lang="en-US" altLang="ko-KR" b="1" dirty="0" smtClean="0"/>
-              <a:t>[TPM’s PCR update rule]</a:t>
-            </a:r>
-          </a:p>
-          <a:p>
-            <a:pPr marL="0" indent="0">
-              <a:buNone/>
-            </a:pPr>
-            <a:r>
-              <a:rPr lang="en-US" altLang="ko-KR" dirty="0" smtClean="0"/>
-              <a:t>PCR</a:t>
-            </a:r>
-            <a:r>
-              <a:rPr lang="en-US" altLang="ko-KR" baseline="-25000" dirty="0" smtClean="0"/>
-              <a:t>n+1</a:t>
-            </a:r>
-            <a:r>
-              <a:rPr lang="en-US" altLang="ko-KR" dirty="0" smtClean="0"/>
-              <a:t> = SHA1(</a:t>
-            </a:r>
-            <a:r>
-              <a:rPr lang="en-US" altLang="ko-KR" dirty="0" err="1" smtClean="0"/>
-              <a:t>PCR</a:t>
-            </a:r>
-            <a:r>
-              <a:rPr lang="en-US" altLang="ko-KR" baseline="-25000" dirty="0" err="1" smtClean="0"/>
-              <a:t>n</a:t>
-            </a:r>
-            <a:r>
-              <a:rPr lang="en-US" altLang="ko-KR" dirty="0" smtClean="0"/>
-              <a:t> | hash</a:t>
-            </a:r>
-            <a:r>
-              <a:rPr lang="en-US" altLang="ko-KR" baseline="-25000" dirty="0" smtClean="0"/>
-              <a:t>n+1</a:t>
-            </a:r>
-            <a:r>
-              <a:rPr lang="en-US" altLang="ko-KR" dirty="0" smtClean="0"/>
-              <a:t>)</a:t>
-            </a:r>
-          </a:p>
-          <a:p>
-            <a:pPr marL="0" indent="0">
-              <a:buNone/>
-            </a:pPr>
-            <a:endParaRPr lang="en-US" altLang="ko-KR" dirty="0">
-              <a:sym typeface="Wingdings" panose="05000000000000000000" pitchFamily="2" charset="2"/>
-            </a:endParaRPr>
-          </a:p>
-          <a:p>
-            <a:pPr marL="0" indent="0">
-              <a:buNone/>
-            </a:pPr>
-            <a:endParaRPr lang="en-US" altLang="ko-KR" dirty="0">
-              <a:sym typeface="Wingdings" panose="05000000000000000000" pitchFamily="2" charset="2"/>
-            </a:endParaRPr>
-          </a:p>
-          <a:p>
-            <a:pPr marL="0" indent="0">
-              <a:buNone/>
-            </a:pPr>
-            <a:endParaRPr lang="en-US" altLang="ko-KR" dirty="0" smtClean="0"/>
-          </a:p>
-          <a:p>
-            <a:pPr marL="0" indent="0">
-              <a:buNone/>
-            </a:pPr>
-            <a:endParaRPr lang="ko-KR" altLang="en-US" dirty="0"/>
-          </a:p>
-        </p:txBody>
-      </p:sp>
-      <p:sp>
-        <p:nvSpPr>
-          <p:cNvPr id="4" name="Rectangle 3"/>
-          <p:cNvSpPr/>
-          <p:nvPr/>
-        </p:nvSpPr>
-        <p:spPr>
-          <a:xfrm>
-            <a:off x="7551124" y="2485570"/>
-            <a:ext cx="4528457" cy="3683725"/>
-          </a:xfrm>
-          <a:prstGeom prst="rect">
-            <a:avLst/>
-          </a:prstGeom>
-          <a:noFill/>
-        </p:spPr>
-        <p:style>
-          <a:lnRef idx="2">
-            <a:schemeClr val="accent1">
-              <a:shade val="50000"/>
-            </a:schemeClr>
-          </a:lnRef>
-          <a:fillRef idx="1">
-            <a:schemeClr val="accent1"/>
-          </a:fillRef>
-          <a:effectRef idx="0">
-            <a:schemeClr val="accent1"/>
-          </a:effectRef>
-          <a:fontRef idx="minor">
-            <a:schemeClr val="lt1"/>
-          </a:fontRef>
-        </p:style>
-        <p:txBody>
-          <a:bodyPr rtlCol="0" anchor="ctr"/>
-          <a:lstStyle/>
-          <a:p>
-            <a:pPr algn="ctr"/>
-            <a:endParaRPr lang="ko-KR" altLang="en-US"/>
-          </a:p>
-        </p:txBody>
-      </p:sp>
-      <p:sp>
-        <p:nvSpPr>
-          <p:cNvPr id="5" name="TextBox 4"/>
-          <p:cNvSpPr txBox="1"/>
-          <p:nvPr/>
-        </p:nvSpPr>
-        <p:spPr>
-          <a:xfrm>
-            <a:off x="9065326" y="5707630"/>
-            <a:ext cx="2099855" cy="461665"/>
-          </a:xfrm>
-          <a:prstGeom prst="rect">
-            <a:avLst/>
-          </a:prstGeom>
-          <a:noFill/>
-        </p:spPr>
-        <p:txBody>
-          <a:bodyPr wrap="square" rtlCol="0">
-            <a:spAutoFit/>
-          </a:bodyPr>
-          <a:lstStyle/>
-          <a:p>
-            <a:r>
-              <a:rPr lang="en-US" altLang="ko-KR" sz="2400" dirty="0" smtClean="0"/>
-              <a:t>BIOS</a:t>
-            </a:r>
-            <a:endParaRPr lang="ko-KR" altLang="en-US" sz="2400" dirty="0"/>
-          </a:p>
-        </p:txBody>
-      </p:sp>
-      <p:sp>
-        <p:nvSpPr>
-          <p:cNvPr id="6" name="TextBox 5"/>
-          <p:cNvSpPr txBox="1"/>
-          <p:nvPr/>
-        </p:nvSpPr>
-        <p:spPr>
-          <a:xfrm>
-            <a:off x="8169432" y="4796460"/>
-            <a:ext cx="4214949" cy="461665"/>
-          </a:xfrm>
-          <a:prstGeom prst="rect">
-            <a:avLst/>
-          </a:prstGeom>
-          <a:noFill/>
-        </p:spPr>
-        <p:txBody>
-          <a:bodyPr wrap="square" rtlCol="0">
-            <a:spAutoFit/>
-          </a:bodyPr>
-          <a:lstStyle/>
-          <a:p>
-            <a:r>
-              <a:rPr lang="en-US" altLang="ko-KR" sz="2400" dirty="0" smtClean="0"/>
-              <a:t>Kernel image (Linux)</a:t>
-            </a:r>
-            <a:endParaRPr lang="ko-KR" altLang="en-US" sz="2400" dirty="0"/>
-          </a:p>
-        </p:txBody>
-      </p:sp>
-      <p:sp>
-        <p:nvSpPr>
-          <p:cNvPr id="7" name="TextBox 6"/>
-          <p:cNvSpPr txBox="1"/>
-          <p:nvPr/>
-        </p:nvSpPr>
-        <p:spPr>
-          <a:xfrm>
-            <a:off x="8160724" y="5258125"/>
-            <a:ext cx="4302035" cy="461665"/>
-          </a:xfrm>
-          <a:prstGeom prst="rect">
-            <a:avLst/>
-          </a:prstGeom>
-          <a:noFill/>
-        </p:spPr>
-        <p:txBody>
-          <a:bodyPr wrap="square" rtlCol="0">
-            <a:spAutoFit/>
-          </a:bodyPr>
-          <a:lstStyle/>
-          <a:p>
-            <a:r>
-              <a:rPr lang="en-US" altLang="ko-KR" sz="2400" dirty="0" smtClean="0"/>
-              <a:t>Bootloader (GRUB2)</a:t>
-            </a:r>
-            <a:endParaRPr lang="ko-KR" altLang="en-US" sz="2400" dirty="0"/>
-          </a:p>
-        </p:txBody>
-      </p:sp>
-      <p:sp>
-        <p:nvSpPr>
-          <p:cNvPr id="8" name="TextBox 7"/>
-          <p:cNvSpPr txBox="1"/>
-          <p:nvPr/>
-        </p:nvSpPr>
-        <p:spPr>
-          <a:xfrm>
-            <a:off x="7551124" y="3595598"/>
-            <a:ext cx="4981303" cy="830997"/>
-          </a:xfrm>
-          <a:prstGeom prst="rect">
-            <a:avLst/>
-          </a:prstGeom>
-          <a:noFill/>
-        </p:spPr>
-        <p:txBody>
-          <a:bodyPr wrap="square" rtlCol="0">
-            <a:spAutoFit/>
-          </a:bodyPr>
-          <a:lstStyle/>
-          <a:p>
-            <a:r>
-              <a:rPr lang="en-US" altLang="ko-KR" sz="2400" dirty="0" smtClean="0"/>
-              <a:t>User-space executables, scripts, </a:t>
-            </a:r>
-          </a:p>
-          <a:p>
-            <a:r>
-              <a:rPr lang="en-US" altLang="ko-KR" sz="2400" dirty="0" smtClean="0"/>
-              <a:t>kernel modules, shared libraries</a:t>
-            </a:r>
-            <a:endParaRPr lang="ko-KR" altLang="en-US" sz="2400" dirty="0"/>
-          </a:p>
-        </p:txBody>
-      </p:sp>
-      <p:sp>
-        <p:nvSpPr>
-          <p:cNvPr id="9" name="TextBox 8"/>
-          <p:cNvSpPr txBox="1"/>
-          <p:nvPr/>
-        </p:nvSpPr>
-        <p:spPr>
-          <a:xfrm>
-            <a:off x="9484424" y="4246216"/>
-            <a:ext cx="1114697" cy="369332"/>
-          </a:xfrm>
-          <a:prstGeom prst="rect">
-            <a:avLst/>
-          </a:prstGeom>
-          <a:noFill/>
-        </p:spPr>
-        <p:txBody>
-          <a:bodyPr wrap="square" rtlCol="0">
-            <a:spAutoFit/>
-          </a:bodyPr>
-          <a:lstStyle/>
-          <a:p>
-            <a:r>
-              <a:rPr lang="en-US" altLang="ko-KR" dirty="0" smtClean="0"/>
-              <a:t>......</a:t>
-            </a:r>
-            <a:endParaRPr lang="ko-KR" altLang="en-US" dirty="0"/>
-          </a:p>
-        </p:txBody>
-      </p:sp>
-      <p:cxnSp>
-        <p:nvCxnSpPr>
-          <p:cNvPr id="11" name="Straight Connector 10"/>
-          <p:cNvCxnSpPr/>
-          <p:nvPr/>
-        </p:nvCxnSpPr>
-        <p:spPr>
-          <a:xfrm>
-            <a:off x="7551124" y="5707630"/>
-            <a:ext cx="4528457" cy="0"/>
-          </a:xfrm>
-          <a:prstGeom prst="line">
-            <a:avLst/>
-          </a:prstGeom>
-        </p:spPr>
-        <p:style>
-          <a:lnRef idx="1">
-            <a:schemeClr val="accent1"/>
-          </a:lnRef>
-          <a:fillRef idx="0">
-            <a:schemeClr val="accent1"/>
-          </a:fillRef>
-          <a:effectRef idx="0">
-            <a:schemeClr val="accent1"/>
-          </a:effectRef>
-          <a:fontRef idx="minor">
-            <a:schemeClr val="tx1"/>
-          </a:fontRef>
-        </p:style>
-      </p:cxnSp>
-      <p:cxnSp>
-        <p:nvCxnSpPr>
-          <p:cNvPr id="13" name="Straight Connector 12"/>
-          <p:cNvCxnSpPr/>
-          <p:nvPr/>
-        </p:nvCxnSpPr>
-        <p:spPr>
-          <a:xfrm>
-            <a:off x="7551124" y="5258125"/>
-            <a:ext cx="4528457" cy="0"/>
-          </a:xfrm>
-          <a:prstGeom prst="line">
-            <a:avLst/>
-          </a:prstGeom>
-        </p:spPr>
-        <p:style>
-          <a:lnRef idx="1">
-            <a:schemeClr val="accent1"/>
-          </a:lnRef>
-          <a:fillRef idx="0">
-            <a:schemeClr val="accent1"/>
-          </a:fillRef>
-          <a:effectRef idx="0">
-            <a:schemeClr val="accent1"/>
-          </a:effectRef>
-          <a:fontRef idx="minor">
-            <a:schemeClr val="tx1"/>
-          </a:fontRef>
-        </p:style>
-      </p:cxnSp>
-      <p:cxnSp>
-        <p:nvCxnSpPr>
-          <p:cNvPr id="15" name="Straight Connector 14"/>
-          <p:cNvCxnSpPr/>
-          <p:nvPr/>
-        </p:nvCxnSpPr>
-        <p:spPr>
-          <a:xfrm>
-            <a:off x="7551124" y="4728140"/>
-            <a:ext cx="4528457" cy="0"/>
-          </a:xfrm>
-          <a:prstGeom prst="line">
-            <a:avLst/>
-          </a:prstGeom>
-        </p:spPr>
-        <p:style>
-          <a:lnRef idx="1">
-            <a:schemeClr val="accent1"/>
-          </a:lnRef>
-          <a:fillRef idx="0">
-            <a:schemeClr val="accent1"/>
-          </a:fillRef>
-          <a:effectRef idx="0">
-            <a:schemeClr val="accent1"/>
-          </a:effectRef>
-          <a:fontRef idx="minor">
-            <a:schemeClr val="tx1"/>
-          </a:fontRef>
-        </p:style>
-      </p:cxnSp>
-      <p:sp>
-        <p:nvSpPr>
-          <p:cNvPr id="16" name="TextBox 15"/>
-          <p:cNvSpPr txBox="1"/>
-          <p:nvPr/>
-        </p:nvSpPr>
-        <p:spPr>
-          <a:xfrm>
-            <a:off x="6745036" y="5753686"/>
-            <a:ext cx="1245326" cy="369332"/>
-          </a:xfrm>
-          <a:prstGeom prst="rect">
-            <a:avLst/>
-          </a:prstGeom>
-          <a:noFill/>
-        </p:spPr>
-        <p:txBody>
-          <a:bodyPr wrap="square" rtlCol="0">
-            <a:spAutoFit/>
-          </a:bodyPr>
-          <a:lstStyle/>
-          <a:p>
-            <a:r>
-              <a:rPr lang="en-US" altLang="ko-KR" b="1" dirty="0" smtClean="0"/>
-              <a:t>n=1</a:t>
-            </a:r>
-            <a:endParaRPr lang="ko-KR" altLang="en-US" b="1" dirty="0"/>
-          </a:p>
-        </p:txBody>
-      </p:sp>
-      <p:sp>
-        <p:nvSpPr>
-          <p:cNvPr id="18" name="TextBox 17"/>
-          <p:cNvSpPr txBox="1"/>
-          <p:nvPr/>
-        </p:nvSpPr>
-        <p:spPr>
-          <a:xfrm>
-            <a:off x="6745036" y="5275184"/>
-            <a:ext cx="1915885" cy="369332"/>
-          </a:xfrm>
-          <a:prstGeom prst="rect">
-            <a:avLst/>
-          </a:prstGeom>
-          <a:noFill/>
-        </p:spPr>
-        <p:txBody>
-          <a:bodyPr wrap="square" rtlCol="0">
-            <a:spAutoFit/>
-          </a:bodyPr>
-          <a:lstStyle/>
-          <a:p>
-            <a:r>
-              <a:rPr lang="en-US" altLang="ko-KR" b="1" dirty="0" smtClean="0"/>
-              <a:t>n=2</a:t>
-            </a:r>
-            <a:endParaRPr lang="ko-KR" altLang="en-US" b="1" dirty="0"/>
-          </a:p>
-        </p:txBody>
-      </p:sp>
-      <p:sp>
-        <p:nvSpPr>
-          <p:cNvPr id="19" name="TextBox 18"/>
-          <p:cNvSpPr txBox="1"/>
-          <p:nvPr/>
-        </p:nvSpPr>
-        <p:spPr>
-          <a:xfrm>
-            <a:off x="6745036" y="4799937"/>
-            <a:ext cx="1280160" cy="369332"/>
-          </a:xfrm>
-          <a:prstGeom prst="rect">
-            <a:avLst/>
-          </a:prstGeom>
-          <a:noFill/>
-        </p:spPr>
-        <p:txBody>
-          <a:bodyPr wrap="square" rtlCol="0">
-            <a:spAutoFit/>
-          </a:bodyPr>
-          <a:lstStyle/>
-          <a:p>
-            <a:r>
-              <a:rPr lang="en-US" altLang="ko-KR" b="1" dirty="0" smtClean="0"/>
-              <a:t>n=3</a:t>
-            </a:r>
-            <a:endParaRPr lang="ko-KR" altLang="en-US" b="1" dirty="0"/>
-          </a:p>
-        </p:txBody>
-      </p:sp>
-      <p:sp>
-        <p:nvSpPr>
-          <p:cNvPr id="20" name="TextBox 19"/>
-          <p:cNvSpPr txBox="1"/>
-          <p:nvPr/>
-        </p:nvSpPr>
-        <p:spPr>
-          <a:xfrm>
-            <a:off x="6358049" y="3787973"/>
-            <a:ext cx="1811383" cy="369332"/>
-          </a:xfrm>
-          <a:prstGeom prst="rect">
-            <a:avLst/>
-          </a:prstGeom>
-          <a:noFill/>
-        </p:spPr>
-        <p:txBody>
-          <a:bodyPr wrap="square" rtlCol="0">
-            <a:spAutoFit/>
-          </a:bodyPr>
-          <a:lstStyle/>
-          <a:p>
-            <a:r>
-              <a:rPr lang="en-US" altLang="ko-KR" b="1" dirty="0" smtClean="0"/>
-              <a:t>n=4,5,6...</a:t>
-            </a:r>
-            <a:endParaRPr lang="ko-KR" altLang="en-US" b="1" dirty="0"/>
-          </a:p>
-        </p:txBody>
-      </p:sp>
-      <p:sp>
-        <p:nvSpPr>
-          <p:cNvPr id="22" name="TextBox 21"/>
-          <p:cNvSpPr txBox="1"/>
-          <p:nvPr/>
-        </p:nvSpPr>
-        <p:spPr>
-          <a:xfrm>
-            <a:off x="7232074" y="6275210"/>
-            <a:ext cx="5152308" cy="461665"/>
-          </a:xfrm>
-          <a:prstGeom prst="rect">
-            <a:avLst/>
-          </a:prstGeom>
-          <a:noFill/>
-        </p:spPr>
-        <p:txBody>
-          <a:bodyPr wrap="square" rtlCol="0">
-            <a:spAutoFit/>
-          </a:bodyPr>
-          <a:lstStyle/>
-          <a:p>
-            <a:r>
-              <a:rPr lang="en-US" altLang="ko-KR" sz="2400" b="1" dirty="0" smtClean="0"/>
-              <a:t>[System Boot-up Software Stack]</a:t>
-            </a:r>
-            <a:endParaRPr lang="ko-KR" altLang="en-US" sz="2400" b="1" dirty="0"/>
-          </a:p>
-        </p:txBody>
-      </p:sp>
-      <p:sp>
-        <p:nvSpPr>
-          <p:cNvPr id="23" name="TextBox 22"/>
-          <p:cNvSpPr txBox="1"/>
-          <p:nvPr/>
-        </p:nvSpPr>
-        <p:spPr>
-          <a:xfrm>
-            <a:off x="9484424" y="2428610"/>
-            <a:ext cx="1114697" cy="369332"/>
-          </a:xfrm>
-          <a:prstGeom prst="rect">
-            <a:avLst/>
-          </a:prstGeom>
-          <a:noFill/>
-        </p:spPr>
-        <p:txBody>
-          <a:bodyPr wrap="square" rtlCol="0">
-            <a:spAutoFit/>
-          </a:bodyPr>
-          <a:lstStyle/>
-          <a:p>
-            <a:r>
-              <a:rPr lang="en-US" altLang="ko-KR" dirty="0" smtClean="0"/>
-              <a:t>......</a:t>
-            </a:r>
-            <a:endParaRPr lang="ko-KR" altLang="en-US" dirty="0"/>
-          </a:p>
-        </p:txBody>
-      </p:sp>
-      <p:sp>
-        <p:nvSpPr>
-          <p:cNvPr id="21" name="TextBox 20"/>
-          <p:cNvSpPr txBox="1"/>
-          <p:nvPr/>
-        </p:nvSpPr>
-        <p:spPr>
-          <a:xfrm>
-            <a:off x="8970324" y="2828120"/>
-            <a:ext cx="4981303" cy="461665"/>
-          </a:xfrm>
-          <a:prstGeom prst="rect">
-            <a:avLst/>
-          </a:prstGeom>
-          <a:noFill/>
-        </p:spPr>
-        <p:txBody>
-          <a:bodyPr wrap="square" rtlCol="0">
-            <a:spAutoFit/>
-          </a:bodyPr>
-          <a:lstStyle/>
-          <a:p>
-            <a:r>
-              <a:rPr lang="en-US" altLang="ko-KR" sz="2400" b="1" dirty="0" smtClean="0"/>
-              <a:t>Malware!!!</a:t>
-            </a:r>
-            <a:endParaRPr lang="ko-KR" altLang="en-US" sz="2400" b="1" dirty="0"/>
-          </a:p>
-        </p:txBody>
-      </p:sp>
-      <p:sp>
-        <p:nvSpPr>
-          <p:cNvPr id="29" name="TextBox 28"/>
-          <p:cNvSpPr txBox="1"/>
-          <p:nvPr/>
-        </p:nvSpPr>
-        <p:spPr>
-          <a:xfrm>
-            <a:off x="9484424" y="3246095"/>
-            <a:ext cx="1114697" cy="369332"/>
-          </a:xfrm>
-          <a:prstGeom prst="rect">
-            <a:avLst/>
-          </a:prstGeom>
-          <a:noFill/>
-        </p:spPr>
-        <p:txBody>
-          <a:bodyPr wrap="square" rtlCol="0">
-            <a:spAutoFit/>
-          </a:bodyPr>
-          <a:lstStyle/>
-          <a:p>
-            <a:r>
-              <a:rPr lang="en-US" altLang="ko-KR" dirty="0" smtClean="0"/>
-              <a:t>......</a:t>
-            </a:r>
-            <a:endParaRPr lang="ko-KR" altLang="en-US" dirty="0"/>
-          </a:p>
-        </p:txBody>
-      </p:sp>
-    </p:spTree>
-    <p:extLst>
-      <p:ext uri="{BB962C8B-B14F-4D97-AF65-F5344CB8AC3E}">
-        <p14:creationId xmlns:p14="http://schemas.microsoft.com/office/powerpoint/2010/main" val="3020833244"/>
-      </p:ext>
-    </p:extLst>
-  </p:cSld>
-  <p:clrMapOvr>
-    <a:masterClrMapping/>
-  </p:clrMapOvr>
-</p:sld>
-</file>
-
-<file path=ppt/slides/slide6.xml><?xml version="1.0" encoding="utf-8"?>
-<p:sld xmlns:a="http://schemas.openxmlformats.org/drawingml/2006/main" xmlns:r="http://schemas.openxmlformats.org/officeDocument/2006/relationships" xmlns:p="http://schemas.openxmlformats.org/presentationml/2006/main">
-  <p:cSld>
-    <p:spTree>
-      <p:nvGrpSpPr>
-        <p:cNvPr id="1" name=""/>
-        <p:cNvGrpSpPr/>
-        <p:nvPr/>
-      </p:nvGrpSpPr>
-      <p:grpSpPr>
-        <a:xfrm>
-          <a:off x="0" y="0"/>
-          <a:ext cx="0" cy="0"/>
-          <a:chOff x="0" y="0"/>
-          <a:chExt cx="0" cy="0"/>
-        </a:xfrm>
-      </p:grpSpPr>
-      <p:sp>
-        <p:nvSpPr>
-          <p:cNvPr id="2" name="Title 1"/>
-          <p:cNvSpPr>
-            <a:spLocks noGrp="1"/>
-          </p:cNvSpPr>
-          <p:nvPr>
-            <p:ph type="title"/>
-          </p:nvPr>
-        </p:nvSpPr>
-        <p:spPr>
-          <a:xfrm>
-            <a:off x="838200" y="0"/>
-            <a:ext cx="10515600" cy="1325563"/>
-          </a:xfrm>
-        </p:spPr>
-        <p:txBody>
-          <a:bodyPr/>
-          <a:lstStyle/>
-          <a:p>
-            <a:pPr algn="ctr"/>
-            <a:r>
-              <a:rPr lang="en-US" altLang="ko-KR" b="1" dirty="0" smtClean="0"/>
-              <a:t>Malware Identification</a:t>
-            </a:r>
-            <a:endParaRPr lang="ko-KR" altLang="en-US" b="1" dirty="0"/>
-          </a:p>
-        </p:txBody>
-      </p:sp>
-      <p:sp>
-        <p:nvSpPr>
-          <p:cNvPr id="3" name="Content Placeholder 2"/>
-          <p:cNvSpPr>
-            <a:spLocks noGrp="1"/>
-          </p:cNvSpPr>
-          <p:nvPr>
-            <p:ph idx="1"/>
-          </p:nvPr>
-        </p:nvSpPr>
-        <p:spPr>
-          <a:xfrm>
-            <a:off x="230909" y="1631660"/>
-            <a:ext cx="11730182" cy="4981575"/>
-          </a:xfrm>
-        </p:spPr>
-        <p:txBody>
-          <a:bodyPr>
-            <a:normAutofit fontScale="85000" lnSpcReduction="20000"/>
-          </a:bodyPr>
-          <a:lstStyle/>
-          <a:p>
-            <a:pPr marL="0" indent="0" defTabSz="540000">
-              <a:buNone/>
-            </a:pPr>
-            <a:r>
-              <a:rPr lang="en-US" altLang="ko-KR" dirty="0" smtClean="0"/>
-              <a:t>void </a:t>
-            </a:r>
-            <a:r>
-              <a:rPr lang="en-US" altLang="ko-KR" dirty="0" err="1" smtClean="0"/>
-              <a:t>Recursive_Malware_Select</a:t>
-            </a:r>
-            <a:r>
-              <a:rPr lang="en-US" altLang="ko-KR" dirty="0" smtClean="0"/>
-              <a:t> (</a:t>
-            </a:r>
-            <a:r>
-              <a:rPr lang="en-US" altLang="ko-KR" dirty="0" err="1" smtClean="0"/>
-              <a:t>int</a:t>
-            </a:r>
-            <a:r>
-              <a:rPr lang="en-US" altLang="ko-KR" dirty="0" smtClean="0"/>
-              <a:t> depth)</a:t>
-            </a:r>
-            <a:br>
-              <a:rPr lang="en-US" altLang="ko-KR" dirty="0" smtClean="0"/>
-            </a:br>
-            <a:r>
-              <a:rPr lang="en-US" altLang="ko-KR" dirty="0" smtClean="0"/>
-              <a:t>{</a:t>
-            </a:r>
-          </a:p>
-          <a:p>
-            <a:pPr marL="0" indent="0" defTabSz="540000">
-              <a:buNone/>
-            </a:pPr>
-            <a:r>
-              <a:rPr lang="en-US" altLang="ko-KR" dirty="0" smtClean="0"/>
-              <a:t>   </a:t>
-            </a:r>
-          </a:p>
-          <a:p>
-            <a:pPr marL="0" indent="0" defTabSz="540000">
-              <a:buNone/>
-            </a:pPr>
-            <a:r>
-              <a:rPr lang="en-US" altLang="ko-KR" dirty="0" smtClean="0"/>
-              <a:t>   1. Continue recursion to generate every possible malware combination</a:t>
-            </a:r>
-          </a:p>
-          <a:p>
-            <a:pPr marL="0" indent="0" defTabSz="540000">
-              <a:buNone/>
-            </a:pPr>
-            <a:endParaRPr lang="en-US" altLang="ko-KR" dirty="0" smtClean="0"/>
-          </a:p>
-          <a:p>
-            <a:pPr marL="0" indent="0" defTabSz="540000">
-              <a:buNone/>
-            </a:pPr>
-            <a:r>
-              <a:rPr lang="en-US" altLang="ko-KR" dirty="0" smtClean="0"/>
-              <a:t>   </a:t>
-            </a:r>
-            <a:r>
-              <a:rPr lang="en-US" altLang="ko-KR" b="1" dirty="0" smtClean="0"/>
-              <a:t>---------------- CUDA / </a:t>
-            </a:r>
-            <a:r>
-              <a:rPr lang="en-US" altLang="ko-KR" b="1" dirty="0" err="1" smtClean="0"/>
-              <a:t>OpenACC</a:t>
-            </a:r>
-            <a:r>
-              <a:rPr lang="en-US" altLang="ko-KR" b="1" dirty="0" smtClean="0"/>
-              <a:t> section ---------------------------------------	</a:t>
-            </a:r>
-          </a:p>
-          <a:p>
-            <a:pPr marL="0" indent="0" defTabSz="540000">
-              <a:buNone/>
-            </a:pPr>
-            <a:r>
-              <a:rPr lang="en-US" altLang="ko-KR" dirty="0" smtClean="0"/>
-              <a:t>   2. for-loop: insert each malware selected in step 1 into every possible position </a:t>
-            </a:r>
-          </a:p>
-          <a:p>
-            <a:pPr marL="0" indent="0" defTabSz="540000">
-              <a:buNone/>
-            </a:pPr>
-            <a:r>
-              <a:rPr lang="en-US" altLang="ko-KR" dirty="0"/>
-              <a:t>	</a:t>
-            </a:r>
-            <a:r>
-              <a:rPr lang="en-US" altLang="ko-KR" dirty="0" smtClean="0"/>
-              <a:t>		</a:t>
-            </a:r>
-            <a:r>
-              <a:rPr lang="en-US" altLang="ko-KR" dirty="0"/>
-              <a:t> </a:t>
-            </a:r>
-            <a:r>
-              <a:rPr lang="en-US" altLang="ko-KR" dirty="0" smtClean="0"/>
-              <a:t>  in the expected boot-up software stack log</a:t>
-            </a:r>
-            <a:br>
-              <a:rPr lang="en-US" altLang="ko-KR" dirty="0" smtClean="0"/>
-            </a:br>
-            <a:r>
-              <a:rPr lang="en-US" altLang="ko-KR" dirty="0" smtClean="0"/>
-              <a:t>   3. Simulate &amp; compute the PCR value. 	</a:t>
-            </a:r>
-          </a:p>
-          <a:p>
-            <a:pPr marL="0" indent="0" defTabSz="540000">
-              <a:buNone/>
-            </a:pPr>
-            <a:r>
-              <a:rPr lang="en-US" altLang="ko-KR" dirty="0"/>
-              <a:t> </a:t>
-            </a:r>
-            <a:r>
-              <a:rPr lang="en-US" altLang="ko-KR" dirty="0" smtClean="0"/>
-              <a:t>  4. Check if step 3’s result is the same as the TPM-signed PCR value </a:t>
-            </a:r>
-          </a:p>
-          <a:p>
-            <a:pPr marL="0" indent="0" defTabSz="540000">
-              <a:buNone/>
-            </a:pPr>
-            <a:r>
-              <a:rPr lang="en-US" altLang="ko-KR" dirty="0" smtClean="0"/>
-              <a:t>      (if yes, break the for-loop / if not, go back to step 2)</a:t>
-            </a:r>
-          </a:p>
-          <a:p>
-            <a:pPr marL="0" indent="0" defTabSz="540000">
-              <a:buNone/>
-            </a:pPr>
-            <a:r>
-              <a:rPr lang="en-US" altLang="ko-KR" b="1" dirty="0" smtClean="0"/>
-              <a:t>   --------------------------------------------------------------------------------------</a:t>
-            </a:r>
-            <a:endParaRPr lang="en-US" altLang="ko-KR" b="1" dirty="0"/>
-          </a:p>
-          <a:p>
-            <a:pPr marL="0" indent="0" defTabSz="540000">
-              <a:buNone/>
-            </a:pPr>
-            <a:r>
-              <a:rPr lang="en-US" altLang="ko-KR" dirty="0" smtClean="0"/>
-              <a:t>}</a:t>
-            </a:r>
-          </a:p>
-          <a:p>
-            <a:pPr marL="0" indent="0">
-              <a:buNone/>
-            </a:pPr>
-            <a:endParaRPr lang="ko-KR" altLang="en-US" dirty="0"/>
-          </a:p>
-        </p:txBody>
-      </p:sp>
-      <p:sp>
-        <p:nvSpPr>
-          <p:cNvPr id="4" name="Rectangle 3"/>
-          <p:cNvSpPr/>
-          <p:nvPr/>
-        </p:nvSpPr>
-        <p:spPr>
-          <a:xfrm>
-            <a:off x="7021973" y="1631660"/>
-            <a:ext cx="6804862" cy="369332"/>
-          </a:xfrm>
-          <a:prstGeom prst="rect">
-            <a:avLst/>
-          </a:prstGeom>
-        </p:spPr>
-        <p:txBody>
-          <a:bodyPr wrap="square">
-            <a:spAutoFit/>
-          </a:bodyPr>
-          <a:lstStyle/>
-          <a:p>
-            <a:r>
-              <a:rPr lang="en-US" altLang="ko-KR" b="1" dirty="0" smtClean="0"/>
-              <a:t>[Malware Identification Pseudo Code]</a:t>
-            </a:r>
-          </a:p>
-        </p:txBody>
-      </p:sp>
-    </p:spTree>
-    <p:extLst>
-      <p:ext uri="{BB962C8B-B14F-4D97-AF65-F5344CB8AC3E}">
-        <p14:creationId xmlns:p14="http://schemas.microsoft.com/office/powerpoint/2010/main" val="668616617"/>
-      </p:ext>
-    </p:extLst>
-  </p:cSld>
-  <p:clrMapOvr>
-    <a:masterClrMapping/>
-  </p:clrMapOvr>
-</p:sld>
-</file>
-
-<file path=ppt/slides/slide7.xml><?xml version="1.0" encoding="utf-8"?>
-<p:sld xmlns:a="http://schemas.openxmlformats.org/drawingml/2006/main" xmlns:r="http://schemas.openxmlformats.org/officeDocument/2006/relationships" xmlns:p="http://schemas.openxmlformats.org/presentationml/2006/main">
-  <p:cSld>
-    <p:spTree>
-      <p:nvGrpSpPr>
-        <p:cNvPr id="1" name=""/>
-        <p:cNvGrpSpPr/>
-        <p:nvPr/>
-      </p:nvGrpSpPr>
-      <p:grpSpPr>
-        <a:xfrm>
-          <a:off x="0" y="0"/>
-          <a:ext cx="0" cy="0"/>
-          <a:chOff x="0" y="0"/>
-          <a:chExt cx="0" cy="0"/>
-        </a:xfrm>
-      </p:grpSpPr>
-      <p:sp>
-        <p:nvSpPr>
-          <p:cNvPr id="2" name="Title 1"/>
-          <p:cNvSpPr>
-            <a:spLocks noGrp="1"/>
-          </p:cNvSpPr>
-          <p:nvPr>
-            <p:ph type="title"/>
-          </p:nvPr>
-        </p:nvSpPr>
-        <p:spPr>
-          <a:xfrm>
-            <a:off x="838200" y="0"/>
-            <a:ext cx="10515600" cy="1325563"/>
-          </a:xfrm>
-        </p:spPr>
-        <p:txBody>
-          <a:bodyPr/>
-          <a:lstStyle/>
-          <a:p>
-            <a:pPr algn="ctr"/>
-            <a:r>
-              <a:rPr lang="en-US" altLang="ko-KR" b="1" smtClean="0"/>
-              <a:t>Remote </a:t>
-            </a:r>
-            <a:r>
-              <a:rPr lang="en-US" altLang="ko-KR" b="1" dirty="0" smtClean="0"/>
-              <a:t>Attestation</a:t>
-            </a:r>
-            <a:endParaRPr lang="ko-KR" altLang="en-US" b="1" dirty="0"/>
-          </a:p>
-        </p:txBody>
-      </p:sp>
-      <p:sp>
-        <p:nvSpPr>
-          <p:cNvPr id="3" name="Content Placeholder 2"/>
-          <p:cNvSpPr>
-            <a:spLocks noGrp="1"/>
-          </p:cNvSpPr>
-          <p:nvPr>
-            <p:ph idx="1"/>
-          </p:nvPr>
-        </p:nvSpPr>
-        <p:spPr>
-          <a:xfrm>
-            <a:off x="0" y="1325562"/>
-            <a:ext cx="12192000" cy="5269201"/>
-          </a:xfrm>
-        </p:spPr>
-        <p:txBody>
-          <a:bodyPr/>
-          <a:lstStyle/>
-          <a:p>
-            <a:pPr marL="0" indent="0">
-              <a:buNone/>
-            </a:pPr>
-            <a:r>
-              <a:rPr lang="en-US" altLang="ko-KR" dirty="0"/>
-              <a:t>	</a:t>
-            </a:r>
-            <a:r>
-              <a:rPr lang="en-US" altLang="ko-KR" dirty="0" smtClean="0"/>
-              <a:t>      </a:t>
-            </a:r>
-            <a:r>
-              <a:rPr lang="en-US" altLang="ko-KR" b="1" u="sng" dirty="0" smtClean="0"/>
-              <a:t>Server</a:t>
-            </a:r>
-            <a:r>
-              <a:rPr lang="en-US" altLang="ko-KR" dirty="0" smtClean="0"/>
-              <a:t> 						</a:t>
-            </a:r>
-            <a:r>
-              <a:rPr lang="en-US" altLang="ko-KR" b="1" u="sng" dirty="0" smtClean="0"/>
-              <a:t>Client</a:t>
-            </a:r>
-            <a:r>
-              <a:rPr lang="en-US" altLang="ko-KR" dirty="0" smtClean="0"/>
-              <a:t>	</a:t>
-            </a:r>
-          </a:p>
-          <a:p>
-            <a:pPr marL="0" indent="0">
-              <a:buNone/>
-            </a:pPr>
-            <a:endParaRPr lang="en-US" altLang="ko-KR" dirty="0" smtClean="0"/>
-          </a:p>
-          <a:p>
-            <a:pPr marL="0" indent="0">
-              <a:buNone/>
-            </a:pPr>
-            <a:r>
-              <a:rPr lang="en-US" altLang="ko-KR" dirty="0" smtClean="0"/>
-              <a:t>    {r: random number}</a:t>
-            </a:r>
-          </a:p>
-          <a:p>
-            <a:pPr marL="0" indent="0">
-              <a:buNone/>
-            </a:pPr>
-            <a:endParaRPr lang="en-US" altLang="ko-KR" dirty="0" smtClean="0"/>
-          </a:p>
-          <a:p>
-            <a:pPr marL="0" indent="0">
-              <a:buNone/>
-            </a:pPr>
-            <a:r>
-              <a:rPr lang="en-US" altLang="ko-KR" dirty="0" smtClean="0"/>
-              <a:t>						       	  </a:t>
-            </a:r>
-            <a:r>
-              <a:rPr lang="en-US" altLang="ko-KR" dirty="0"/>
-              <a:t>	</a:t>
-            </a:r>
-            <a:r>
-              <a:rPr lang="en-US" altLang="ko-KR" dirty="0" smtClean="0"/>
-              <a:t>						                                              {PCR | r}  </a:t>
-            </a:r>
-            <a:br>
-              <a:rPr lang="en-US" altLang="ko-KR" dirty="0" smtClean="0"/>
-            </a:br>
-            <a:r>
-              <a:rPr lang="en-US" altLang="ko-KR" dirty="0" smtClean="0"/>
-              <a:t>						</a:t>
-            </a:r>
-            <a:r>
-              <a:rPr lang="en-US" altLang="ko-KR" dirty="0"/>
-              <a:t>	</a:t>
-            </a:r>
-            <a:r>
-              <a:rPr lang="en-US" altLang="ko-KR" dirty="0" smtClean="0"/>
-              <a:t>  {</a:t>
-            </a:r>
-            <a:r>
-              <a:rPr lang="en-US" altLang="ko-KR" dirty="0" err="1" smtClean="0"/>
-              <a:t>Sign</a:t>
-            </a:r>
-            <a:r>
-              <a:rPr lang="en-US" altLang="ko-KR" baseline="-25000" dirty="0" err="1" smtClean="0"/>
-              <a:t>RSA</a:t>
-            </a:r>
-            <a:r>
-              <a:rPr lang="en-US" altLang="ko-KR" dirty="0" smtClean="0"/>
-              <a:t>(PCR | r, </a:t>
-            </a:r>
-            <a:r>
-              <a:rPr lang="en-US" altLang="ko-KR" dirty="0" err="1" smtClean="0"/>
-              <a:t>privateKey</a:t>
-            </a:r>
-            <a:r>
-              <a:rPr lang="en-US" altLang="ko-KR" baseline="-25000" dirty="0" err="1" smtClean="0"/>
-              <a:t>TPM</a:t>
-            </a:r>
-            <a:r>
-              <a:rPr lang="en-US" altLang="ko-KR" dirty="0" smtClean="0"/>
-              <a:t>) }</a:t>
-            </a:r>
-          </a:p>
-          <a:p>
-            <a:pPr marL="0" indent="0">
-              <a:buNone/>
-            </a:pPr>
-            <a:endParaRPr lang="en-US" altLang="ko-KR" dirty="0" smtClean="0"/>
-          </a:p>
-          <a:p>
-            <a:pPr marL="0" indent="0">
-              <a:buNone/>
-            </a:pPr>
-            <a:r>
-              <a:rPr lang="en-US" altLang="ko-KR" dirty="0" err="1" smtClean="0"/>
-              <a:t>Verify</a:t>
-            </a:r>
-            <a:r>
-              <a:rPr lang="en-US" altLang="ko-KR" baseline="-25000" dirty="0" err="1" smtClean="0"/>
-              <a:t>RSA</a:t>
-            </a:r>
-            <a:r>
-              <a:rPr lang="en-US" altLang="ko-KR" dirty="0" smtClean="0"/>
-              <a:t>(PCR | r, </a:t>
-            </a:r>
-            <a:r>
-              <a:rPr lang="en-US" altLang="ko-KR" dirty="0" err="1" smtClean="0"/>
-              <a:t>publicKey</a:t>
-            </a:r>
-            <a:r>
-              <a:rPr lang="en-US" altLang="ko-KR" baseline="-25000" dirty="0" err="1" smtClean="0"/>
-              <a:t>TPM</a:t>
-            </a:r>
-            <a:r>
-              <a:rPr lang="en-US" altLang="ko-KR" dirty="0" smtClean="0"/>
-              <a:t>)</a:t>
-            </a:r>
-            <a:endParaRPr lang="ko-KR" altLang="en-US" dirty="0"/>
-          </a:p>
-        </p:txBody>
-      </p:sp>
-      <p:cxnSp>
-        <p:nvCxnSpPr>
-          <p:cNvPr id="5" name="Straight Arrow Connector 4"/>
-          <p:cNvCxnSpPr/>
-          <p:nvPr/>
-        </p:nvCxnSpPr>
-        <p:spPr>
-          <a:xfrm>
-            <a:off x="4412079" y="2632099"/>
-            <a:ext cx="1939636" cy="0"/>
-          </a:xfrm>
-          <a:prstGeom prst="straightConnector1">
-            <a:avLst/>
-          </a:prstGeom>
-          <a:ln>
-            <a:solidFill>
-              <a:schemeClr val="tx1"/>
-            </a:solidFill>
-            <a:tailEnd type="triangle"/>
-          </a:ln>
-        </p:spPr>
-        <p:style>
-          <a:lnRef idx="1">
-            <a:schemeClr val="accent1"/>
-          </a:lnRef>
-          <a:fillRef idx="0">
-            <a:schemeClr val="accent1"/>
-          </a:fillRef>
-          <a:effectRef idx="0">
-            <a:schemeClr val="accent1"/>
-          </a:effectRef>
-          <a:fontRef idx="minor">
-            <a:schemeClr val="tx1"/>
-          </a:fontRef>
-        </p:style>
-      </p:cxnSp>
-      <p:cxnSp>
-        <p:nvCxnSpPr>
-          <p:cNvPr id="6" name="Straight Arrow Connector 5"/>
-          <p:cNvCxnSpPr/>
-          <p:nvPr/>
-        </p:nvCxnSpPr>
-        <p:spPr>
-          <a:xfrm flipH="1">
-            <a:off x="4412079" y="4096063"/>
-            <a:ext cx="1935018" cy="0"/>
-          </a:xfrm>
-          <a:prstGeom prst="straightConnector1">
-            <a:avLst/>
-          </a:prstGeom>
-          <a:ln>
-            <a:solidFill>
-              <a:schemeClr val="tx1"/>
-            </a:solidFill>
-            <a:tailEnd type="triangle"/>
-          </a:ln>
-        </p:spPr>
-        <p:style>
-          <a:lnRef idx="1">
-            <a:schemeClr val="accent1"/>
-          </a:lnRef>
-          <a:fillRef idx="0">
-            <a:schemeClr val="accent1"/>
-          </a:fillRef>
-          <a:effectRef idx="0">
-            <a:schemeClr val="accent1"/>
-          </a:effectRef>
-          <a:fontRef idx="minor">
-            <a:schemeClr val="tx1"/>
-          </a:fontRef>
-        </p:style>
-      </p:cxnSp>
-      <p:sp>
-        <p:nvSpPr>
-          <p:cNvPr id="8" name="TextBox 7"/>
-          <p:cNvSpPr txBox="1"/>
-          <p:nvPr/>
-        </p:nvSpPr>
-        <p:spPr>
-          <a:xfrm>
-            <a:off x="4818480" y="2262767"/>
-            <a:ext cx="2013527" cy="369332"/>
-          </a:xfrm>
-          <a:prstGeom prst="rect">
-            <a:avLst/>
-          </a:prstGeom>
-          <a:noFill/>
-        </p:spPr>
-        <p:txBody>
-          <a:bodyPr wrap="square" rtlCol="0">
-            <a:spAutoFit/>
-          </a:bodyPr>
-          <a:lstStyle/>
-          <a:p>
-            <a:r>
-              <a:rPr lang="en-US" altLang="ko-KR" b="1" dirty="0" smtClean="0"/>
-              <a:t>(step 1)</a:t>
-            </a:r>
-            <a:endParaRPr lang="ko-KR" altLang="en-US" b="1" dirty="0"/>
-          </a:p>
-        </p:txBody>
-      </p:sp>
-      <p:sp>
-        <p:nvSpPr>
-          <p:cNvPr id="11" name="TextBox 10"/>
-          <p:cNvSpPr txBox="1"/>
-          <p:nvPr/>
-        </p:nvSpPr>
-        <p:spPr>
-          <a:xfrm>
-            <a:off x="4899298" y="3726730"/>
-            <a:ext cx="2013527" cy="369332"/>
-          </a:xfrm>
-          <a:prstGeom prst="rect">
-            <a:avLst/>
-          </a:prstGeom>
-          <a:noFill/>
-        </p:spPr>
-        <p:txBody>
-          <a:bodyPr wrap="square" rtlCol="0">
-            <a:spAutoFit/>
-          </a:bodyPr>
-          <a:lstStyle/>
-          <a:p>
-            <a:r>
-              <a:rPr lang="en-US" altLang="ko-KR" b="1" dirty="0" smtClean="0"/>
-              <a:t>(step 2)</a:t>
-            </a:r>
-            <a:endParaRPr lang="ko-KR" altLang="en-US" b="1" dirty="0"/>
-          </a:p>
-        </p:txBody>
-      </p:sp>
-      <p:sp>
-        <p:nvSpPr>
-          <p:cNvPr id="12" name="TextBox 11"/>
-          <p:cNvSpPr txBox="1"/>
-          <p:nvPr/>
-        </p:nvSpPr>
-        <p:spPr>
-          <a:xfrm>
-            <a:off x="2044470" y="4749456"/>
-            <a:ext cx="2013527" cy="369332"/>
-          </a:xfrm>
-          <a:prstGeom prst="rect">
-            <a:avLst/>
-          </a:prstGeom>
-          <a:noFill/>
-        </p:spPr>
-        <p:txBody>
-          <a:bodyPr wrap="square" rtlCol="0">
-            <a:spAutoFit/>
-          </a:bodyPr>
-          <a:lstStyle/>
-          <a:p>
-            <a:r>
-              <a:rPr lang="en-US" altLang="ko-KR" b="1" dirty="0" smtClean="0"/>
-              <a:t>(step 3)</a:t>
-            </a:r>
-            <a:endParaRPr lang="ko-KR" altLang="en-US" b="1" dirty="0"/>
-          </a:p>
-        </p:txBody>
-      </p:sp>
-    </p:spTree>
-    <p:extLst>
-      <p:ext uri="{BB962C8B-B14F-4D97-AF65-F5344CB8AC3E}">
-        <p14:creationId xmlns:p14="http://schemas.microsoft.com/office/powerpoint/2010/main" val="3756488486"/>
-      </p:ext>
-    </p:extLst>
-  </p:cSld>
-  <p:clrMapOvr>
-    <a:masterClrMapping/>
-  </p:clrMapOvr>
-</p:sld>
-</file>
-
-<file path=ppt/slides/slide8.xml><?xml version="1.0" encoding="utf-8"?>
-<p:sld xmlns:a="http://schemas.openxmlformats.org/drawingml/2006/main" xmlns:r="http://schemas.openxmlformats.org/officeDocument/2006/relationships" xmlns:p="http://schemas.openxmlformats.org/presentationml/2006/main">
-  <p:cSld>
-    <p:spTree>
-      <p:nvGrpSpPr>
-        <p:cNvPr id="1" name=""/>
-        <p:cNvGrpSpPr/>
-        <p:nvPr/>
-      </p:nvGrpSpPr>
-      <p:grpSpPr>
-        <a:xfrm>
-          <a:off x="0" y="0"/>
-          <a:ext cx="0" cy="0"/>
-          <a:chOff x="0" y="0"/>
-          <a:chExt cx="0" cy="0"/>
-        </a:xfrm>
-      </p:grpSpPr>
-      <p:sp>
-        <p:nvSpPr>
-          <p:cNvPr id="2" name="Title 1"/>
-          <p:cNvSpPr>
-            <a:spLocks noGrp="1"/>
-          </p:cNvSpPr>
-          <p:nvPr>
-            <p:ph type="title"/>
-          </p:nvPr>
-        </p:nvSpPr>
-        <p:spPr>
-          <a:xfrm>
-            <a:off x="708891" y="2424834"/>
-            <a:ext cx="10515600" cy="1325563"/>
+            <a:off x="78376" y="-11771"/>
+            <a:ext cx="12017829" cy="1325563"/>
           </a:xfrm>
         </p:spPr>
         <p:txBody>
@@ -6427,104 +3484,16 @@
           <a:p>
             <a:pPr algn="ctr"/>
             <a:r>
-              <a:rPr lang="en-US" altLang="ko-KR" sz="6000" b="1" dirty="0" smtClean="0"/>
-              <a:t>Experiments</a:t>
-            </a:r>
-            <a:endParaRPr lang="ko-KR" altLang="en-US" sz="6000" b="1" dirty="0"/>
-          </a:p>
-        </p:txBody>
-      </p:sp>
-    </p:spTree>
-    <p:extLst>
-      <p:ext uri="{BB962C8B-B14F-4D97-AF65-F5344CB8AC3E}">
-        <p14:creationId xmlns:p14="http://schemas.microsoft.com/office/powerpoint/2010/main" val="2317551565"/>
-      </p:ext>
-    </p:extLst>
-  </p:cSld>
-  <p:clrMapOvr>
-    <a:masterClrMapping/>
-  </p:clrMapOvr>
-</p:sld>
-</file>
-
-<file path=ppt/slides/slide9.xml><?xml version="1.0" encoding="utf-8"?>
-<p:sld xmlns:a="http://schemas.openxmlformats.org/drawingml/2006/main" xmlns:r="http://schemas.openxmlformats.org/officeDocument/2006/relationships" xmlns:p="http://schemas.openxmlformats.org/presentationml/2006/main">
-  <p:cSld>
-    <p:spTree>
-      <p:nvGrpSpPr>
-        <p:cNvPr id="1" name=""/>
-        <p:cNvGrpSpPr/>
-        <p:nvPr/>
-      </p:nvGrpSpPr>
-      <p:grpSpPr>
-        <a:xfrm>
-          <a:off x="0" y="0"/>
-          <a:ext cx="0" cy="0"/>
-          <a:chOff x="0" y="0"/>
-          <a:chExt cx="0" cy="0"/>
-        </a:xfrm>
-      </p:grpSpPr>
-      <p:sp>
-        <p:nvSpPr>
-          <p:cNvPr id="2" name="Title 1"/>
-          <p:cNvSpPr>
-            <a:spLocks noGrp="1"/>
-          </p:cNvSpPr>
-          <p:nvPr>
-            <p:ph type="title"/>
-          </p:nvPr>
-        </p:nvSpPr>
-        <p:spPr>
-          <a:xfrm>
-            <a:off x="838200" y="0"/>
-            <a:ext cx="10515600" cy="1325563"/>
-          </a:xfrm>
-        </p:spPr>
-        <p:txBody>
-          <a:bodyPr/>
-          <a:lstStyle/>
-          <a:p>
-            <a:pPr algn="ctr"/>
-            <a:r>
-              <a:rPr lang="en-US" altLang="ko-KR" b="1" dirty="0" smtClean="0"/>
-              <a:t>Remote Attestation</a:t>
-            </a:r>
-            <a:endParaRPr lang="ko-KR" altLang="en-US" b="1" dirty="0"/>
-          </a:p>
-        </p:txBody>
-      </p:sp>
-      <p:pic>
-        <p:nvPicPr>
-          <p:cNvPr id="4" name="Content Placeholder 3"/>
-          <p:cNvPicPr>
-            <a:picLocks noGrp="1" noChangeAspect="1"/>
-          </p:cNvPicPr>
-          <p:nvPr>
-            <p:ph idx="1"/>
-          </p:nvPr>
-        </p:nvPicPr>
-        <p:blipFill>
-          <a:blip r:embed="rId2">
-            <a:extLst>
-              <a:ext uri="{28A0092B-C50C-407E-A947-70E740481C1C}">
-                <a14:useLocalDpi xmlns:a14="http://schemas.microsoft.com/office/drawing/2010/main" val="0"/>
-              </a:ext>
-            </a:extLst>
-          </a:blip>
-          <a:stretch>
-            <a:fillRect/>
-          </a:stretch>
-        </p:blipFill>
-        <p:spPr>
-          <a:xfrm>
-            <a:off x="200298" y="1634564"/>
-            <a:ext cx="5606766" cy="4351338"/>
-          </a:xfrm>
-        </p:spPr>
-      </p:pic>
-      <p:sp>
-        <p:nvSpPr>
-          <p:cNvPr id="5" name="Content Placeholder 2"/>
+              <a:rPr lang="en-US" altLang="ko-KR" sz="4000" b="1" dirty="0" smtClean="0"/>
+              <a:t>Malware Identification with Parallel-computing</a:t>
+            </a:r>
+            <a:endParaRPr lang="ko-KR" altLang="en-US" sz="4000" dirty="0"/>
+          </a:p>
+        </p:txBody>
+      </p:sp>
+      <p:sp>
+        <p:nvSpPr>
+          <p:cNvPr id="8" name="Content Placeholder 2"/>
           <p:cNvSpPr txBox="1">
             <a:spLocks/>
           </p:cNvSpPr>
@@ -6532,8 +3501,8 @@
         </p:nvSpPr>
         <p:spPr>
           <a:xfrm>
-            <a:off x="6235337" y="1634564"/>
-            <a:ext cx="5956663" cy="4698515"/>
+            <a:off x="6377967" y="1109147"/>
+            <a:ext cx="5814033" cy="4698515"/>
           </a:xfrm>
           <a:prstGeom prst="rect">
             <a:avLst/>
@@ -6714,40 +3683,3285 @@
             <a:endParaRPr lang="en-US" altLang="ko-KR" dirty="0" smtClean="0"/>
           </a:p>
           <a:p>
-            <a:pPr marL="0" indent="0">
-              <a:buNone/>
+            <a:pPr>
+              <a:buFontTx/>
+              <a:buChar char="-"/>
             </a:pPr>
             <a:r>
               <a:rPr lang="en-US" altLang="ko-KR" dirty="0" smtClean="0"/>
-              <a:t>- 200 binary files loaded during boot-up</a:t>
-            </a:r>
-          </a:p>
-          <a:p>
-            <a:pPr marL="0" indent="0">
-              <a:buNone/>
+              <a:t>Measuring </a:t>
+            </a:r>
+            <a:r>
+              <a:rPr lang="en-US" altLang="ko-KR" dirty="0"/>
+              <a:t>e</a:t>
+            </a:r>
+            <a:r>
+              <a:rPr lang="en-US" altLang="ko-KR" dirty="0" smtClean="0"/>
+              <a:t>xecution time for multiple SHA1 computations (200, 200</a:t>
+            </a:r>
+            <a:r>
+              <a:rPr lang="en-US" altLang="ko-KR" baseline="30000" dirty="0" smtClean="0"/>
+              <a:t>2</a:t>
+            </a:r>
+            <a:r>
+              <a:rPr lang="en-US" altLang="ko-KR" dirty="0" smtClean="0"/>
+              <a:t>, 200</a:t>
+            </a:r>
+            <a:r>
+              <a:rPr lang="en-US" altLang="ko-KR" baseline="30000" dirty="0" smtClean="0"/>
+              <a:t>3</a:t>
+            </a:r>
+            <a:r>
+              <a:rPr lang="en-US" altLang="ko-KR" dirty="0" smtClean="0"/>
+              <a:t>, 200</a:t>
+            </a:r>
+            <a:r>
+              <a:rPr lang="en-US" altLang="ko-KR" baseline="30000" dirty="0" smtClean="0"/>
+              <a:t>4</a:t>
+            </a:r>
+            <a:r>
+              <a:rPr lang="en-US" altLang="ko-KR" dirty="0" smtClean="0"/>
+              <a:t>)</a:t>
+            </a:r>
+            <a:endParaRPr lang="en-US" altLang="ko-KR" baseline="30000" dirty="0" smtClean="0"/>
+          </a:p>
+          <a:p>
+            <a:pPr>
+              <a:buFontTx/>
+              <a:buChar char="-"/>
             </a:pPr>
             <a:endParaRPr lang="en-US" altLang="ko-KR" dirty="0"/>
           </a:p>
           <a:p>
-            <a:pPr marL="0" indent="0">
-              <a:buNone/>
-            </a:pPr>
+            <a:pPr>
+              <a:buFontTx/>
+              <a:buChar char="-"/>
+            </a:pPr>
+            <a:r>
+              <a:rPr lang="en-US" altLang="ko-KR" dirty="0" err="1" smtClean="0"/>
+              <a:t>OpenACC</a:t>
+            </a:r>
             <a:r>
               <a:rPr lang="en-US" altLang="ko-KR" dirty="0" smtClean="0"/>
-              <a:t>- The </a:t>
-            </a:r>
-            <a:r>
-              <a:rPr lang="en-US" altLang="ko-KR" dirty="0"/>
-              <a:t>attestation delay becomes higher with the increasing network latency, but decreases with the increasing bandwidth.</a:t>
+              <a:t>: </a:t>
+            </a:r>
+            <a:r>
+              <a:rPr lang="en-US" altLang="ko-KR" dirty="0" err="1" smtClean="0"/>
+              <a:t>upto</a:t>
+            </a:r>
+            <a:r>
+              <a:rPr lang="en-US" altLang="ko-KR" dirty="0" smtClean="0"/>
+              <a:t> 10x speedup</a:t>
+            </a:r>
+          </a:p>
+          <a:p>
+            <a:pPr>
+              <a:buFontTx/>
+              <a:buChar char="-"/>
+            </a:pPr>
+            <a:r>
+              <a:rPr lang="en-US" altLang="ko-KR" dirty="0" smtClean="0"/>
+              <a:t>CUDA: </a:t>
+            </a:r>
+            <a:r>
+              <a:rPr lang="en-US" altLang="ko-KR" dirty="0" err="1" smtClean="0"/>
+              <a:t>upto</a:t>
+            </a:r>
+            <a:r>
+              <a:rPr lang="en-US" altLang="ko-KR" dirty="0" smtClean="0"/>
+              <a:t> 100x speedup</a:t>
+            </a:r>
+          </a:p>
+          <a:p>
+            <a:pPr>
+              <a:buFontTx/>
+              <a:buChar char="-"/>
+            </a:pPr>
+            <a:endParaRPr lang="en-US" altLang="ko-KR" dirty="0"/>
+          </a:p>
+          <a:p>
+            <a:pPr marL="0" indent="0">
+              <a:buNone/>
+            </a:pPr>
+            <a:r>
+              <a:rPr lang="en-US" altLang="ko-KR" dirty="0" smtClean="0"/>
+              <a:t>- Practical enough up to the scenario of 4 malware injection</a:t>
             </a:r>
             <a:endParaRPr lang="ko-KR" altLang="en-US" dirty="0"/>
           </a:p>
         </p:txBody>
       </p:sp>
+      <p:pic>
+        <p:nvPicPr>
+          <p:cNvPr id="9" name="Content Placeholder 8"/>
+          <p:cNvPicPr>
+            <a:picLocks noGrp="1" noChangeAspect="1"/>
+          </p:cNvPicPr>
+          <p:nvPr>
+            <p:ph idx="1"/>
+          </p:nvPr>
+        </p:nvPicPr>
+        <p:blipFill>
+          <a:blip r:embed="rId2">
+            <a:extLst>
+              <a:ext uri="{28A0092B-C50C-407E-A947-70E740481C1C}">
+                <a14:useLocalDpi xmlns:a14="http://schemas.microsoft.com/office/drawing/2010/main" val="0"/>
+              </a:ext>
+            </a:extLst>
+          </a:blip>
+          <a:stretch>
+            <a:fillRect/>
+          </a:stretch>
+        </p:blipFill>
+        <p:spPr>
+          <a:xfrm>
+            <a:off x="78375" y="1440973"/>
+            <a:ext cx="6299593" cy="4724695"/>
+          </a:xfrm>
+        </p:spPr>
+      </p:pic>
     </p:spTree>
     <p:extLst>
       <p:ext uri="{BB962C8B-B14F-4D97-AF65-F5344CB8AC3E}">
-        <p14:creationId xmlns:p14="http://schemas.microsoft.com/office/powerpoint/2010/main" val="4184587848"/>
+        <p14:creationId xmlns:p14="http://schemas.microsoft.com/office/powerpoint/2010/main" val="107203272"/>
+      </p:ext>
+    </p:extLst>
+  </p:cSld>
+  <p:clrMapOvr>
+    <a:masterClrMapping/>
+  </p:clrMapOvr>
+</p:sld>
+</file>
+
+<file path=ppt/slides/slide12.xml><?xml version="1.0" encoding="utf-8"?>
+<p:sld xmlns:a="http://schemas.openxmlformats.org/drawingml/2006/main" xmlns:r="http://schemas.openxmlformats.org/officeDocument/2006/relationships" xmlns:p="http://schemas.openxmlformats.org/presentationml/2006/main">
+  <p:cSld>
+    <p:spTree>
+      <p:nvGrpSpPr>
+        <p:cNvPr id="1" name=""/>
+        <p:cNvGrpSpPr/>
+        <p:nvPr/>
+      </p:nvGrpSpPr>
+      <p:grpSpPr>
+        <a:xfrm>
+          <a:off x="0" y="0"/>
+          <a:ext cx="0" cy="0"/>
+          <a:chOff x="0" y="0"/>
+          <a:chExt cx="0" cy="0"/>
+        </a:xfrm>
+      </p:grpSpPr>
+      <p:sp>
+        <p:nvSpPr>
+          <p:cNvPr id="2" name="Title 1"/>
+          <p:cNvSpPr>
+            <a:spLocks noGrp="1"/>
+          </p:cNvSpPr>
+          <p:nvPr>
+            <p:ph type="title"/>
+          </p:nvPr>
+        </p:nvSpPr>
+        <p:spPr>
+          <a:xfrm>
+            <a:off x="838200" y="0"/>
+            <a:ext cx="10515600" cy="1325563"/>
+          </a:xfrm>
+        </p:spPr>
+        <p:txBody>
+          <a:bodyPr/>
+          <a:lstStyle/>
+          <a:p>
+            <a:pPr algn="ctr"/>
+            <a:r>
+              <a:rPr lang="en-US" altLang="ko-KR" b="1" dirty="0" smtClean="0"/>
+              <a:t>Conclusion</a:t>
+            </a:r>
+            <a:endParaRPr lang="ko-KR" altLang="en-US" dirty="0"/>
+          </a:p>
+        </p:txBody>
+      </p:sp>
+      <p:sp>
+        <p:nvSpPr>
+          <p:cNvPr id="3" name="Content Placeholder 2"/>
+          <p:cNvSpPr>
+            <a:spLocks noGrp="1"/>
+          </p:cNvSpPr>
+          <p:nvPr>
+            <p:ph idx="1"/>
+          </p:nvPr>
+        </p:nvSpPr>
+        <p:spPr>
+          <a:xfrm>
+            <a:off x="838200" y="1325563"/>
+            <a:ext cx="10515600" cy="4351338"/>
+          </a:xfrm>
+        </p:spPr>
+        <p:txBody>
+          <a:bodyPr/>
+          <a:lstStyle/>
+          <a:p>
+            <a:pPr marL="0" indent="0">
+              <a:buNone/>
+            </a:pPr>
+            <a:r>
+              <a:rPr lang="en-US" altLang="ko-KR" dirty="0" smtClean="0"/>
+              <a:t>Leveraging parallel computing enables identifying a reasonable </a:t>
+            </a:r>
+            <a:r>
+              <a:rPr lang="en-US" altLang="ko-KR" dirty="0"/>
+              <a:t>number of </a:t>
+            </a:r>
+            <a:r>
+              <a:rPr lang="en-US" altLang="ko-KR" dirty="0" smtClean="0"/>
+              <a:t>concurrently intruding </a:t>
+            </a:r>
+            <a:r>
+              <a:rPr lang="en-US" altLang="ko-KR" dirty="0"/>
+              <a:t>malware </a:t>
+            </a:r>
+            <a:r>
+              <a:rPr lang="en-US" altLang="ko-KR" dirty="0" smtClean="0"/>
+              <a:t>even without the launch log file.</a:t>
+            </a:r>
+          </a:p>
+          <a:p>
+            <a:pPr marL="0" indent="0">
+              <a:buNone/>
+            </a:pPr>
+            <a:endParaRPr lang="en-US" altLang="ko-KR" dirty="0"/>
+          </a:p>
+          <a:p>
+            <a:pPr marL="0" indent="0">
+              <a:buNone/>
+            </a:pPr>
+            <a:r>
+              <a:rPr lang="en-US" altLang="ko-KR" u="sng" dirty="0" smtClean="0"/>
+              <a:t>Future research</a:t>
+            </a:r>
+            <a:r>
+              <a:rPr lang="en-US" altLang="ko-KR" dirty="0" smtClean="0"/>
+              <a:t>: </a:t>
+            </a:r>
+          </a:p>
+          <a:p>
+            <a:pPr marL="0" indent="0">
+              <a:buNone/>
+            </a:pPr>
+            <a:r>
+              <a:rPr lang="en-US" altLang="ko-KR" dirty="0" smtClean="0"/>
+              <a:t>- How to identify self-modifying malware?</a:t>
+            </a:r>
+          </a:p>
+          <a:p>
+            <a:pPr marL="0" indent="0">
+              <a:buNone/>
+            </a:pPr>
+            <a:r>
+              <a:rPr lang="en-US" altLang="ko-KR" dirty="0" smtClean="0"/>
+              <a:t>- How to handle multi-core CPU’s non-deterministic binary launch sequence?</a:t>
+            </a:r>
+            <a:endParaRPr lang="ko-KR" altLang="en-US" dirty="0"/>
+          </a:p>
+        </p:txBody>
+      </p:sp>
+    </p:spTree>
+    <p:extLst>
+      <p:ext uri="{BB962C8B-B14F-4D97-AF65-F5344CB8AC3E}">
+        <p14:creationId xmlns:p14="http://schemas.microsoft.com/office/powerpoint/2010/main" val="101990692"/>
+      </p:ext>
+    </p:extLst>
+  </p:cSld>
+  <p:clrMapOvr>
+    <a:masterClrMapping/>
+  </p:clrMapOvr>
+</p:sld>
+</file>
+
+<file path=ppt/slides/slide2.xml><?xml version="1.0" encoding="utf-8"?>
+<p:sld xmlns:a="http://schemas.openxmlformats.org/drawingml/2006/main" xmlns:r="http://schemas.openxmlformats.org/officeDocument/2006/relationships" xmlns:p="http://schemas.openxmlformats.org/presentationml/2006/main">
+  <p:cSld>
+    <p:spTree>
+      <p:nvGrpSpPr>
+        <p:cNvPr id="1" name=""/>
+        <p:cNvGrpSpPr/>
+        <p:nvPr/>
+      </p:nvGrpSpPr>
+      <p:grpSpPr>
+        <a:xfrm>
+          <a:off x="0" y="0"/>
+          <a:ext cx="0" cy="0"/>
+          <a:chOff x="0" y="0"/>
+          <a:chExt cx="0" cy="0"/>
+        </a:xfrm>
+      </p:grpSpPr>
+      <p:sp>
+        <p:nvSpPr>
+          <p:cNvPr id="2" name="Title 1"/>
+          <p:cNvSpPr>
+            <a:spLocks noGrp="1"/>
+          </p:cNvSpPr>
+          <p:nvPr>
+            <p:ph type="title"/>
+          </p:nvPr>
+        </p:nvSpPr>
+        <p:spPr>
+          <a:xfrm>
+            <a:off x="838200" y="365125"/>
+            <a:ext cx="10515600" cy="1325563"/>
+          </a:xfrm>
+        </p:spPr>
+        <p:txBody>
+          <a:bodyPr/>
+          <a:lstStyle/>
+          <a:p>
+            <a:pPr algn="ctr"/>
+            <a:r>
+              <a:rPr lang="en-US" altLang="ko-KR" b="1" dirty="0" smtClean="0"/>
+              <a:t>Limitation </a:t>
+            </a:r>
+            <a:r>
+              <a:rPr lang="en-US" altLang="ko-KR" b="1" smtClean="0"/>
+              <a:t>of All Security </a:t>
+            </a:r>
+            <a:r>
+              <a:rPr lang="en-US" altLang="ko-KR" b="1" dirty="0" smtClean="0"/>
+              <a:t>Software</a:t>
+            </a:r>
+            <a:endParaRPr lang="ko-KR" altLang="en-US" b="1" dirty="0"/>
+          </a:p>
+        </p:txBody>
+      </p:sp>
+      <p:sp>
+        <p:nvSpPr>
+          <p:cNvPr id="3" name="Content Placeholder 2"/>
+          <p:cNvSpPr>
+            <a:spLocks noGrp="1"/>
+          </p:cNvSpPr>
+          <p:nvPr>
+            <p:ph idx="1"/>
+          </p:nvPr>
+        </p:nvSpPr>
+        <p:spPr>
+          <a:xfrm>
+            <a:off x="60960" y="1825624"/>
+            <a:ext cx="12131040" cy="4949645"/>
+          </a:xfrm>
+        </p:spPr>
+        <p:txBody>
+          <a:bodyPr>
+            <a:normAutofit fontScale="92500" lnSpcReduction="10000"/>
+          </a:bodyPr>
+          <a:lstStyle/>
+          <a:p>
+            <a:pPr marL="0" indent="0">
+              <a:buNone/>
+            </a:pPr>
+            <a:r>
+              <a:rPr lang="en-US" altLang="ko-KR" dirty="0" smtClean="0"/>
+              <a:t>cyber attacks and cyber security </a:t>
+            </a:r>
+            <a:r>
+              <a:rPr lang="en-US" altLang="ko-KR" dirty="0"/>
+              <a:t>are in </a:t>
+            </a:r>
+            <a:r>
+              <a:rPr lang="en-US" altLang="ko-KR" dirty="0" smtClean="0"/>
+              <a:t>endless arms race</a:t>
+            </a:r>
+          </a:p>
+          <a:p>
+            <a:pPr marL="0" indent="0">
+              <a:buNone/>
+            </a:pPr>
+            <a:endParaRPr lang="en-US" altLang="ko-KR" dirty="0" smtClean="0"/>
+          </a:p>
+          <a:p>
+            <a:pPr marL="0" indent="0">
+              <a:buNone/>
+            </a:pPr>
+            <a:r>
+              <a:rPr lang="en-US" altLang="ko-KR" dirty="0" smtClean="0"/>
+              <a:t>Software attack </a:t>
+            </a:r>
+            <a:r>
+              <a:rPr lang="en-US" altLang="ko-KR" dirty="0" smtClean="0">
+                <a:sym typeface="Wingdings" panose="05000000000000000000" pitchFamily="2" charset="2"/>
+              </a:rPr>
+              <a:t> software protection  smarter attacks  smarter </a:t>
+            </a:r>
+          </a:p>
+          <a:p>
+            <a:pPr marL="0" indent="0">
+              <a:buNone/>
+            </a:pPr>
+            <a:r>
+              <a:rPr lang="en-US" altLang="ko-KR" dirty="0" smtClean="0">
+                <a:sym typeface="Wingdings" panose="05000000000000000000" pitchFamily="2" charset="2"/>
+              </a:rPr>
+              <a:t>protections  ...... (never ends)</a:t>
+            </a:r>
+          </a:p>
+          <a:p>
+            <a:pPr marL="0" indent="0">
+              <a:buNone/>
+            </a:pPr>
+            <a:endParaRPr lang="en-US" altLang="ko-KR" dirty="0">
+              <a:sym typeface="Wingdings" panose="05000000000000000000" pitchFamily="2" charset="2"/>
+            </a:endParaRPr>
+          </a:p>
+          <a:p>
+            <a:pPr marL="0" indent="0">
+              <a:buNone/>
+            </a:pPr>
+            <a:r>
+              <a:rPr lang="en-US" altLang="ko-KR" u="sng" dirty="0" smtClean="0">
+                <a:sym typeface="Wingdings" panose="05000000000000000000" pitchFamily="2" charset="2"/>
+              </a:rPr>
+              <a:t>Smart Cars</a:t>
+            </a:r>
+            <a:r>
+              <a:rPr lang="en-US" altLang="ko-KR" dirty="0" smtClean="0">
+                <a:sym typeface="Wingdings" panose="05000000000000000000" pitchFamily="2" charset="2"/>
+              </a:rPr>
+              <a:t>: even a single security breach can take away the driver’s life!</a:t>
+            </a:r>
+          </a:p>
+          <a:p>
+            <a:pPr marL="0" indent="0">
+              <a:buNone/>
+            </a:pPr>
+            <a:endParaRPr lang="en-US" altLang="ko-KR" dirty="0" smtClean="0"/>
+          </a:p>
+          <a:p>
+            <a:pPr marL="0" indent="0">
+              <a:buNone/>
+            </a:pPr>
+            <a:r>
+              <a:rPr lang="en-US" altLang="ko-KR" dirty="0" smtClean="0"/>
+              <a:t>Is there a protection scheme with a guarantee that</a:t>
+            </a:r>
+            <a:r>
+              <a:rPr lang="en-US" altLang="ko-KR" dirty="0" smtClean="0">
+                <a:sym typeface="Wingdings" panose="05000000000000000000" pitchFamily="2" charset="2"/>
+              </a:rPr>
+              <a:t> no software attacks can </a:t>
+            </a:r>
+          </a:p>
+          <a:p>
+            <a:pPr marL="0" indent="0">
+              <a:buNone/>
+            </a:pPr>
+            <a:r>
+              <a:rPr lang="en-US" altLang="ko-KR" dirty="0" smtClean="0">
+                <a:sym typeface="Wingdings" panose="05000000000000000000" pitchFamily="2" charset="2"/>
+              </a:rPr>
+              <a:t>possibly break...? </a:t>
+            </a:r>
+            <a:endParaRPr lang="en-US" altLang="ko-KR" dirty="0" smtClean="0"/>
+          </a:p>
+          <a:p>
+            <a:pPr marL="0" indent="0">
+              <a:buNone/>
+            </a:pPr>
+            <a:endParaRPr lang="en-US" altLang="ko-KR" dirty="0" smtClean="0"/>
+          </a:p>
+          <a:p>
+            <a:pPr marL="0" indent="0">
+              <a:buNone/>
+            </a:pPr>
+            <a:r>
+              <a:rPr lang="en-US" altLang="ko-KR" b="1" dirty="0" smtClean="0"/>
+              <a:t>Tamper-proof security hardware</a:t>
+            </a:r>
+            <a:endParaRPr lang="en-US" altLang="ko-KR" b="1" dirty="0"/>
+          </a:p>
+        </p:txBody>
+      </p:sp>
+    </p:spTree>
+    <p:extLst>
+      <p:ext uri="{BB962C8B-B14F-4D97-AF65-F5344CB8AC3E}">
+        <p14:creationId xmlns:p14="http://schemas.microsoft.com/office/powerpoint/2010/main" val="2493296962"/>
+      </p:ext>
+    </p:extLst>
+  </p:cSld>
+  <p:clrMapOvr>
+    <a:masterClrMapping/>
+  </p:clrMapOvr>
+</p:sld>
+</file>
+
+<file path=ppt/slides/slide3.xml><?xml version="1.0" encoding="utf-8"?>
+<p:sld xmlns:a="http://schemas.openxmlformats.org/drawingml/2006/main" xmlns:r="http://schemas.openxmlformats.org/officeDocument/2006/relationships" xmlns:p="http://schemas.openxmlformats.org/presentationml/2006/main">
+  <p:cSld>
+    <p:spTree>
+      <p:nvGrpSpPr>
+        <p:cNvPr id="1" name=""/>
+        <p:cNvGrpSpPr/>
+        <p:nvPr/>
+      </p:nvGrpSpPr>
+      <p:grpSpPr>
+        <a:xfrm>
+          <a:off x="0" y="0"/>
+          <a:ext cx="0" cy="0"/>
+          <a:chOff x="0" y="0"/>
+          <a:chExt cx="0" cy="0"/>
+        </a:xfrm>
+      </p:grpSpPr>
+      <p:sp>
+        <p:nvSpPr>
+          <p:cNvPr id="2" name="Title 1"/>
+          <p:cNvSpPr>
+            <a:spLocks noGrp="1"/>
+          </p:cNvSpPr>
+          <p:nvPr>
+            <p:ph type="title"/>
+          </p:nvPr>
+        </p:nvSpPr>
+        <p:spPr>
+          <a:xfrm>
+            <a:off x="535576" y="199231"/>
+            <a:ext cx="11120846" cy="1325563"/>
+          </a:xfrm>
+        </p:spPr>
+        <p:txBody>
+          <a:bodyPr/>
+          <a:lstStyle/>
+          <a:p>
+            <a:pPr algn="ctr"/>
+            <a:r>
+              <a:rPr lang="en-US" altLang="ko-KR" b="1" dirty="0" smtClean="0"/>
+              <a:t>Malware</a:t>
+            </a:r>
+            <a:r>
+              <a:rPr lang="en-US" altLang="ko-KR" b="1" dirty="0"/>
+              <a:t> </a:t>
+            </a:r>
+            <a:r>
+              <a:rPr lang="en-US" altLang="ko-KR" b="1" dirty="0" smtClean="0"/>
+              <a:t>Detection &amp; Identification </a:t>
+            </a:r>
+            <a:br>
+              <a:rPr lang="en-US" altLang="ko-KR" b="1" dirty="0" smtClean="0"/>
+            </a:br>
+            <a:r>
+              <a:rPr lang="en-US" altLang="ko-KR" b="1" dirty="0" smtClean="0"/>
+              <a:t>by </a:t>
+            </a:r>
+            <a:r>
+              <a:rPr lang="en-US" altLang="ko-KR" b="1" dirty="0"/>
+              <a:t>Tamper-proof Hardware</a:t>
+            </a:r>
+            <a:endParaRPr lang="ko-KR" altLang="en-US" b="1" dirty="0"/>
+          </a:p>
+        </p:txBody>
+      </p:sp>
+      <p:sp>
+        <p:nvSpPr>
+          <p:cNvPr id="3" name="Content Placeholder 2"/>
+          <p:cNvSpPr>
+            <a:spLocks noGrp="1"/>
+          </p:cNvSpPr>
+          <p:nvPr>
+            <p:ph idx="1"/>
+          </p:nvPr>
+        </p:nvSpPr>
+        <p:spPr>
+          <a:xfrm>
+            <a:off x="101601" y="1870223"/>
+            <a:ext cx="12191999" cy="4853849"/>
+          </a:xfrm>
+        </p:spPr>
+        <p:txBody>
+          <a:bodyPr>
+            <a:normAutofit fontScale="92500" lnSpcReduction="20000"/>
+          </a:bodyPr>
+          <a:lstStyle/>
+          <a:p>
+            <a:pPr marL="0" indent="0">
+              <a:buNone/>
+            </a:pPr>
+            <a:r>
+              <a:rPr lang="en-US" altLang="ko-KR" b="1" dirty="0" smtClean="0"/>
+              <a:t>TPM (Trusted Platform Module): </a:t>
+            </a:r>
+            <a:r>
+              <a:rPr lang="en-US" altLang="ko-KR" dirty="0" smtClean="0"/>
+              <a:t>Tamper-proof security chip</a:t>
+            </a:r>
+          </a:p>
+          <a:p>
+            <a:pPr marL="0" indent="0">
+              <a:buNone/>
+            </a:pPr>
+            <a:endParaRPr lang="en-US" altLang="ko-KR" dirty="0" smtClean="0"/>
+          </a:p>
+          <a:p>
+            <a:pPr marL="0" indent="0">
+              <a:buNone/>
+            </a:pPr>
+            <a:r>
+              <a:rPr lang="en-US" altLang="ko-KR" dirty="0" smtClean="0"/>
+              <a:t>TPM is an independent chip from CPU </a:t>
+            </a:r>
+          </a:p>
+          <a:p>
+            <a:pPr marL="0" indent="0">
+              <a:buNone/>
+            </a:pPr>
+            <a:endParaRPr lang="en-US" altLang="ko-KR" dirty="0"/>
+          </a:p>
+          <a:p>
+            <a:pPr marL="0" indent="0">
+              <a:buNone/>
+            </a:pPr>
+            <a:r>
+              <a:rPr lang="en-US" altLang="ko-KR" dirty="0" smtClean="0"/>
+              <a:t>TPM has its own registers and RSA private key burned at manufacture stage, </a:t>
+            </a:r>
+          </a:p>
+          <a:p>
+            <a:pPr marL="0" indent="0">
+              <a:buNone/>
+            </a:pPr>
+            <a:r>
+              <a:rPr lang="en-US" altLang="ko-KR" dirty="0" smtClean="0"/>
+              <a:t>which never gets revealed outside the TPM</a:t>
+            </a:r>
+          </a:p>
+          <a:p>
+            <a:pPr marL="0" indent="0">
+              <a:buNone/>
+            </a:pPr>
+            <a:endParaRPr lang="en-US" altLang="ko-KR" dirty="0" smtClean="0"/>
+          </a:p>
+          <a:p>
+            <a:pPr marL="0" indent="0">
+              <a:buNone/>
+            </a:pPr>
+            <a:r>
+              <a:rPr lang="en-US" altLang="ko-KR" dirty="0" smtClean="0"/>
+              <a:t>CPU communicates with TPM to leverage TPM’s security services</a:t>
+            </a:r>
+          </a:p>
+          <a:p>
+            <a:pPr marL="0" indent="0">
+              <a:buNone/>
+            </a:pPr>
+            <a:endParaRPr lang="en-US" altLang="ko-KR" dirty="0" smtClean="0"/>
+          </a:p>
+          <a:p>
+            <a:pPr marL="0" indent="0">
+              <a:buNone/>
+            </a:pPr>
+            <a:r>
+              <a:rPr lang="en-US" altLang="ko-KR" u="sng" dirty="0"/>
+              <a:t>TPM is </a:t>
+            </a:r>
+            <a:r>
+              <a:rPr lang="en-US" altLang="ko-KR" u="sng" dirty="0" smtClean="0"/>
+              <a:t>mainly used </a:t>
+            </a:r>
+            <a:r>
+              <a:rPr lang="en-US" altLang="ko-KR" u="sng" dirty="0"/>
+              <a:t>for</a:t>
+            </a:r>
+            <a:r>
+              <a:rPr lang="en-US" altLang="ko-KR" dirty="0"/>
+              <a:t>: </a:t>
+            </a:r>
+          </a:p>
+          <a:p>
+            <a:pPr marL="0" indent="0">
+              <a:buNone/>
+            </a:pPr>
+            <a:r>
+              <a:rPr lang="en-US" altLang="ko-KR" dirty="0"/>
+              <a:t>- </a:t>
+            </a:r>
+            <a:r>
+              <a:rPr lang="en-US" altLang="ko-KR" dirty="0" smtClean="0"/>
+              <a:t>Integrity Measurement for launched software binaries </a:t>
+            </a:r>
+            <a:endParaRPr lang="en-US" altLang="ko-KR" dirty="0"/>
+          </a:p>
+          <a:p>
+            <a:pPr marL="0" indent="0">
+              <a:buNone/>
+            </a:pPr>
+            <a:r>
+              <a:rPr lang="en-US" altLang="ko-KR" dirty="0"/>
+              <a:t>- Remote Attestation</a:t>
+            </a:r>
+          </a:p>
+          <a:p>
+            <a:pPr marL="0" indent="0">
+              <a:buNone/>
+            </a:pPr>
+            <a:endParaRPr lang="en-US" altLang="ko-KR" dirty="0" smtClean="0"/>
+          </a:p>
+          <a:p>
+            <a:pPr marL="0" indent="0">
+              <a:buNone/>
+            </a:pPr>
+            <a:endParaRPr lang="en-US" altLang="ko-KR" dirty="0"/>
+          </a:p>
+          <a:p>
+            <a:pPr marL="0" indent="0">
+              <a:buNone/>
+            </a:pPr>
+            <a:endParaRPr lang="en-US" altLang="ko-KR" dirty="0" smtClean="0"/>
+          </a:p>
+        </p:txBody>
+      </p:sp>
+      <p:pic>
+        <p:nvPicPr>
+          <p:cNvPr id="1026" name="Picture 2" descr="trusted platform module에 대한 이미지 검색결과"/>
+          <p:cNvPicPr>
+            <a:picLocks noChangeAspect="1" noChangeArrowheads="1"/>
+          </p:cNvPicPr>
+          <p:nvPr/>
+        </p:nvPicPr>
+        <p:blipFill>
+          <a:blip r:embed="rId2">
+            <a:extLst>
+              <a:ext uri="{28A0092B-C50C-407E-A947-70E740481C1C}">
+                <a14:useLocalDpi xmlns:a14="http://schemas.microsoft.com/office/drawing/2010/main" val="0"/>
+              </a:ext>
+            </a:extLst>
+          </a:blip>
+          <a:srcRect/>
+          <a:stretch>
+            <a:fillRect/>
+          </a:stretch>
+        </p:blipFill>
+        <p:spPr bwMode="auto">
+          <a:xfrm>
+            <a:off x="8915017" y="5110739"/>
+            <a:ext cx="2433221" cy="1613333"/>
+          </a:xfrm>
+          <a:prstGeom prst="rect">
+            <a:avLst/>
+          </a:prstGeom>
+          <a:noFill/>
+          <a:extLst>
+            <a:ext uri="{909E8E84-426E-40DD-AFC4-6F175D3DCCD1}">
+              <a14:hiddenFill xmlns:a14="http://schemas.microsoft.com/office/drawing/2010/main">
+                <a:solidFill>
+                  <a:srgbClr val="FFFFFF"/>
+                </a:solidFill>
+              </a14:hiddenFill>
+            </a:ext>
+          </a:extLst>
+        </p:spPr>
+      </p:pic>
+    </p:spTree>
+    <p:extLst>
+      <p:ext uri="{BB962C8B-B14F-4D97-AF65-F5344CB8AC3E}">
+        <p14:creationId xmlns:p14="http://schemas.microsoft.com/office/powerpoint/2010/main" val="272491203"/>
+      </p:ext>
+    </p:extLst>
+  </p:cSld>
+  <p:clrMapOvr>
+    <a:masterClrMapping/>
+  </p:clrMapOvr>
+  <p:timing>
+    <p:tnLst>
+      <p:par>
+        <p:cTn id="1" dur="indefinite" restart="never" nodeType="tmRoot"/>
+      </p:par>
+    </p:tnLst>
+  </p:timing>
+</p:sld>
+</file>
+
+<file path=ppt/slides/slide4.xml><?xml version="1.0" encoding="utf-8"?>
+<p:sld xmlns:a="http://schemas.openxmlformats.org/drawingml/2006/main" xmlns:r="http://schemas.openxmlformats.org/officeDocument/2006/relationships" xmlns:p="http://schemas.openxmlformats.org/presentationml/2006/main">
+  <p:cSld>
+    <p:spTree>
+      <p:nvGrpSpPr>
+        <p:cNvPr id="1" name=""/>
+        <p:cNvGrpSpPr/>
+        <p:nvPr/>
+      </p:nvGrpSpPr>
+      <p:grpSpPr>
+        <a:xfrm>
+          <a:off x="0" y="0"/>
+          <a:ext cx="0" cy="0"/>
+          <a:chOff x="0" y="0"/>
+          <a:chExt cx="0" cy="0"/>
+        </a:xfrm>
+      </p:grpSpPr>
+      <p:sp>
+        <p:nvSpPr>
+          <p:cNvPr id="2" name="Title 1"/>
+          <p:cNvSpPr>
+            <a:spLocks noGrp="1"/>
+          </p:cNvSpPr>
+          <p:nvPr>
+            <p:ph type="title"/>
+          </p:nvPr>
+        </p:nvSpPr>
+        <p:spPr>
+          <a:xfrm>
+            <a:off x="881743" y="0"/>
+            <a:ext cx="10515600" cy="1325563"/>
+          </a:xfrm>
+        </p:spPr>
+        <p:txBody>
+          <a:bodyPr/>
+          <a:lstStyle/>
+          <a:p>
+            <a:pPr algn="ctr"/>
+            <a:r>
+              <a:rPr lang="en-US" altLang="ko-KR" b="1" dirty="0" smtClean="0"/>
+              <a:t>TPM Chip’s Security Features</a:t>
+            </a:r>
+            <a:endParaRPr lang="ko-KR" altLang="en-US" b="1" dirty="0"/>
+          </a:p>
+        </p:txBody>
+      </p:sp>
+      <p:sp>
+        <p:nvSpPr>
+          <p:cNvPr id="3" name="Content Placeholder 2"/>
+          <p:cNvSpPr>
+            <a:spLocks noGrp="1"/>
+          </p:cNvSpPr>
+          <p:nvPr>
+            <p:ph idx="1"/>
+          </p:nvPr>
+        </p:nvSpPr>
+        <p:spPr>
+          <a:xfrm>
+            <a:off x="252548" y="1390196"/>
+            <a:ext cx="11773989" cy="4670969"/>
+          </a:xfrm>
+        </p:spPr>
+        <p:txBody>
+          <a:bodyPr>
+            <a:normAutofit fontScale="92500" lnSpcReduction="20000"/>
+          </a:bodyPr>
+          <a:lstStyle/>
+          <a:p>
+            <a:pPr marL="0" indent="0">
+              <a:buNone/>
+            </a:pPr>
+            <a:r>
+              <a:rPr lang="en-US" altLang="ko-KR" dirty="0"/>
+              <a:t/>
+            </a:r>
+            <a:br>
+              <a:rPr lang="en-US" altLang="ko-KR" dirty="0"/>
+            </a:br>
+            <a:r>
+              <a:rPr lang="en-US" altLang="ko-KR" dirty="0"/>
+              <a:t>Contains </a:t>
+            </a:r>
+            <a:r>
+              <a:rPr lang="en-US" altLang="ko-KR" dirty="0" smtClean="0"/>
+              <a:t>special registers</a:t>
+            </a:r>
+            <a:r>
+              <a:rPr lang="en-US" altLang="ko-KR" dirty="0"/>
+              <a:t>, called PCR</a:t>
+            </a:r>
+          </a:p>
+          <a:p>
+            <a:pPr marL="0" indent="0">
+              <a:buNone/>
+            </a:pPr>
+            <a:endParaRPr lang="en-US" altLang="ko-KR" b="1" dirty="0"/>
+          </a:p>
+          <a:p>
+            <a:pPr marL="0" indent="0">
+              <a:buNone/>
+            </a:pPr>
+            <a:r>
+              <a:rPr lang="en-US" altLang="ko-KR" b="1" dirty="0" smtClean="0"/>
+              <a:t>[</a:t>
+            </a:r>
+            <a:r>
+              <a:rPr lang="en-US" altLang="ko-KR" b="1" dirty="0"/>
+              <a:t>TPM’s PCR update rule]</a:t>
+            </a:r>
+          </a:p>
+          <a:p>
+            <a:pPr marL="0" indent="0">
+              <a:buNone/>
+            </a:pPr>
+            <a:r>
+              <a:rPr lang="en-US" altLang="ko-KR" dirty="0"/>
+              <a:t>PCR</a:t>
+            </a:r>
+            <a:r>
+              <a:rPr lang="en-US" altLang="ko-KR" baseline="-25000" dirty="0"/>
+              <a:t>n+1</a:t>
+            </a:r>
+            <a:r>
+              <a:rPr lang="en-US" altLang="ko-KR" dirty="0"/>
+              <a:t> = SHA1(</a:t>
+            </a:r>
+            <a:r>
+              <a:rPr lang="en-US" altLang="ko-KR" dirty="0" err="1"/>
+              <a:t>PCR</a:t>
+            </a:r>
+            <a:r>
+              <a:rPr lang="en-US" altLang="ko-KR" baseline="-25000" dirty="0" err="1"/>
+              <a:t>n</a:t>
+            </a:r>
+            <a:r>
+              <a:rPr lang="en-US" altLang="ko-KR" dirty="0"/>
+              <a:t> | </a:t>
+            </a:r>
+            <a:r>
+              <a:rPr lang="en-US" altLang="ko-KR" dirty="0" smtClean="0"/>
+              <a:t>hash</a:t>
+            </a:r>
+            <a:r>
+              <a:rPr lang="en-US" altLang="ko-KR" baseline="-25000" dirty="0" smtClean="0"/>
+              <a:t>n+1</a:t>
+            </a:r>
+            <a:r>
+              <a:rPr lang="en-US" altLang="ko-KR" dirty="0"/>
+              <a:t>)</a:t>
+            </a:r>
+          </a:p>
+          <a:p>
+            <a:pPr marL="0" indent="0">
+              <a:buNone/>
+            </a:pPr>
+            <a:r>
+              <a:rPr lang="en-US" altLang="ko-KR" dirty="0">
+                <a:sym typeface="Wingdings" panose="05000000000000000000" pitchFamily="2" charset="2"/>
+              </a:rPr>
+              <a:t/>
+            </a:r>
+            <a:br>
+              <a:rPr lang="en-US" altLang="ko-KR" dirty="0">
+                <a:sym typeface="Wingdings" panose="05000000000000000000" pitchFamily="2" charset="2"/>
+              </a:rPr>
+            </a:br>
+            <a:r>
+              <a:rPr lang="en-US" altLang="ko-KR" dirty="0">
+                <a:sym typeface="Wingdings" panose="05000000000000000000" pitchFamily="2" charset="2"/>
+              </a:rPr>
+              <a:t> PCR accumulates &amp; stores the 20-byte </a:t>
+            </a:r>
+            <a:r>
+              <a:rPr lang="en-US" altLang="ko-KR" dirty="0" smtClean="0">
+                <a:sym typeface="Wingdings" panose="05000000000000000000" pitchFamily="2" charset="2"/>
+              </a:rPr>
+              <a:t>hash </a:t>
+            </a:r>
+            <a:r>
+              <a:rPr lang="en-US" altLang="ko-KR" dirty="0">
+                <a:sym typeface="Wingdings" panose="05000000000000000000" pitchFamily="2" charset="2"/>
+              </a:rPr>
+              <a:t>signature of the system’s all </a:t>
+            </a:r>
+            <a:endParaRPr lang="en-US" altLang="ko-KR" dirty="0" smtClean="0">
+              <a:sym typeface="Wingdings" panose="05000000000000000000" pitchFamily="2" charset="2"/>
+            </a:endParaRPr>
+          </a:p>
+          <a:p>
+            <a:pPr marL="0" indent="0">
+              <a:buNone/>
+            </a:pPr>
+            <a:r>
+              <a:rPr lang="en-US" altLang="ko-KR" dirty="0" smtClean="0">
+                <a:sym typeface="Wingdings" panose="05000000000000000000" pitchFamily="2" charset="2"/>
+              </a:rPr>
+              <a:t>loaded </a:t>
+            </a:r>
+            <a:r>
+              <a:rPr lang="en-US" altLang="ko-KR" dirty="0">
+                <a:sym typeface="Wingdings" panose="05000000000000000000" pitchFamily="2" charset="2"/>
+              </a:rPr>
+              <a:t>binaries, modules, shared libraries since the computer’s boot-time</a:t>
+            </a:r>
+          </a:p>
+          <a:p>
+            <a:pPr marL="0" indent="0">
+              <a:buNone/>
+            </a:pPr>
+            <a:r>
+              <a:rPr lang="en-US" altLang="ko-KR" dirty="0">
+                <a:sym typeface="Wingdings" panose="05000000000000000000" pitchFamily="2" charset="2"/>
+              </a:rPr>
+              <a:t/>
+            </a:r>
+            <a:br>
+              <a:rPr lang="en-US" altLang="ko-KR" dirty="0">
+                <a:sym typeface="Wingdings" panose="05000000000000000000" pitchFamily="2" charset="2"/>
+              </a:rPr>
+            </a:br>
+            <a:r>
+              <a:rPr lang="en-US" altLang="ko-KR" dirty="0">
+                <a:sym typeface="Wingdings" panose="05000000000000000000" pitchFamily="2" charset="2"/>
+              </a:rPr>
+              <a:t> SHA1() is </a:t>
+            </a:r>
+            <a:r>
+              <a:rPr lang="en-US" altLang="ko-KR" dirty="0" smtClean="0">
+                <a:sym typeface="Wingdings" panose="05000000000000000000" pitchFamily="2" charset="2"/>
+              </a:rPr>
+              <a:t>a </a:t>
+            </a:r>
+            <a:r>
+              <a:rPr lang="en-US" altLang="ko-KR" dirty="0">
+                <a:sym typeface="Wingdings" panose="05000000000000000000" pitchFamily="2" charset="2"/>
+              </a:rPr>
+              <a:t>non-invertible cryptographic hash function </a:t>
+            </a:r>
+          </a:p>
+          <a:p>
+            <a:pPr marL="0" indent="0">
+              <a:buNone/>
+            </a:pPr>
+            <a:endParaRPr lang="en-US" altLang="ko-KR" dirty="0">
+              <a:sym typeface="Wingdings" panose="05000000000000000000" pitchFamily="2" charset="2"/>
+            </a:endParaRPr>
+          </a:p>
+          <a:p>
+            <a:pPr marL="0" indent="0">
+              <a:buNone/>
+            </a:pPr>
+            <a:r>
+              <a:rPr lang="en-US" altLang="ko-KR" dirty="0">
+                <a:sym typeface="Wingdings" panose="05000000000000000000" pitchFamily="2" charset="2"/>
+              </a:rPr>
+              <a:t> can’t intentionally update PCR to some expected value</a:t>
+            </a:r>
+            <a:endParaRPr lang="en-US" altLang="ko-KR" dirty="0"/>
+          </a:p>
+          <a:p>
+            <a:endParaRPr lang="ko-KR" altLang="en-US" dirty="0"/>
+          </a:p>
+        </p:txBody>
+      </p:sp>
+    </p:spTree>
+    <p:extLst>
+      <p:ext uri="{BB962C8B-B14F-4D97-AF65-F5344CB8AC3E}">
+        <p14:creationId xmlns:p14="http://schemas.microsoft.com/office/powerpoint/2010/main" val="3814618264"/>
+      </p:ext>
+    </p:extLst>
+  </p:cSld>
+  <p:clrMapOvr>
+    <a:masterClrMapping/>
+  </p:clrMapOvr>
+  <p:timing>
+    <p:tnLst>
+      <p:par>
+        <p:cTn id="1" dur="indefinite" restart="never" nodeType="tmRoot"/>
+      </p:par>
+    </p:tnLst>
+  </p:timing>
+</p:sld>
+</file>
+
+<file path=ppt/slides/slide5.xml><?xml version="1.0" encoding="utf-8"?>
+<p:sld xmlns:a="http://schemas.openxmlformats.org/drawingml/2006/main" xmlns:r="http://schemas.openxmlformats.org/officeDocument/2006/relationships" xmlns:p="http://schemas.openxmlformats.org/presentationml/2006/main">
+  <p:cSld>
+    <p:spTree>
+      <p:nvGrpSpPr>
+        <p:cNvPr id="1" name=""/>
+        <p:cNvGrpSpPr/>
+        <p:nvPr/>
+      </p:nvGrpSpPr>
+      <p:grpSpPr>
+        <a:xfrm>
+          <a:off x="0" y="0"/>
+          <a:ext cx="0" cy="0"/>
+          <a:chOff x="0" y="0"/>
+          <a:chExt cx="0" cy="0"/>
+        </a:xfrm>
+      </p:grpSpPr>
+      <p:sp>
+        <p:nvSpPr>
+          <p:cNvPr id="2" name="Title 1"/>
+          <p:cNvSpPr>
+            <a:spLocks noGrp="1"/>
+          </p:cNvSpPr>
+          <p:nvPr>
+            <p:ph type="title"/>
+          </p:nvPr>
+        </p:nvSpPr>
+        <p:spPr>
+          <a:xfrm>
+            <a:off x="426720" y="0"/>
+            <a:ext cx="11179629" cy="1325563"/>
+          </a:xfrm>
+        </p:spPr>
+        <p:txBody>
+          <a:bodyPr/>
+          <a:lstStyle/>
+          <a:p>
+            <a:pPr algn="ctr"/>
+            <a:r>
+              <a:rPr lang="en-US" altLang="ko-KR" b="1" dirty="0" smtClean="0"/>
+              <a:t>System Integrity Measurement</a:t>
+            </a:r>
+            <a:endParaRPr lang="ko-KR" altLang="en-US" b="1" dirty="0"/>
+          </a:p>
+        </p:txBody>
+      </p:sp>
+      <p:sp>
+        <p:nvSpPr>
+          <p:cNvPr id="3" name="Content Placeholder 2"/>
+          <p:cNvSpPr>
+            <a:spLocks noGrp="1"/>
+          </p:cNvSpPr>
+          <p:nvPr>
+            <p:ph idx="1"/>
+          </p:nvPr>
+        </p:nvSpPr>
+        <p:spPr>
+          <a:xfrm>
+            <a:off x="64656" y="1400688"/>
+            <a:ext cx="12127344" cy="3310393"/>
+          </a:xfrm>
+        </p:spPr>
+        <p:txBody>
+          <a:bodyPr>
+            <a:normAutofit fontScale="92500" lnSpcReduction="20000"/>
+          </a:bodyPr>
+          <a:lstStyle/>
+          <a:p>
+            <a:pPr marL="0" indent="0">
+              <a:buNone/>
+            </a:pPr>
+            <a:r>
+              <a:rPr lang="en-US" altLang="ko-KR" b="1" dirty="0" smtClean="0"/>
+              <a:t>[System Boot-up Sequence]</a:t>
+            </a:r>
+          </a:p>
+          <a:p>
+            <a:pPr marL="0" indent="0">
+              <a:buNone/>
+            </a:pPr>
+            <a:r>
+              <a:rPr lang="en-US" altLang="ko-KR" sz="2400" dirty="0" smtClean="0"/>
+              <a:t>BIOS </a:t>
+            </a:r>
+            <a:r>
+              <a:rPr lang="en-US" altLang="ko-KR" sz="2400" dirty="0" smtClean="0">
+                <a:sym typeface="Wingdings" panose="05000000000000000000" pitchFamily="2" charset="2"/>
+              </a:rPr>
+              <a:t> bootloader (GRUB2) </a:t>
+            </a:r>
+            <a:endParaRPr lang="en-US" altLang="ko-KR" sz="2400" dirty="0">
+              <a:sym typeface="Wingdings" panose="05000000000000000000" pitchFamily="2" charset="2"/>
+            </a:endParaRPr>
+          </a:p>
+          <a:p>
+            <a:pPr marL="0" indent="0">
+              <a:buNone/>
+            </a:pPr>
+            <a:r>
+              <a:rPr lang="en-US" altLang="ko-KR" sz="2400" dirty="0" smtClean="0">
+                <a:sym typeface="Wingdings" panose="05000000000000000000" pitchFamily="2" charset="2"/>
+              </a:rPr>
+              <a:t> OS kernel image (Linux, iOS, windows) </a:t>
+            </a:r>
+          </a:p>
+          <a:p>
+            <a:pPr>
+              <a:buFont typeface="Wingdings" panose="05000000000000000000" pitchFamily="2" charset="2"/>
+              <a:buChar char="à"/>
+            </a:pPr>
+            <a:r>
+              <a:rPr lang="en-US" altLang="ko-KR" sz="2400" dirty="0" smtClean="0">
+                <a:sym typeface="Wingdings" panose="05000000000000000000" pitchFamily="2" charset="2"/>
+              </a:rPr>
+              <a:t> startup executables, scripts, modules, shared libraries </a:t>
+            </a:r>
+          </a:p>
+          <a:p>
+            <a:pPr>
+              <a:buFont typeface="Wingdings" panose="05000000000000000000" pitchFamily="2" charset="2"/>
+              <a:buChar char="à"/>
+            </a:pPr>
+            <a:r>
+              <a:rPr lang="en-US" altLang="ko-KR" sz="2400" dirty="0" smtClean="0">
+                <a:sym typeface="Wingdings" panose="05000000000000000000" pitchFamily="2" charset="2"/>
+              </a:rPr>
+              <a:t> additional binaries</a:t>
+            </a:r>
+          </a:p>
+          <a:p>
+            <a:pPr marL="0" indent="0">
+              <a:buNone/>
+            </a:pPr>
+            <a:endParaRPr lang="en-US" altLang="ko-KR" dirty="0" smtClean="0">
+              <a:sym typeface="Wingdings" panose="05000000000000000000" pitchFamily="2" charset="2"/>
+            </a:endParaRPr>
+          </a:p>
+          <a:p>
+            <a:pPr marL="0" indent="0">
+              <a:buNone/>
+            </a:pPr>
+            <a:r>
+              <a:rPr lang="en-US" altLang="ko-KR" b="1" dirty="0" smtClean="0"/>
+              <a:t>[TPM’s PCR update rule]</a:t>
+            </a:r>
+          </a:p>
+          <a:p>
+            <a:pPr marL="0" indent="0">
+              <a:buNone/>
+            </a:pPr>
+            <a:r>
+              <a:rPr lang="en-US" altLang="ko-KR" dirty="0" smtClean="0"/>
+              <a:t>PCR</a:t>
+            </a:r>
+            <a:r>
+              <a:rPr lang="en-US" altLang="ko-KR" baseline="-25000" dirty="0" smtClean="0"/>
+              <a:t>n+1</a:t>
+            </a:r>
+            <a:r>
+              <a:rPr lang="en-US" altLang="ko-KR" dirty="0" smtClean="0"/>
+              <a:t> = SHA1(</a:t>
+            </a:r>
+            <a:r>
+              <a:rPr lang="en-US" altLang="ko-KR" dirty="0" err="1" smtClean="0"/>
+              <a:t>PCR</a:t>
+            </a:r>
+            <a:r>
+              <a:rPr lang="en-US" altLang="ko-KR" baseline="-25000" dirty="0" err="1" smtClean="0"/>
+              <a:t>n</a:t>
+            </a:r>
+            <a:r>
+              <a:rPr lang="en-US" altLang="ko-KR" dirty="0" smtClean="0"/>
+              <a:t> | hash</a:t>
+            </a:r>
+            <a:r>
+              <a:rPr lang="en-US" altLang="ko-KR" baseline="-25000" dirty="0" smtClean="0"/>
+              <a:t>n+1</a:t>
+            </a:r>
+            <a:r>
+              <a:rPr lang="en-US" altLang="ko-KR" dirty="0" smtClean="0"/>
+              <a:t>)</a:t>
+            </a:r>
+          </a:p>
+          <a:p>
+            <a:pPr marL="0" indent="0">
+              <a:buNone/>
+            </a:pPr>
+            <a:endParaRPr lang="en-US" altLang="ko-KR" dirty="0">
+              <a:sym typeface="Wingdings" panose="05000000000000000000" pitchFamily="2" charset="2"/>
+            </a:endParaRPr>
+          </a:p>
+          <a:p>
+            <a:pPr marL="0" indent="0">
+              <a:buNone/>
+            </a:pPr>
+            <a:endParaRPr lang="en-US" altLang="ko-KR" dirty="0">
+              <a:sym typeface="Wingdings" panose="05000000000000000000" pitchFamily="2" charset="2"/>
+            </a:endParaRPr>
+          </a:p>
+          <a:p>
+            <a:pPr marL="0" indent="0">
+              <a:buNone/>
+            </a:pPr>
+            <a:endParaRPr lang="en-US" altLang="ko-KR" dirty="0" smtClean="0"/>
+          </a:p>
+          <a:p>
+            <a:pPr marL="0" indent="0">
+              <a:buNone/>
+            </a:pPr>
+            <a:endParaRPr lang="ko-KR" altLang="en-US" dirty="0"/>
+          </a:p>
+        </p:txBody>
+      </p:sp>
+      <p:sp>
+        <p:nvSpPr>
+          <p:cNvPr id="4" name="Rectangle 3"/>
+          <p:cNvSpPr/>
+          <p:nvPr/>
+        </p:nvSpPr>
+        <p:spPr>
+          <a:xfrm>
+            <a:off x="7551124" y="2485570"/>
+            <a:ext cx="4528457" cy="3683725"/>
+          </a:xfrm>
+          <a:prstGeom prst="rect">
+            <a:avLst/>
+          </a:prstGeom>
+          <a:noFill/>
+        </p:spPr>
+        <p:style>
+          <a:lnRef idx="2">
+            <a:schemeClr val="accent1">
+              <a:shade val="50000"/>
+            </a:schemeClr>
+          </a:lnRef>
+          <a:fillRef idx="1">
+            <a:schemeClr val="accent1"/>
+          </a:fillRef>
+          <a:effectRef idx="0">
+            <a:schemeClr val="accent1"/>
+          </a:effectRef>
+          <a:fontRef idx="minor">
+            <a:schemeClr val="lt1"/>
+          </a:fontRef>
+        </p:style>
+        <p:txBody>
+          <a:bodyPr rtlCol="0" anchor="ctr"/>
+          <a:lstStyle/>
+          <a:p>
+            <a:pPr algn="ctr"/>
+            <a:endParaRPr lang="ko-KR" altLang="en-US"/>
+          </a:p>
+        </p:txBody>
+      </p:sp>
+      <p:sp>
+        <p:nvSpPr>
+          <p:cNvPr id="5" name="TextBox 4"/>
+          <p:cNvSpPr txBox="1"/>
+          <p:nvPr/>
+        </p:nvSpPr>
+        <p:spPr>
+          <a:xfrm>
+            <a:off x="9065326" y="5707630"/>
+            <a:ext cx="2099855" cy="461665"/>
+          </a:xfrm>
+          <a:prstGeom prst="rect">
+            <a:avLst/>
+          </a:prstGeom>
+          <a:noFill/>
+        </p:spPr>
+        <p:txBody>
+          <a:bodyPr wrap="square" rtlCol="0">
+            <a:spAutoFit/>
+          </a:bodyPr>
+          <a:lstStyle/>
+          <a:p>
+            <a:r>
+              <a:rPr lang="en-US" altLang="ko-KR" sz="2400" dirty="0" smtClean="0"/>
+              <a:t>BIOS</a:t>
+            </a:r>
+            <a:endParaRPr lang="ko-KR" altLang="en-US" sz="2400" dirty="0"/>
+          </a:p>
+        </p:txBody>
+      </p:sp>
+      <p:sp>
+        <p:nvSpPr>
+          <p:cNvPr id="6" name="TextBox 5"/>
+          <p:cNvSpPr txBox="1"/>
+          <p:nvPr/>
+        </p:nvSpPr>
+        <p:spPr>
+          <a:xfrm>
+            <a:off x="8169432" y="4796460"/>
+            <a:ext cx="4214949" cy="461665"/>
+          </a:xfrm>
+          <a:prstGeom prst="rect">
+            <a:avLst/>
+          </a:prstGeom>
+          <a:noFill/>
+        </p:spPr>
+        <p:txBody>
+          <a:bodyPr wrap="square" rtlCol="0">
+            <a:spAutoFit/>
+          </a:bodyPr>
+          <a:lstStyle/>
+          <a:p>
+            <a:r>
+              <a:rPr lang="en-US" altLang="ko-KR" sz="2400" dirty="0" smtClean="0"/>
+              <a:t>Kernel image (Linux)</a:t>
+            </a:r>
+            <a:endParaRPr lang="ko-KR" altLang="en-US" sz="2400" dirty="0"/>
+          </a:p>
+        </p:txBody>
+      </p:sp>
+      <p:sp>
+        <p:nvSpPr>
+          <p:cNvPr id="7" name="TextBox 6"/>
+          <p:cNvSpPr txBox="1"/>
+          <p:nvPr/>
+        </p:nvSpPr>
+        <p:spPr>
+          <a:xfrm>
+            <a:off x="8160724" y="5258125"/>
+            <a:ext cx="4302035" cy="461665"/>
+          </a:xfrm>
+          <a:prstGeom prst="rect">
+            <a:avLst/>
+          </a:prstGeom>
+          <a:noFill/>
+        </p:spPr>
+        <p:txBody>
+          <a:bodyPr wrap="square" rtlCol="0">
+            <a:spAutoFit/>
+          </a:bodyPr>
+          <a:lstStyle/>
+          <a:p>
+            <a:r>
+              <a:rPr lang="en-US" altLang="ko-KR" sz="2400" dirty="0" smtClean="0"/>
+              <a:t>Bootloader (GRUB2)</a:t>
+            </a:r>
+            <a:endParaRPr lang="ko-KR" altLang="en-US" sz="2400" dirty="0"/>
+          </a:p>
+        </p:txBody>
+      </p:sp>
+      <p:sp>
+        <p:nvSpPr>
+          <p:cNvPr id="8" name="TextBox 7"/>
+          <p:cNvSpPr txBox="1"/>
+          <p:nvPr/>
+        </p:nvSpPr>
+        <p:spPr>
+          <a:xfrm>
+            <a:off x="7551120" y="3262818"/>
+            <a:ext cx="4981303" cy="830997"/>
+          </a:xfrm>
+          <a:prstGeom prst="rect">
+            <a:avLst/>
+          </a:prstGeom>
+          <a:noFill/>
+        </p:spPr>
+        <p:txBody>
+          <a:bodyPr wrap="square" rtlCol="0">
+            <a:spAutoFit/>
+          </a:bodyPr>
+          <a:lstStyle/>
+          <a:p>
+            <a:r>
+              <a:rPr lang="en-US" altLang="ko-KR" sz="2400" dirty="0" smtClean="0"/>
+              <a:t>User-space executables, scripts, </a:t>
+            </a:r>
+          </a:p>
+          <a:p>
+            <a:r>
+              <a:rPr lang="en-US" altLang="ko-KR" sz="2400" dirty="0" smtClean="0"/>
+              <a:t>kernel modules, shared libraries</a:t>
+            </a:r>
+            <a:endParaRPr lang="ko-KR" altLang="en-US" sz="2400" dirty="0"/>
+          </a:p>
+        </p:txBody>
+      </p:sp>
+      <p:sp>
+        <p:nvSpPr>
+          <p:cNvPr id="9" name="TextBox 8"/>
+          <p:cNvSpPr txBox="1"/>
+          <p:nvPr/>
+        </p:nvSpPr>
+        <p:spPr>
+          <a:xfrm>
+            <a:off x="9484424" y="4093816"/>
+            <a:ext cx="1114697" cy="369332"/>
+          </a:xfrm>
+          <a:prstGeom prst="rect">
+            <a:avLst/>
+          </a:prstGeom>
+          <a:noFill/>
+        </p:spPr>
+        <p:txBody>
+          <a:bodyPr wrap="square" rtlCol="0">
+            <a:spAutoFit/>
+          </a:bodyPr>
+          <a:lstStyle/>
+          <a:p>
+            <a:r>
+              <a:rPr lang="en-US" altLang="ko-KR" dirty="0" smtClean="0"/>
+              <a:t>......</a:t>
+            </a:r>
+            <a:endParaRPr lang="ko-KR" altLang="en-US" dirty="0"/>
+          </a:p>
+        </p:txBody>
+      </p:sp>
+      <p:cxnSp>
+        <p:nvCxnSpPr>
+          <p:cNvPr id="11" name="Straight Connector 10"/>
+          <p:cNvCxnSpPr/>
+          <p:nvPr/>
+        </p:nvCxnSpPr>
+        <p:spPr>
+          <a:xfrm>
+            <a:off x="7551124" y="5707630"/>
+            <a:ext cx="4528457" cy="0"/>
+          </a:xfrm>
+          <a:prstGeom prst="line">
+            <a:avLst/>
+          </a:prstGeom>
+        </p:spPr>
+        <p:style>
+          <a:lnRef idx="1">
+            <a:schemeClr val="accent1"/>
+          </a:lnRef>
+          <a:fillRef idx="0">
+            <a:schemeClr val="accent1"/>
+          </a:fillRef>
+          <a:effectRef idx="0">
+            <a:schemeClr val="accent1"/>
+          </a:effectRef>
+          <a:fontRef idx="minor">
+            <a:schemeClr val="tx1"/>
+          </a:fontRef>
+        </p:style>
+      </p:cxnSp>
+      <p:cxnSp>
+        <p:nvCxnSpPr>
+          <p:cNvPr id="13" name="Straight Connector 12"/>
+          <p:cNvCxnSpPr/>
+          <p:nvPr/>
+        </p:nvCxnSpPr>
+        <p:spPr>
+          <a:xfrm>
+            <a:off x="7551124" y="5258125"/>
+            <a:ext cx="4528457" cy="0"/>
+          </a:xfrm>
+          <a:prstGeom prst="line">
+            <a:avLst/>
+          </a:prstGeom>
+        </p:spPr>
+        <p:style>
+          <a:lnRef idx="1">
+            <a:schemeClr val="accent1"/>
+          </a:lnRef>
+          <a:fillRef idx="0">
+            <a:schemeClr val="accent1"/>
+          </a:fillRef>
+          <a:effectRef idx="0">
+            <a:schemeClr val="accent1"/>
+          </a:effectRef>
+          <a:fontRef idx="minor">
+            <a:schemeClr val="tx1"/>
+          </a:fontRef>
+        </p:style>
+      </p:cxnSp>
+      <p:cxnSp>
+        <p:nvCxnSpPr>
+          <p:cNvPr id="15" name="Straight Connector 14"/>
+          <p:cNvCxnSpPr/>
+          <p:nvPr/>
+        </p:nvCxnSpPr>
+        <p:spPr>
+          <a:xfrm>
+            <a:off x="7551124" y="4728140"/>
+            <a:ext cx="4528457" cy="0"/>
+          </a:xfrm>
+          <a:prstGeom prst="line">
+            <a:avLst/>
+          </a:prstGeom>
+        </p:spPr>
+        <p:style>
+          <a:lnRef idx="1">
+            <a:schemeClr val="accent1"/>
+          </a:lnRef>
+          <a:fillRef idx="0">
+            <a:schemeClr val="accent1"/>
+          </a:fillRef>
+          <a:effectRef idx="0">
+            <a:schemeClr val="accent1"/>
+          </a:effectRef>
+          <a:fontRef idx="minor">
+            <a:schemeClr val="tx1"/>
+          </a:fontRef>
+        </p:style>
+      </p:cxnSp>
+      <p:sp>
+        <p:nvSpPr>
+          <p:cNvPr id="16" name="TextBox 15"/>
+          <p:cNvSpPr txBox="1"/>
+          <p:nvPr/>
+        </p:nvSpPr>
+        <p:spPr>
+          <a:xfrm>
+            <a:off x="6745036" y="5753686"/>
+            <a:ext cx="1245326" cy="369332"/>
+          </a:xfrm>
+          <a:prstGeom prst="rect">
+            <a:avLst/>
+          </a:prstGeom>
+          <a:noFill/>
+        </p:spPr>
+        <p:txBody>
+          <a:bodyPr wrap="square" rtlCol="0">
+            <a:spAutoFit/>
+          </a:bodyPr>
+          <a:lstStyle/>
+          <a:p>
+            <a:r>
+              <a:rPr lang="en-US" altLang="ko-KR" b="1" dirty="0" smtClean="0"/>
+              <a:t>n=1</a:t>
+            </a:r>
+            <a:endParaRPr lang="ko-KR" altLang="en-US" b="1" dirty="0"/>
+          </a:p>
+        </p:txBody>
+      </p:sp>
+      <p:sp>
+        <p:nvSpPr>
+          <p:cNvPr id="18" name="TextBox 17"/>
+          <p:cNvSpPr txBox="1"/>
+          <p:nvPr/>
+        </p:nvSpPr>
+        <p:spPr>
+          <a:xfrm>
+            <a:off x="6745036" y="5275184"/>
+            <a:ext cx="1915885" cy="369332"/>
+          </a:xfrm>
+          <a:prstGeom prst="rect">
+            <a:avLst/>
+          </a:prstGeom>
+          <a:noFill/>
+        </p:spPr>
+        <p:txBody>
+          <a:bodyPr wrap="square" rtlCol="0">
+            <a:spAutoFit/>
+          </a:bodyPr>
+          <a:lstStyle/>
+          <a:p>
+            <a:r>
+              <a:rPr lang="en-US" altLang="ko-KR" b="1" dirty="0" smtClean="0"/>
+              <a:t>n=2</a:t>
+            </a:r>
+            <a:endParaRPr lang="ko-KR" altLang="en-US" b="1" dirty="0"/>
+          </a:p>
+        </p:txBody>
+      </p:sp>
+      <p:sp>
+        <p:nvSpPr>
+          <p:cNvPr id="19" name="TextBox 18"/>
+          <p:cNvSpPr txBox="1"/>
+          <p:nvPr/>
+        </p:nvSpPr>
+        <p:spPr>
+          <a:xfrm>
+            <a:off x="6745036" y="4799937"/>
+            <a:ext cx="1280160" cy="369332"/>
+          </a:xfrm>
+          <a:prstGeom prst="rect">
+            <a:avLst/>
+          </a:prstGeom>
+          <a:noFill/>
+        </p:spPr>
+        <p:txBody>
+          <a:bodyPr wrap="square" rtlCol="0">
+            <a:spAutoFit/>
+          </a:bodyPr>
+          <a:lstStyle/>
+          <a:p>
+            <a:r>
+              <a:rPr lang="en-US" altLang="ko-KR" b="1" dirty="0" smtClean="0"/>
+              <a:t>n=3</a:t>
+            </a:r>
+            <a:endParaRPr lang="ko-KR" altLang="en-US" b="1" dirty="0"/>
+          </a:p>
+        </p:txBody>
+      </p:sp>
+      <p:sp>
+        <p:nvSpPr>
+          <p:cNvPr id="20" name="TextBox 19"/>
+          <p:cNvSpPr txBox="1"/>
+          <p:nvPr/>
+        </p:nvSpPr>
+        <p:spPr>
+          <a:xfrm>
+            <a:off x="6358049" y="3787973"/>
+            <a:ext cx="1811383" cy="369332"/>
+          </a:xfrm>
+          <a:prstGeom prst="rect">
+            <a:avLst/>
+          </a:prstGeom>
+          <a:noFill/>
+        </p:spPr>
+        <p:txBody>
+          <a:bodyPr wrap="square" rtlCol="0">
+            <a:spAutoFit/>
+          </a:bodyPr>
+          <a:lstStyle/>
+          <a:p>
+            <a:r>
+              <a:rPr lang="en-US" altLang="ko-KR" b="1" dirty="0" smtClean="0"/>
+              <a:t>n=4,5,6...</a:t>
+            </a:r>
+            <a:endParaRPr lang="ko-KR" altLang="en-US" b="1" dirty="0"/>
+          </a:p>
+        </p:txBody>
+      </p:sp>
+      <p:sp>
+        <p:nvSpPr>
+          <p:cNvPr id="22" name="TextBox 21"/>
+          <p:cNvSpPr txBox="1"/>
+          <p:nvPr/>
+        </p:nvSpPr>
+        <p:spPr>
+          <a:xfrm>
+            <a:off x="7232074" y="6275210"/>
+            <a:ext cx="5152308" cy="461665"/>
+          </a:xfrm>
+          <a:prstGeom prst="rect">
+            <a:avLst/>
+          </a:prstGeom>
+          <a:noFill/>
+        </p:spPr>
+        <p:txBody>
+          <a:bodyPr wrap="square" rtlCol="0">
+            <a:spAutoFit/>
+          </a:bodyPr>
+          <a:lstStyle/>
+          <a:p>
+            <a:r>
+              <a:rPr lang="en-US" altLang="ko-KR" sz="2400" b="1" dirty="0" smtClean="0"/>
+              <a:t>[System Boot-up Software Stack]</a:t>
+            </a:r>
+            <a:endParaRPr lang="ko-KR" altLang="en-US" sz="2400" b="1" dirty="0"/>
+          </a:p>
+        </p:txBody>
+      </p:sp>
+      <p:sp>
+        <p:nvSpPr>
+          <p:cNvPr id="23" name="TextBox 22"/>
+          <p:cNvSpPr txBox="1"/>
+          <p:nvPr/>
+        </p:nvSpPr>
+        <p:spPr>
+          <a:xfrm>
+            <a:off x="9484424" y="2708820"/>
+            <a:ext cx="1114697" cy="369332"/>
+          </a:xfrm>
+          <a:prstGeom prst="rect">
+            <a:avLst/>
+          </a:prstGeom>
+          <a:noFill/>
+        </p:spPr>
+        <p:txBody>
+          <a:bodyPr wrap="square" rtlCol="0">
+            <a:spAutoFit/>
+          </a:bodyPr>
+          <a:lstStyle/>
+          <a:p>
+            <a:r>
+              <a:rPr lang="en-US" altLang="ko-KR" dirty="0" smtClean="0"/>
+              <a:t>......</a:t>
+            </a:r>
+            <a:endParaRPr lang="ko-KR" altLang="en-US" dirty="0"/>
+          </a:p>
+        </p:txBody>
+      </p:sp>
+    </p:spTree>
+    <p:extLst>
+      <p:ext uri="{BB962C8B-B14F-4D97-AF65-F5344CB8AC3E}">
+        <p14:creationId xmlns:p14="http://schemas.microsoft.com/office/powerpoint/2010/main" val="1393068764"/>
+      </p:ext>
+    </p:extLst>
+  </p:cSld>
+  <p:clrMapOvr>
+    <a:masterClrMapping/>
+  </p:clrMapOvr>
+</p:sld>
+</file>
+
+<file path=ppt/slides/slide6.xml><?xml version="1.0" encoding="utf-8"?>
+<p:sld xmlns:a="http://schemas.openxmlformats.org/drawingml/2006/main" xmlns:r="http://schemas.openxmlformats.org/officeDocument/2006/relationships" xmlns:p="http://schemas.openxmlformats.org/presentationml/2006/main">
+  <p:cSld>
+    <p:spTree>
+      <p:nvGrpSpPr>
+        <p:cNvPr id="1" name=""/>
+        <p:cNvGrpSpPr/>
+        <p:nvPr/>
+      </p:nvGrpSpPr>
+      <p:grpSpPr>
+        <a:xfrm>
+          <a:off x="0" y="0"/>
+          <a:ext cx="0" cy="0"/>
+          <a:chOff x="0" y="0"/>
+          <a:chExt cx="0" cy="0"/>
+        </a:xfrm>
+      </p:grpSpPr>
+      <p:sp>
+        <p:nvSpPr>
+          <p:cNvPr id="27" name="Rectangle 26"/>
+          <p:cNvSpPr/>
+          <p:nvPr/>
+        </p:nvSpPr>
+        <p:spPr>
+          <a:xfrm>
+            <a:off x="7536872" y="2835213"/>
+            <a:ext cx="4521331" cy="430571"/>
+          </a:xfrm>
+          <a:prstGeom prst="rect">
+            <a:avLst/>
+          </a:prstGeom>
+          <a:solidFill>
+            <a:srgbClr val="FFA3A3"/>
+          </a:solidFill>
+          <a:ln>
+            <a:solidFill>
+              <a:srgbClr val="FFA3A3"/>
+            </a:solidFill>
+          </a:ln>
+        </p:spPr>
+        <p:style>
+          <a:lnRef idx="2">
+            <a:schemeClr val="accent1">
+              <a:shade val="50000"/>
+            </a:schemeClr>
+          </a:lnRef>
+          <a:fillRef idx="1">
+            <a:schemeClr val="accent1"/>
+          </a:fillRef>
+          <a:effectRef idx="0">
+            <a:schemeClr val="accent1"/>
+          </a:effectRef>
+          <a:fontRef idx="minor">
+            <a:schemeClr val="lt1"/>
+          </a:fontRef>
+        </p:style>
+        <p:txBody>
+          <a:bodyPr rtlCol="0" anchor="ctr"/>
+          <a:lstStyle/>
+          <a:p>
+            <a:pPr algn="ctr"/>
+            <a:endParaRPr lang="ko-KR" altLang="en-US"/>
+          </a:p>
+        </p:txBody>
+      </p:sp>
+      <p:sp>
+        <p:nvSpPr>
+          <p:cNvPr id="2" name="Title 1"/>
+          <p:cNvSpPr>
+            <a:spLocks noGrp="1"/>
+          </p:cNvSpPr>
+          <p:nvPr>
+            <p:ph type="title"/>
+          </p:nvPr>
+        </p:nvSpPr>
+        <p:spPr>
+          <a:xfrm>
+            <a:off x="426720" y="0"/>
+            <a:ext cx="11179629" cy="1325563"/>
+          </a:xfrm>
+        </p:spPr>
+        <p:txBody>
+          <a:bodyPr/>
+          <a:lstStyle/>
+          <a:p>
+            <a:pPr algn="ctr"/>
+            <a:r>
+              <a:rPr lang="en-US" altLang="ko-KR" b="1" dirty="0" smtClean="0"/>
+              <a:t>System Integrity Measurement</a:t>
+            </a:r>
+            <a:endParaRPr lang="ko-KR" altLang="en-US" b="1" dirty="0"/>
+          </a:p>
+        </p:txBody>
+      </p:sp>
+      <p:sp>
+        <p:nvSpPr>
+          <p:cNvPr id="3" name="Content Placeholder 2"/>
+          <p:cNvSpPr>
+            <a:spLocks noGrp="1"/>
+          </p:cNvSpPr>
+          <p:nvPr>
+            <p:ph idx="1"/>
+          </p:nvPr>
+        </p:nvSpPr>
+        <p:spPr>
+          <a:xfrm>
+            <a:off x="64656" y="1400688"/>
+            <a:ext cx="12127344" cy="3310393"/>
+          </a:xfrm>
+        </p:spPr>
+        <p:txBody>
+          <a:bodyPr>
+            <a:normAutofit fontScale="92500" lnSpcReduction="20000"/>
+          </a:bodyPr>
+          <a:lstStyle/>
+          <a:p>
+            <a:pPr marL="0" indent="0">
+              <a:buNone/>
+            </a:pPr>
+            <a:r>
+              <a:rPr lang="en-US" altLang="ko-KR" b="1" dirty="0" smtClean="0"/>
+              <a:t>[System Boot-up Sequence]</a:t>
+            </a:r>
+          </a:p>
+          <a:p>
+            <a:pPr marL="0" indent="0">
+              <a:buNone/>
+            </a:pPr>
+            <a:r>
+              <a:rPr lang="en-US" altLang="ko-KR" sz="2400" dirty="0" smtClean="0"/>
+              <a:t>BIOS </a:t>
+            </a:r>
+            <a:r>
+              <a:rPr lang="en-US" altLang="ko-KR" sz="2400" dirty="0" smtClean="0">
+                <a:sym typeface="Wingdings" panose="05000000000000000000" pitchFamily="2" charset="2"/>
+              </a:rPr>
+              <a:t> bootloader (GRUB2) </a:t>
+            </a:r>
+            <a:endParaRPr lang="en-US" altLang="ko-KR" sz="2400" dirty="0">
+              <a:sym typeface="Wingdings" panose="05000000000000000000" pitchFamily="2" charset="2"/>
+            </a:endParaRPr>
+          </a:p>
+          <a:p>
+            <a:pPr marL="0" indent="0">
+              <a:buNone/>
+            </a:pPr>
+            <a:r>
+              <a:rPr lang="en-US" altLang="ko-KR" sz="2400" dirty="0" smtClean="0">
+                <a:sym typeface="Wingdings" panose="05000000000000000000" pitchFamily="2" charset="2"/>
+              </a:rPr>
+              <a:t> OS kernel image (Linux, iOS, windows) </a:t>
+            </a:r>
+          </a:p>
+          <a:p>
+            <a:pPr>
+              <a:buFont typeface="Wingdings" panose="05000000000000000000" pitchFamily="2" charset="2"/>
+              <a:buChar char="à"/>
+            </a:pPr>
+            <a:r>
+              <a:rPr lang="en-US" altLang="ko-KR" sz="2400" dirty="0" smtClean="0">
+                <a:sym typeface="Wingdings" panose="05000000000000000000" pitchFamily="2" charset="2"/>
+              </a:rPr>
+              <a:t> startup executables, scripts, modules, shared libraries </a:t>
+            </a:r>
+          </a:p>
+          <a:p>
+            <a:pPr>
+              <a:buFont typeface="Wingdings" panose="05000000000000000000" pitchFamily="2" charset="2"/>
+              <a:buChar char="à"/>
+            </a:pPr>
+            <a:r>
+              <a:rPr lang="en-US" altLang="ko-KR" sz="2400" dirty="0" smtClean="0">
+                <a:sym typeface="Wingdings" panose="05000000000000000000" pitchFamily="2" charset="2"/>
+              </a:rPr>
+              <a:t> additional binaries</a:t>
+            </a:r>
+          </a:p>
+          <a:p>
+            <a:pPr marL="0" indent="0">
+              <a:buNone/>
+            </a:pPr>
+            <a:endParaRPr lang="en-US" altLang="ko-KR" dirty="0" smtClean="0">
+              <a:sym typeface="Wingdings" panose="05000000000000000000" pitchFamily="2" charset="2"/>
+            </a:endParaRPr>
+          </a:p>
+          <a:p>
+            <a:pPr marL="0" indent="0">
+              <a:buNone/>
+            </a:pPr>
+            <a:r>
+              <a:rPr lang="en-US" altLang="ko-KR" b="1" dirty="0" smtClean="0"/>
+              <a:t>[TPM’s PCR update rule]</a:t>
+            </a:r>
+          </a:p>
+          <a:p>
+            <a:pPr marL="0" indent="0">
+              <a:buNone/>
+            </a:pPr>
+            <a:r>
+              <a:rPr lang="en-US" altLang="ko-KR" dirty="0" smtClean="0"/>
+              <a:t>PCR</a:t>
+            </a:r>
+            <a:r>
+              <a:rPr lang="en-US" altLang="ko-KR" baseline="-25000" dirty="0" smtClean="0"/>
+              <a:t>n+1</a:t>
+            </a:r>
+            <a:r>
+              <a:rPr lang="en-US" altLang="ko-KR" dirty="0" smtClean="0"/>
+              <a:t> = SHA1(</a:t>
+            </a:r>
+            <a:r>
+              <a:rPr lang="en-US" altLang="ko-KR" dirty="0" err="1" smtClean="0"/>
+              <a:t>PCR</a:t>
+            </a:r>
+            <a:r>
+              <a:rPr lang="en-US" altLang="ko-KR" baseline="-25000" dirty="0" err="1" smtClean="0"/>
+              <a:t>n</a:t>
+            </a:r>
+            <a:r>
+              <a:rPr lang="en-US" altLang="ko-KR" dirty="0" smtClean="0"/>
+              <a:t> | hash</a:t>
+            </a:r>
+            <a:r>
+              <a:rPr lang="en-US" altLang="ko-KR" baseline="-25000" dirty="0" smtClean="0"/>
+              <a:t>n+1</a:t>
+            </a:r>
+            <a:r>
+              <a:rPr lang="en-US" altLang="ko-KR" dirty="0" smtClean="0"/>
+              <a:t>)</a:t>
+            </a:r>
+          </a:p>
+          <a:p>
+            <a:pPr marL="0" indent="0">
+              <a:buNone/>
+            </a:pPr>
+            <a:endParaRPr lang="en-US" altLang="ko-KR" dirty="0">
+              <a:sym typeface="Wingdings" panose="05000000000000000000" pitchFamily="2" charset="2"/>
+            </a:endParaRPr>
+          </a:p>
+          <a:p>
+            <a:pPr marL="0" indent="0">
+              <a:buNone/>
+            </a:pPr>
+            <a:endParaRPr lang="en-US" altLang="ko-KR" dirty="0">
+              <a:sym typeface="Wingdings" panose="05000000000000000000" pitchFamily="2" charset="2"/>
+            </a:endParaRPr>
+          </a:p>
+          <a:p>
+            <a:pPr marL="0" indent="0">
+              <a:buNone/>
+            </a:pPr>
+            <a:endParaRPr lang="en-US" altLang="ko-KR" dirty="0" smtClean="0"/>
+          </a:p>
+          <a:p>
+            <a:pPr marL="0" indent="0">
+              <a:buNone/>
+            </a:pPr>
+            <a:endParaRPr lang="ko-KR" altLang="en-US" dirty="0"/>
+          </a:p>
+        </p:txBody>
+      </p:sp>
+      <p:sp>
+        <p:nvSpPr>
+          <p:cNvPr id="4" name="Rectangle 3"/>
+          <p:cNvSpPr/>
+          <p:nvPr/>
+        </p:nvSpPr>
+        <p:spPr>
+          <a:xfrm>
+            <a:off x="7551124" y="2485570"/>
+            <a:ext cx="4528457" cy="3683725"/>
+          </a:xfrm>
+          <a:prstGeom prst="rect">
+            <a:avLst/>
+          </a:prstGeom>
+          <a:noFill/>
+        </p:spPr>
+        <p:style>
+          <a:lnRef idx="2">
+            <a:schemeClr val="accent1">
+              <a:shade val="50000"/>
+            </a:schemeClr>
+          </a:lnRef>
+          <a:fillRef idx="1">
+            <a:schemeClr val="accent1"/>
+          </a:fillRef>
+          <a:effectRef idx="0">
+            <a:schemeClr val="accent1"/>
+          </a:effectRef>
+          <a:fontRef idx="minor">
+            <a:schemeClr val="lt1"/>
+          </a:fontRef>
+        </p:style>
+        <p:txBody>
+          <a:bodyPr rtlCol="0" anchor="ctr"/>
+          <a:lstStyle/>
+          <a:p>
+            <a:pPr algn="ctr"/>
+            <a:endParaRPr lang="ko-KR" altLang="en-US"/>
+          </a:p>
+        </p:txBody>
+      </p:sp>
+      <p:sp>
+        <p:nvSpPr>
+          <p:cNvPr id="5" name="TextBox 4"/>
+          <p:cNvSpPr txBox="1"/>
+          <p:nvPr/>
+        </p:nvSpPr>
+        <p:spPr>
+          <a:xfrm>
+            <a:off x="9065326" y="5707630"/>
+            <a:ext cx="2099855" cy="461665"/>
+          </a:xfrm>
+          <a:prstGeom prst="rect">
+            <a:avLst/>
+          </a:prstGeom>
+          <a:noFill/>
+        </p:spPr>
+        <p:txBody>
+          <a:bodyPr wrap="square" rtlCol="0">
+            <a:spAutoFit/>
+          </a:bodyPr>
+          <a:lstStyle/>
+          <a:p>
+            <a:r>
+              <a:rPr lang="en-US" altLang="ko-KR" sz="2400" dirty="0" smtClean="0"/>
+              <a:t>BIOS</a:t>
+            </a:r>
+            <a:endParaRPr lang="ko-KR" altLang="en-US" sz="2400" dirty="0"/>
+          </a:p>
+        </p:txBody>
+      </p:sp>
+      <p:sp>
+        <p:nvSpPr>
+          <p:cNvPr id="6" name="TextBox 5"/>
+          <p:cNvSpPr txBox="1"/>
+          <p:nvPr/>
+        </p:nvSpPr>
+        <p:spPr>
+          <a:xfrm>
+            <a:off x="8169432" y="4796460"/>
+            <a:ext cx="4214949" cy="461665"/>
+          </a:xfrm>
+          <a:prstGeom prst="rect">
+            <a:avLst/>
+          </a:prstGeom>
+          <a:noFill/>
+        </p:spPr>
+        <p:txBody>
+          <a:bodyPr wrap="square" rtlCol="0">
+            <a:spAutoFit/>
+          </a:bodyPr>
+          <a:lstStyle/>
+          <a:p>
+            <a:r>
+              <a:rPr lang="en-US" altLang="ko-KR" sz="2400" dirty="0" smtClean="0"/>
+              <a:t>Kernel image (Linux)</a:t>
+            </a:r>
+            <a:endParaRPr lang="ko-KR" altLang="en-US" sz="2400" dirty="0"/>
+          </a:p>
+        </p:txBody>
+      </p:sp>
+      <p:sp>
+        <p:nvSpPr>
+          <p:cNvPr id="7" name="TextBox 6"/>
+          <p:cNvSpPr txBox="1"/>
+          <p:nvPr/>
+        </p:nvSpPr>
+        <p:spPr>
+          <a:xfrm>
+            <a:off x="8160724" y="5258125"/>
+            <a:ext cx="4302035" cy="461665"/>
+          </a:xfrm>
+          <a:prstGeom prst="rect">
+            <a:avLst/>
+          </a:prstGeom>
+          <a:noFill/>
+        </p:spPr>
+        <p:txBody>
+          <a:bodyPr wrap="square" rtlCol="0">
+            <a:spAutoFit/>
+          </a:bodyPr>
+          <a:lstStyle/>
+          <a:p>
+            <a:r>
+              <a:rPr lang="en-US" altLang="ko-KR" sz="2400" dirty="0" smtClean="0"/>
+              <a:t>Bootloader (GRUB2)</a:t>
+            </a:r>
+            <a:endParaRPr lang="ko-KR" altLang="en-US" sz="2400" dirty="0"/>
+          </a:p>
+        </p:txBody>
+      </p:sp>
+      <p:sp>
+        <p:nvSpPr>
+          <p:cNvPr id="8" name="TextBox 7"/>
+          <p:cNvSpPr txBox="1"/>
+          <p:nvPr/>
+        </p:nvSpPr>
+        <p:spPr>
+          <a:xfrm>
+            <a:off x="7551124" y="3595598"/>
+            <a:ext cx="4981303" cy="830997"/>
+          </a:xfrm>
+          <a:prstGeom prst="rect">
+            <a:avLst/>
+          </a:prstGeom>
+          <a:noFill/>
+        </p:spPr>
+        <p:txBody>
+          <a:bodyPr wrap="square" rtlCol="0">
+            <a:spAutoFit/>
+          </a:bodyPr>
+          <a:lstStyle/>
+          <a:p>
+            <a:r>
+              <a:rPr lang="en-US" altLang="ko-KR" sz="2400" dirty="0" smtClean="0"/>
+              <a:t>User-space executables, scripts, </a:t>
+            </a:r>
+          </a:p>
+          <a:p>
+            <a:r>
+              <a:rPr lang="en-US" altLang="ko-KR" sz="2400" dirty="0" smtClean="0"/>
+              <a:t>kernel modules, shared libraries</a:t>
+            </a:r>
+            <a:endParaRPr lang="ko-KR" altLang="en-US" sz="2400" dirty="0"/>
+          </a:p>
+        </p:txBody>
+      </p:sp>
+      <p:sp>
+        <p:nvSpPr>
+          <p:cNvPr id="9" name="TextBox 8"/>
+          <p:cNvSpPr txBox="1"/>
+          <p:nvPr/>
+        </p:nvSpPr>
+        <p:spPr>
+          <a:xfrm>
+            <a:off x="9484424" y="4246216"/>
+            <a:ext cx="1114697" cy="369332"/>
+          </a:xfrm>
+          <a:prstGeom prst="rect">
+            <a:avLst/>
+          </a:prstGeom>
+          <a:noFill/>
+        </p:spPr>
+        <p:txBody>
+          <a:bodyPr wrap="square" rtlCol="0">
+            <a:spAutoFit/>
+          </a:bodyPr>
+          <a:lstStyle/>
+          <a:p>
+            <a:r>
+              <a:rPr lang="en-US" altLang="ko-KR" dirty="0" smtClean="0"/>
+              <a:t>......</a:t>
+            </a:r>
+            <a:endParaRPr lang="ko-KR" altLang="en-US" dirty="0"/>
+          </a:p>
+        </p:txBody>
+      </p:sp>
+      <p:cxnSp>
+        <p:nvCxnSpPr>
+          <p:cNvPr id="11" name="Straight Connector 10"/>
+          <p:cNvCxnSpPr/>
+          <p:nvPr/>
+        </p:nvCxnSpPr>
+        <p:spPr>
+          <a:xfrm>
+            <a:off x="7551124" y="5707630"/>
+            <a:ext cx="4528457" cy="0"/>
+          </a:xfrm>
+          <a:prstGeom prst="line">
+            <a:avLst/>
+          </a:prstGeom>
+        </p:spPr>
+        <p:style>
+          <a:lnRef idx="1">
+            <a:schemeClr val="accent1"/>
+          </a:lnRef>
+          <a:fillRef idx="0">
+            <a:schemeClr val="accent1"/>
+          </a:fillRef>
+          <a:effectRef idx="0">
+            <a:schemeClr val="accent1"/>
+          </a:effectRef>
+          <a:fontRef idx="minor">
+            <a:schemeClr val="tx1"/>
+          </a:fontRef>
+        </p:style>
+      </p:cxnSp>
+      <p:cxnSp>
+        <p:nvCxnSpPr>
+          <p:cNvPr id="13" name="Straight Connector 12"/>
+          <p:cNvCxnSpPr/>
+          <p:nvPr/>
+        </p:nvCxnSpPr>
+        <p:spPr>
+          <a:xfrm>
+            <a:off x="7551124" y="5258125"/>
+            <a:ext cx="4528457" cy="0"/>
+          </a:xfrm>
+          <a:prstGeom prst="line">
+            <a:avLst/>
+          </a:prstGeom>
+        </p:spPr>
+        <p:style>
+          <a:lnRef idx="1">
+            <a:schemeClr val="accent1"/>
+          </a:lnRef>
+          <a:fillRef idx="0">
+            <a:schemeClr val="accent1"/>
+          </a:fillRef>
+          <a:effectRef idx="0">
+            <a:schemeClr val="accent1"/>
+          </a:effectRef>
+          <a:fontRef idx="minor">
+            <a:schemeClr val="tx1"/>
+          </a:fontRef>
+        </p:style>
+      </p:cxnSp>
+      <p:cxnSp>
+        <p:nvCxnSpPr>
+          <p:cNvPr id="15" name="Straight Connector 14"/>
+          <p:cNvCxnSpPr/>
+          <p:nvPr/>
+        </p:nvCxnSpPr>
+        <p:spPr>
+          <a:xfrm>
+            <a:off x="7551124" y="4728140"/>
+            <a:ext cx="4528457" cy="0"/>
+          </a:xfrm>
+          <a:prstGeom prst="line">
+            <a:avLst/>
+          </a:prstGeom>
+        </p:spPr>
+        <p:style>
+          <a:lnRef idx="1">
+            <a:schemeClr val="accent1"/>
+          </a:lnRef>
+          <a:fillRef idx="0">
+            <a:schemeClr val="accent1"/>
+          </a:fillRef>
+          <a:effectRef idx="0">
+            <a:schemeClr val="accent1"/>
+          </a:effectRef>
+          <a:fontRef idx="minor">
+            <a:schemeClr val="tx1"/>
+          </a:fontRef>
+        </p:style>
+      </p:cxnSp>
+      <p:sp>
+        <p:nvSpPr>
+          <p:cNvPr id="16" name="TextBox 15"/>
+          <p:cNvSpPr txBox="1"/>
+          <p:nvPr/>
+        </p:nvSpPr>
+        <p:spPr>
+          <a:xfrm>
+            <a:off x="6745036" y="5753686"/>
+            <a:ext cx="1245326" cy="369332"/>
+          </a:xfrm>
+          <a:prstGeom prst="rect">
+            <a:avLst/>
+          </a:prstGeom>
+          <a:noFill/>
+        </p:spPr>
+        <p:txBody>
+          <a:bodyPr wrap="square" rtlCol="0">
+            <a:spAutoFit/>
+          </a:bodyPr>
+          <a:lstStyle/>
+          <a:p>
+            <a:r>
+              <a:rPr lang="en-US" altLang="ko-KR" b="1" dirty="0" smtClean="0"/>
+              <a:t>n=1</a:t>
+            </a:r>
+            <a:endParaRPr lang="ko-KR" altLang="en-US" b="1" dirty="0"/>
+          </a:p>
+        </p:txBody>
+      </p:sp>
+      <p:sp>
+        <p:nvSpPr>
+          <p:cNvPr id="18" name="TextBox 17"/>
+          <p:cNvSpPr txBox="1"/>
+          <p:nvPr/>
+        </p:nvSpPr>
+        <p:spPr>
+          <a:xfrm>
+            <a:off x="6745036" y="5275184"/>
+            <a:ext cx="1915885" cy="369332"/>
+          </a:xfrm>
+          <a:prstGeom prst="rect">
+            <a:avLst/>
+          </a:prstGeom>
+          <a:noFill/>
+        </p:spPr>
+        <p:txBody>
+          <a:bodyPr wrap="square" rtlCol="0">
+            <a:spAutoFit/>
+          </a:bodyPr>
+          <a:lstStyle/>
+          <a:p>
+            <a:r>
+              <a:rPr lang="en-US" altLang="ko-KR" b="1" dirty="0" smtClean="0"/>
+              <a:t>n=2</a:t>
+            </a:r>
+            <a:endParaRPr lang="ko-KR" altLang="en-US" b="1" dirty="0"/>
+          </a:p>
+        </p:txBody>
+      </p:sp>
+      <p:sp>
+        <p:nvSpPr>
+          <p:cNvPr id="19" name="TextBox 18"/>
+          <p:cNvSpPr txBox="1"/>
+          <p:nvPr/>
+        </p:nvSpPr>
+        <p:spPr>
+          <a:xfrm>
+            <a:off x="6745036" y="4799937"/>
+            <a:ext cx="1280160" cy="369332"/>
+          </a:xfrm>
+          <a:prstGeom prst="rect">
+            <a:avLst/>
+          </a:prstGeom>
+          <a:noFill/>
+        </p:spPr>
+        <p:txBody>
+          <a:bodyPr wrap="square" rtlCol="0">
+            <a:spAutoFit/>
+          </a:bodyPr>
+          <a:lstStyle/>
+          <a:p>
+            <a:r>
+              <a:rPr lang="en-US" altLang="ko-KR" b="1" dirty="0" smtClean="0"/>
+              <a:t>n=3</a:t>
+            </a:r>
+            <a:endParaRPr lang="ko-KR" altLang="en-US" b="1" dirty="0"/>
+          </a:p>
+        </p:txBody>
+      </p:sp>
+      <p:sp>
+        <p:nvSpPr>
+          <p:cNvPr id="20" name="TextBox 19"/>
+          <p:cNvSpPr txBox="1"/>
+          <p:nvPr/>
+        </p:nvSpPr>
+        <p:spPr>
+          <a:xfrm>
+            <a:off x="6358049" y="3787973"/>
+            <a:ext cx="1811383" cy="369332"/>
+          </a:xfrm>
+          <a:prstGeom prst="rect">
+            <a:avLst/>
+          </a:prstGeom>
+          <a:noFill/>
+        </p:spPr>
+        <p:txBody>
+          <a:bodyPr wrap="square" rtlCol="0">
+            <a:spAutoFit/>
+          </a:bodyPr>
+          <a:lstStyle/>
+          <a:p>
+            <a:r>
+              <a:rPr lang="en-US" altLang="ko-KR" b="1" dirty="0" smtClean="0"/>
+              <a:t>n=4,5,6...</a:t>
+            </a:r>
+            <a:endParaRPr lang="ko-KR" altLang="en-US" b="1" dirty="0"/>
+          </a:p>
+        </p:txBody>
+      </p:sp>
+      <p:sp>
+        <p:nvSpPr>
+          <p:cNvPr id="22" name="TextBox 21"/>
+          <p:cNvSpPr txBox="1"/>
+          <p:nvPr/>
+        </p:nvSpPr>
+        <p:spPr>
+          <a:xfrm>
+            <a:off x="7232074" y="6275210"/>
+            <a:ext cx="5152308" cy="461665"/>
+          </a:xfrm>
+          <a:prstGeom prst="rect">
+            <a:avLst/>
+          </a:prstGeom>
+          <a:noFill/>
+        </p:spPr>
+        <p:txBody>
+          <a:bodyPr wrap="square" rtlCol="0">
+            <a:spAutoFit/>
+          </a:bodyPr>
+          <a:lstStyle/>
+          <a:p>
+            <a:r>
+              <a:rPr lang="en-US" altLang="ko-KR" sz="2400" b="1" dirty="0" smtClean="0"/>
+              <a:t>[System Boot-up Software Stack]</a:t>
+            </a:r>
+            <a:endParaRPr lang="ko-KR" altLang="en-US" sz="2400" b="1" dirty="0"/>
+          </a:p>
+        </p:txBody>
+      </p:sp>
+      <p:sp>
+        <p:nvSpPr>
+          <p:cNvPr id="23" name="TextBox 22"/>
+          <p:cNvSpPr txBox="1"/>
+          <p:nvPr/>
+        </p:nvSpPr>
+        <p:spPr>
+          <a:xfrm>
+            <a:off x="9484424" y="2428610"/>
+            <a:ext cx="1114697" cy="369332"/>
+          </a:xfrm>
+          <a:prstGeom prst="rect">
+            <a:avLst/>
+          </a:prstGeom>
+          <a:noFill/>
+        </p:spPr>
+        <p:txBody>
+          <a:bodyPr wrap="square" rtlCol="0">
+            <a:spAutoFit/>
+          </a:bodyPr>
+          <a:lstStyle/>
+          <a:p>
+            <a:r>
+              <a:rPr lang="en-US" altLang="ko-KR" dirty="0" smtClean="0"/>
+              <a:t>......</a:t>
+            </a:r>
+            <a:endParaRPr lang="ko-KR" altLang="en-US" dirty="0"/>
+          </a:p>
+        </p:txBody>
+      </p:sp>
+      <p:sp>
+        <p:nvSpPr>
+          <p:cNvPr id="21" name="TextBox 20"/>
+          <p:cNvSpPr txBox="1"/>
+          <p:nvPr/>
+        </p:nvSpPr>
+        <p:spPr>
+          <a:xfrm>
+            <a:off x="8970324" y="2828120"/>
+            <a:ext cx="4981303" cy="461665"/>
+          </a:xfrm>
+          <a:prstGeom prst="rect">
+            <a:avLst/>
+          </a:prstGeom>
+          <a:noFill/>
+        </p:spPr>
+        <p:txBody>
+          <a:bodyPr wrap="square" rtlCol="0">
+            <a:spAutoFit/>
+          </a:bodyPr>
+          <a:lstStyle/>
+          <a:p>
+            <a:r>
+              <a:rPr lang="en-US" altLang="ko-KR" sz="2400" b="1" dirty="0" smtClean="0"/>
+              <a:t>Malware!!!</a:t>
+            </a:r>
+            <a:endParaRPr lang="ko-KR" altLang="en-US" sz="2400" b="1" dirty="0"/>
+          </a:p>
+        </p:txBody>
+      </p:sp>
+      <p:sp>
+        <p:nvSpPr>
+          <p:cNvPr id="29" name="TextBox 28"/>
+          <p:cNvSpPr txBox="1"/>
+          <p:nvPr/>
+        </p:nvSpPr>
+        <p:spPr>
+          <a:xfrm>
+            <a:off x="9484424" y="3246095"/>
+            <a:ext cx="1114697" cy="369332"/>
+          </a:xfrm>
+          <a:prstGeom prst="rect">
+            <a:avLst/>
+          </a:prstGeom>
+          <a:noFill/>
+        </p:spPr>
+        <p:txBody>
+          <a:bodyPr wrap="square" rtlCol="0">
+            <a:spAutoFit/>
+          </a:bodyPr>
+          <a:lstStyle/>
+          <a:p>
+            <a:r>
+              <a:rPr lang="en-US" altLang="ko-KR" dirty="0" smtClean="0"/>
+              <a:t>......</a:t>
+            </a:r>
+            <a:endParaRPr lang="ko-KR" altLang="en-US" dirty="0"/>
+          </a:p>
+        </p:txBody>
+      </p:sp>
+    </p:spTree>
+    <p:extLst>
+      <p:ext uri="{BB962C8B-B14F-4D97-AF65-F5344CB8AC3E}">
+        <p14:creationId xmlns:p14="http://schemas.microsoft.com/office/powerpoint/2010/main" val="3020833244"/>
+      </p:ext>
+    </p:extLst>
+  </p:cSld>
+  <p:clrMapOvr>
+    <a:masterClrMapping/>
+  </p:clrMapOvr>
+</p:sld>
+</file>
+
+<file path=ppt/slides/slide7.xml><?xml version="1.0" encoding="utf-8"?>
+<p:sld xmlns:a="http://schemas.openxmlformats.org/drawingml/2006/main" xmlns:r="http://schemas.openxmlformats.org/officeDocument/2006/relationships" xmlns:p="http://schemas.openxmlformats.org/presentationml/2006/main">
+  <p:cSld>
+    <p:spTree>
+      <p:nvGrpSpPr>
+        <p:cNvPr id="1" name=""/>
+        <p:cNvGrpSpPr/>
+        <p:nvPr/>
+      </p:nvGrpSpPr>
+      <p:grpSpPr>
+        <a:xfrm>
+          <a:off x="0" y="0"/>
+          <a:ext cx="0" cy="0"/>
+          <a:chOff x="0" y="0"/>
+          <a:chExt cx="0" cy="0"/>
+        </a:xfrm>
+      </p:grpSpPr>
+      <p:sp>
+        <p:nvSpPr>
+          <p:cNvPr id="2" name="Title 1"/>
+          <p:cNvSpPr>
+            <a:spLocks noGrp="1"/>
+          </p:cNvSpPr>
+          <p:nvPr>
+            <p:ph type="title"/>
+          </p:nvPr>
+        </p:nvSpPr>
+        <p:spPr>
+          <a:xfrm>
+            <a:off x="838200" y="0"/>
+            <a:ext cx="10515600" cy="1325563"/>
+          </a:xfrm>
+        </p:spPr>
+        <p:txBody>
+          <a:bodyPr/>
+          <a:lstStyle/>
+          <a:p>
+            <a:pPr algn="ctr"/>
+            <a:r>
+              <a:rPr lang="en-US" altLang="ko-KR" b="1" dirty="0" smtClean="0"/>
+              <a:t>Malware Identification</a:t>
+            </a:r>
+            <a:endParaRPr lang="ko-KR" altLang="en-US" b="1" dirty="0"/>
+          </a:p>
+        </p:txBody>
+      </p:sp>
+      <p:sp>
+        <p:nvSpPr>
+          <p:cNvPr id="3" name="Content Placeholder 2"/>
+          <p:cNvSpPr>
+            <a:spLocks noGrp="1"/>
+          </p:cNvSpPr>
+          <p:nvPr>
+            <p:ph idx="1"/>
+          </p:nvPr>
+        </p:nvSpPr>
+        <p:spPr>
+          <a:xfrm>
+            <a:off x="230909" y="1631660"/>
+            <a:ext cx="11730182" cy="4981575"/>
+          </a:xfrm>
+        </p:spPr>
+        <p:txBody>
+          <a:bodyPr>
+            <a:normAutofit fontScale="85000" lnSpcReduction="20000"/>
+          </a:bodyPr>
+          <a:lstStyle/>
+          <a:p>
+            <a:pPr marL="0" indent="0" defTabSz="540000">
+              <a:buNone/>
+            </a:pPr>
+            <a:r>
+              <a:rPr lang="en-US" altLang="ko-KR" dirty="0" smtClean="0"/>
+              <a:t>void </a:t>
+            </a:r>
+            <a:r>
+              <a:rPr lang="en-US" altLang="ko-KR" dirty="0" err="1" smtClean="0"/>
+              <a:t>Recursive_Malware_Select</a:t>
+            </a:r>
+            <a:r>
+              <a:rPr lang="en-US" altLang="ko-KR" dirty="0" smtClean="0"/>
+              <a:t> (</a:t>
+            </a:r>
+            <a:r>
+              <a:rPr lang="en-US" altLang="ko-KR" dirty="0" err="1" smtClean="0"/>
+              <a:t>int</a:t>
+            </a:r>
+            <a:r>
+              <a:rPr lang="en-US" altLang="ko-KR" dirty="0" smtClean="0"/>
+              <a:t> depth)</a:t>
+            </a:r>
+            <a:br>
+              <a:rPr lang="en-US" altLang="ko-KR" dirty="0" smtClean="0"/>
+            </a:br>
+            <a:r>
+              <a:rPr lang="en-US" altLang="ko-KR" dirty="0" smtClean="0"/>
+              <a:t>{</a:t>
+            </a:r>
+          </a:p>
+          <a:p>
+            <a:pPr marL="0" indent="0" defTabSz="540000">
+              <a:buNone/>
+            </a:pPr>
+            <a:r>
+              <a:rPr lang="en-US" altLang="ko-KR" dirty="0" smtClean="0"/>
+              <a:t>   </a:t>
+            </a:r>
+          </a:p>
+          <a:p>
+            <a:pPr marL="0" indent="0" defTabSz="540000">
+              <a:buNone/>
+            </a:pPr>
+            <a:r>
+              <a:rPr lang="en-US" altLang="ko-KR" dirty="0" smtClean="0"/>
+              <a:t>   1. Continue recursion to generate every possible malware combination</a:t>
+            </a:r>
+          </a:p>
+          <a:p>
+            <a:pPr marL="0" indent="0" defTabSz="540000">
+              <a:buNone/>
+            </a:pPr>
+            <a:endParaRPr lang="en-US" altLang="ko-KR" dirty="0" smtClean="0"/>
+          </a:p>
+          <a:p>
+            <a:pPr marL="0" indent="0" defTabSz="540000">
+              <a:buNone/>
+            </a:pPr>
+            <a:r>
+              <a:rPr lang="en-US" altLang="ko-KR" dirty="0" smtClean="0"/>
+              <a:t>   </a:t>
+            </a:r>
+            <a:r>
+              <a:rPr lang="en-US" altLang="ko-KR" b="1" dirty="0" smtClean="0"/>
+              <a:t>---------------- CUDA / </a:t>
+            </a:r>
+            <a:r>
+              <a:rPr lang="en-US" altLang="ko-KR" b="1" dirty="0" err="1" smtClean="0"/>
+              <a:t>OpenACC</a:t>
+            </a:r>
+            <a:r>
+              <a:rPr lang="en-US" altLang="ko-KR" b="1" dirty="0" smtClean="0"/>
+              <a:t> section ---------------------------------------	</a:t>
+            </a:r>
+          </a:p>
+          <a:p>
+            <a:pPr marL="0" indent="0" defTabSz="540000">
+              <a:buNone/>
+            </a:pPr>
+            <a:r>
+              <a:rPr lang="en-US" altLang="ko-KR" dirty="0" smtClean="0"/>
+              <a:t>   2. for-loop: insert each malware selected in step 1 into every possible position </a:t>
+            </a:r>
+          </a:p>
+          <a:p>
+            <a:pPr marL="0" indent="0" defTabSz="540000">
+              <a:buNone/>
+            </a:pPr>
+            <a:r>
+              <a:rPr lang="en-US" altLang="ko-KR" dirty="0"/>
+              <a:t>	</a:t>
+            </a:r>
+            <a:r>
+              <a:rPr lang="en-US" altLang="ko-KR" dirty="0" smtClean="0"/>
+              <a:t>		</a:t>
+            </a:r>
+            <a:r>
+              <a:rPr lang="en-US" altLang="ko-KR" dirty="0"/>
+              <a:t> </a:t>
+            </a:r>
+            <a:r>
+              <a:rPr lang="en-US" altLang="ko-KR" dirty="0" smtClean="0"/>
+              <a:t>  in the expected boot-up software stack log</a:t>
+            </a:r>
+            <a:br>
+              <a:rPr lang="en-US" altLang="ko-KR" dirty="0" smtClean="0"/>
+            </a:br>
+            <a:r>
+              <a:rPr lang="en-US" altLang="ko-KR" dirty="0" smtClean="0"/>
+              <a:t>   3. Simulate &amp; compute the PCR value. 	</a:t>
+            </a:r>
+          </a:p>
+          <a:p>
+            <a:pPr marL="0" indent="0" defTabSz="540000">
+              <a:buNone/>
+            </a:pPr>
+            <a:r>
+              <a:rPr lang="en-US" altLang="ko-KR" dirty="0"/>
+              <a:t> </a:t>
+            </a:r>
+            <a:r>
+              <a:rPr lang="en-US" altLang="ko-KR" dirty="0" smtClean="0"/>
+              <a:t>  4. Check if step 3’s result is the same as the TPM-signed PCR value </a:t>
+            </a:r>
+          </a:p>
+          <a:p>
+            <a:pPr marL="0" indent="0" defTabSz="540000">
+              <a:buNone/>
+            </a:pPr>
+            <a:r>
+              <a:rPr lang="en-US" altLang="ko-KR" dirty="0" smtClean="0"/>
+              <a:t>      (if yes, break the for-loop / if not, go back to step 2)</a:t>
+            </a:r>
+          </a:p>
+          <a:p>
+            <a:pPr marL="0" indent="0" defTabSz="540000">
+              <a:buNone/>
+            </a:pPr>
+            <a:r>
+              <a:rPr lang="en-US" altLang="ko-KR" b="1" dirty="0" smtClean="0"/>
+              <a:t>   --------------------------------------------------------------------------------------</a:t>
+            </a:r>
+            <a:endParaRPr lang="en-US" altLang="ko-KR" b="1" dirty="0"/>
+          </a:p>
+          <a:p>
+            <a:pPr marL="0" indent="0" defTabSz="540000">
+              <a:buNone/>
+            </a:pPr>
+            <a:r>
+              <a:rPr lang="en-US" altLang="ko-KR" dirty="0" smtClean="0"/>
+              <a:t>}</a:t>
+            </a:r>
+          </a:p>
+          <a:p>
+            <a:pPr marL="0" indent="0">
+              <a:buNone/>
+            </a:pPr>
+            <a:endParaRPr lang="ko-KR" altLang="en-US" dirty="0"/>
+          </a:p>
+        </p:txBody>
+      </p:sp>
+      <p:sp>
+        <p:nvSpPr>
+          <p:cNvPr id="4" name="Rectangle 3"/>
+          <p:cNvSpPr/>
+          <p:nvPr/>
+        </p:nvSpPr>
+        <p:spPr>
+          <a:xfrm>
+            <a:off x="7021973" y="1631660"/>
+            <a:ext cx="6804862" cy="369332"/>
+          </a:xfrm>
+          <a:prstGeom prst="rect">
+            <a:avLst/>
+          </a:prstGeom>
+        </p:spPr>
+        <p:txBody>
+          <a:bodyPr wrap="square">
+            <a:spAutoFit/>
+          </a:bodyPr>
+          <a:lstStyle/>
+          <a:p>
+            <a:r>
+              <a:rPr lang="en-US" altLang="ko-KR" b="1" dirty="0" smtClean="0"/>
+              <a:t>[Malware Identification Pseudo Code]</a:t>
+            </a:r>
+          </a:p>
+        </p:txBody>
+      </p:sp>
+    </p:spTree>
+    <p:extLst>
+      <p:ext uri="{BB962C8B-B14F-4D97-AF65-F5344CB8AC3E}">
+        <p14:creationId xmlns:p14="http://schemas.microsoft.com/office/powerpoint/2010/main" val="668616617"/>
+      </p:ext>
+    </p:extLst>
+  </p:cSld>
+  <p:clrMapOvr>
+    <a:masterClrMapping/>
+  </p:clrMapOvr>
+</p:sld>
+</file>
+
+<file path=ppt/slides/slide8.xml><?xml version="1.0" encoding="utf-8"?>
+<p:sld xmlns:a="http://schemas.openxmlformats.org/drawingml/2006/main" xmlns:r="http://schemas.openxmlformats.org/officeDocument/2006/relationships" xmlns:p="http://schemas.openxmlformats.org/presentationml/2006/main">
+  <p:cSld>
+    <p:spTree>
+      <p:nvGrpSpPr>
+        <p:cNvPr id="1" name=""/>
+        <p:cNvGrpSpPr/>
+        <p:nvPr/>
+      </p:nvGrpSpPr>
+      <p:grpSpPr>
+        <a:xfrm>
+          <a:off x="0" y="0"/>
+          <a:ext cx="0" cy="0"/>
+          <a:chOff x="0" y="0"/>
+          <a:chExt cx="0" cy="0"/>
+        </a:xfrm>
+      </p:grpSpPr>
+      <p:sp>
+        <p:nvSpPr>
+          <p:cNvPr id="2" name="Title 1"/>
+          <p:cNvSpPr>
+            <a:spLocks noGrp="1"/>
+          </p:cNvSpPr>
+          <p:nvPr>
+            <p:ph type="title"/>
+          </p:nvPr>
+        </p:nvSpPr>
+        <p:spPr>
+          <a:xfrm>
+            <a:off x="838200" y="0"/>
+            <a:ext cx="10515600" cy="1325563"/>
+          </a:xfrm>
+        </p:spPr>
+        <p:txBody>
+          <a:bodyPr/>
+          <a:lstStyle/>
+          <a:p>
+            <a:pPr algn="ctr"/>
+            <a:r>
+              <a:rPr lang="en-US" altLang="ko-KR" b="1" smtClean="0"/>
+              <a:t>Remote </a:t>
+            </a:r>
+            <a:r>
+              <a:rPr lang="en-US" altLang="ko-KR" b="1" dirty="0" smtClean="0"/>
+              <a:t>Attestation</a:t>
+            </a:r>
+            <a:endParaRPr lang="ko-KR" altLang="en-US" b="1" dirty="0"/>
+          </a:p>
+        </p:txBody>
+      </p:sp>
+      <p:sp>
+        <p:nvSpPr>
+          <p:cNvPr id="3" name="Content Placeholder 2"/>
+          <p:cNvSpPr>
+            <a:spLocks noGrp="1"/>
+          </p:cNvSpPr>
+          <p:nvPr>
+            <p:ph idx="1"/>
+          </p:nvPr>
+        </p:nvSpPr>
+        <p:spPr>
+          <a:xfrm>
+            <a:off x="0" y="1325562"/>
+            <a:ext cx="12192000" cy="5269201"/>
+          </a:xfrm>
+        </p:spPr>
+        <p:txBody>
+          <a:bodyPr/>
+          <a:lstStyle/>
+          <a:p>
+            <a:pPr marL="0" indent="0">
+              <a:buNone/>
+            </a:pPr>
+            <a:r>
+              <a:rPr lang="en-US" altLang="ko-KR" dirty="0"/>
+              <a:t>	</a:t>
+            </a:r>
+            <a:r>
+              <a:rPr lang="en-US" altLang="ko-KR" dirty="0" smtClean="0"/>
+              <a:t>      </a:t>
+            </a:r>
+            <a:r>
+              <a:rPr lang="en-US" altLang="ko-KR" b="1" u="sng" dirty="0" smtClean="0"/>
+              <a:t>Server</a:t>
+            </a:r>
+            <a:r>
+              <a:rPr lang="en-US" altLang="ko-KR" dirty="0" smtClean="0"/>
+              <a:t> 						</a:t>
+            </a:r>
+            <a:r>
+              <a:rPr lang="en-US" altLang="ko-KR" b="1" u="sng" dirty="0" smtClean="0"/>
+              <a:t>Client</a:t>
+            </a:r>
+            <a:r>
+              <a:rPr lang="en-US" altLang="ko-KR" dirty="0" smtClean="0"/>
+              <a:t>	</a:t>
+            </a:r>
+          </a:p>
+          <a:p>
+            <a:pPr marL="0" indent="0">
+              <a:buNone/>
+            </a:pPr>
+            <a:endParaRPr lang="en-US" altLang="ko-KR" dirty="0" smtClean="0"/>
+          </a:p>
+          <a:p>
+            <a:pPr marL="0" indent="0">
+              <a:buNone/>
+            </a:pPr>
+            <a:r>
+              <a:rPr lang="en-US" altLang="ko-KR" dirty="0" smtClean="0"/>
+              <a:t>    {r: random number}</a:t>
+            </a:r>
+          </a:p>
+          <a:p>
+            <a:pPr marL="0" indent="0">
+              <a:buNone/>
+            </a:pPr>
+            <a:endParaRPr lang="en-US" altLang="ko-KR" dirty="0" smtClean="0"/>
+          </a:p>
+          <a:p>
+            <a:pPr marL="0" indent="0">
+              <a:buNone/>
+            </a:pPr>
+            <a:r>
+              <a:rPr lang="en-US" altLang="ko-KR" dirty="0" smtClean="0"/>
+              <a:t>						       	  </a:t>
+            </a:r>
+            <a:r>
+              <a:rPr lang="en-US" altLang="ko-KR" dirty="0"/>
+              <a:t>	</a:t>
+            </a:r>
+            <a:r>
+              <a:rPr lang="en-US" altLang="ko-KR" dirty="0" smtClean="0"/>
+              <a:t>						                                              {PCR | r}  </a:t>
+            </a:r>
+            <a:br>
+              <a:rPr lang="en-US" altLang="ko-KR" dirty="0" smtClean="0"/>
+            </a:br>
+            <a:r>
+              <a:rPr lang="en-US" altLang="ko-KR" dirty="0" smtClean="0"/>
+              <a:t>						</a:t>
+            </a:r>
+            <a:r>
+              <a:rPr lang="en-US" altLang="ko-KR" dirty="0"/>
+              <a:t>	</a:t>
+            </a:r>
+            <a:r>
+              <a:rPr lang="en-US" altLang="ko-KR" dirty="0" smtClean="0"/>
+              <a:t>  {</a:t>
+            </a:r>
+            <a:r>
+              <a:rPr lang="en-US" altLang="ko-KR" dirty="0" err="1" smtClean="0"/>
+              <a:t>Sign</a:t>
+            </a:r>
+            <a:r>
+              <a:rPr lang="en-US" altLang="ko-KR" baseline="-25000" dirty="0" err="1" smtClean="0"/>
+              <a:t>RSA</a:t>
+            </a:r>
+            <a:r>
+              <a:rPr lang="en-US" altLang="ko-KR" dirty="0" smtClean="0"/>
+              <a:t>(PCR | r, </a:t>
+            </a:r>
+            <a:r>
+              <a:rPr lang="en-US" altLang="ko-KR" dirty="0" err="1" smtClean="0"/>
+              <a:t>privateKey</a:t>
+            </a:r>
+            <a:r>
+              <a:rPr lang="en-US" altLang="ko-KR" baseline="-25000" dirty="0" err="1" smtClean="0"/>
+              <a:t>TPM</a:t>
+            </a:r>
+            <a:r>
+              <a:rPr lang="en-US" altLang="ko-KR" dirty="0" smtClean="0"/>
+              <a:t>) }</a:t>
+            </a:r>
+          </a:p>
+          <a:p>
+            <a:pPr marL="0" indent="0">
+              <a:buNone/>
+            </a:pPr>
+            <a:endParaRPr lang="en-US" altLang="ko-KR" dirty="0" smtClean="0"/>
+          </a:p>
+          <a:p>
+            <a:pPr marL="0" indent="0">
+              <a:buNone/>
+            </a:pPr>
+            <a:r>
+              <a:rPr lang="en-US" altLang="ko-KR" dirty="0" err="1" smtClean="0"/>
+              <a:t>Verify</a:t>
+            </a:r>
+            <a:r>
+              <a:rPr lang="en-US" altLang="ko-KR" baseline="-25000" dirty="0" err="1" smtClean="0"/>
+              <a:t>RSA</a:t>
+            </a:r>
+            <a:r>
+              <a:rPr lang="en-US" altLang="ko-KR" dirty="0" smtClean="0"/>
+              <a:t>(PCR | r, </a:t>
+            </a:r>
+            <a:r>
+              <a:rPr lang="en-US" altLang="ko-KR" dirty="0" err="1" smtClean="0"/>
+              <a:t>publicKey</a:t>
+            </a:r>
+            <a:r>
+              <a:rPr lang="en-US" altLang="ko-KR" baseline="-25000" dirty="0" err="1" smtClean="0"/>
+              <a:t>TPM</a:t>
+            </a:r>
+            <a:r>
+              <a:rPr lang="en-US" altLang="ko-KR" dirty="0" smtClean="0"/>
+              <a:t>)</a:t>
+            </a:r>
+            <a:endParaRPr lang="ko-KR" altLang="en-US" dirty="0"/>
+          </a:p>
+        </p:txBody>
+      </p:sp>
+      <p:cxnSp>
+        <p:nvCxnSpPr>
+          <p:cNvPr id="5" name="Straight Arrow Connector 4"/>
+          <p:cNvCxnSpPr/>
+          <p:nvPr/>
+        </p:nvCxnSpPr>
+        <p:spPr>
+          <a:xfrm>
+            <a:off x="4412079" y="2632099"/>
+            <a:ext cx="1939636" cy="0"/>
+          </a:xfrm>
+          <a:prstGeom prst="straightConnector1">
+            <a:avLst/>
+          </a:prstGeom>
+          <a:ln>
+            <a:solidFill>
+              <a:schemeClr val="tx1"/>
+            </a:solidFill>
+            <a:tailEnd type="triangle"/>
+          </a:ln>
+        </p:spPr>
+        <p:style>
+          <a:lnRef idx="1">
+            <a:schemeClr val="accent1"/>
+          </a:lnRef>
+          <a:fillRef idx="0">
+            <a:schemeClr val="accent1"/>
+          </a:fillRef>
+          <a:effectRef idx="0">
+            <a:schemeClr val="accent1"/>
+          </a:effectRef>
+          <a:fontRef idx="minor">
+            <a:schemeClr val="tx1"/>
+          </a:fontRef>
+        </p:style>
+      </p:cxnSp>
+      <p:cxnSp>
+        <p:nvCxnSpPr>
+          <p:cNvPr id="6" name="Straight Arrow Connector 5"/>
+          <p:cNvCxnSpPr/>
+          <p:nvPr/>
+        </p:nvCxnSpPr>
+        <p:spPr>
+          <a:xfrm flipH="1">
+            <a:off x="4412079" y="4096063"/>
+            <a:ext cx="1935018" cy="0"/>
+          </a:xfrm>
+          <a:prstGeom prst="straightConnector1">
+            <a:avLst/>
+          </a:prstGeom>
+          <a:ln>
+            <a:solidFill>
+              <a:schemeClr val="tx1"/>
+            </a:solidFill>
+            <a:tailEnd type="triangle"/>
+          </a:ln>
+        </p:spPr>
+        <p:style>
+          <a:lnRef idx="1">
+            <a:schemeClr val="accent1"/>
+          </a:lnRef>
+          <a:fillRef idx="0">
+            <a:schemeClr val="accent1"/>
+          </a:fillRef>
+          <a:effectRef idx="0">
+            <a:schemeClr val="accent1"/>
+          </a:effectRef>
+          <a:fontRef idx="minor">
+            <a:schemeClr val="tx1"/>
+          </a:fontRef>
+        </p:style>
+      </p:cxnSp>
+      <p:sp>
+        <p:nvSpPr>
+          <p:cNvPr id="8" name="TextBox 7"/>
+          <p:cNvSpPr txBox="1"/>
+          <p:nvPr/>
+        </p:nvSpPr>
+        <p:spPr>
+          <a:xfrm>
+            <a:off x="4818480" y="2262767"/>
+            <a:ext cx="2013527" cy="369332"/>
+          </a:xfrm>
+          <a:prstGeom prst="rect">
+            <a:avLst/>
+          </a:prstGeom>
+          <a:noFill/>
+        </p:spPr>
+        <p:txBody>
+          <a:bodyPr wrap="square" rtlCol="0">
+            <a:spAutoFit/>
+          </a:bodyPr>
+          <a:lstStyle/>
+          <a:p>
+            <a:r>
+              <a:rPr lang="en-US" altLang="ko-KR" b="1" dirty="0" smtClean="0"/>
+              <a:t>(step 1)</a:t>
+            </a:r>
+            <a:endParaRPr lang="ko-KR" altLang="en-US" b="1" dirty="0"/>
+          </a:p>
+        </p:txBody>
+      </p:sp>
+      <p:sp>
+        <p:nvSpPr>
+          <p:cNvPr id="11" name="TextBox 10"/>
+          <p:cNvSpPr txBox="1"/>
+          <p:nvPr/>
+        </p:nvSpPr>
+        <p:spPr>
+          <a:xfrm>
+            <a:off x="4899298" y="3726730"/>
+            <a:ext cx="2013527" cy="369332"/>
+          </a:xfrm>
+          <a:prstGeom prst="rect">
+            <a:avLst/>
+          </a:prstGeom>
+          <a:noFill/>
+        </p:spPr>
+        <p:txBody>
+          <a:bodyPr wrap="square" rtlCol="0">
+            <a:spAutoFit/>
+          </a:bodyPr>
+          <a:lstStyle/>
+          <a:p>
+            <a:r>
+              <a:rPr lang="en-US" altLang="ko-KR" b="1" dirty="0" smtClean="0"/>
+              <a:t>(step 2)</a:t>
+            </a:r>
+            <a:endParaRPr lang="ko-KR" altLang="en-US" b="1" dirty="0"/>
+          </a:p>
+        </p:txBody>
+      </p:sp>
+      <p:sp>
+        <p:nvSpPr>
+          <p:cNvPr id="12" name="TextBox 11"/>
+          <p:cNvSpPr txBox="1"/>
+          <p:nvPr/>
+        </p:nvSpPr>
+        <p:spPr>
+          <a:xfrm>
+            <a:off x="2044470" y="4749456"/>
+            <a:ext cx="2013527" cy="369332"/>
+          </a:xfrm>
+          <a:prstGeom prst="rect">
+            <a:avLst/>
+          </a:prstGeom>
+          <a:noFill/>
+        </p:spPr>
+        <p:txBody>
+          <a:bodyPr wrap="square" rtlCol="0">
+            <a:spAutoFit/>
+          </a:bodyPr>
+          <a:lstStyle/>
+          <a:p>
+            <a:r>
+              <a:rPr lang="en-US" altLang="ko-KR" b="1" dirty="0" smtClean="0"/>
+              <a:t>(step 3)</a:t>
+            </a:r>
+            <a:endParaRPr lang="ko-KR" altLang="en-US" b="1" dirty="0"/>
+          </a:p>
+        </p:txBody>
+      </p:sp>
+    </p:spTree>
+    <p:extLst>
+      <p:ext uri="{BB962C8B-B14F-4D97-AF65-F5344CB8AC3E}">
+        <p14:creationId xmlns:p14="http://schemas.microsoft.com/office/powerpoint/2010/main" val="3756488486"/>
+      </p:ext>
+    </p:extLst>
+  </p:cSld>
+  <p:clrMapOvr>
+    <a:masterClrMapping/>
+  </p:clrMapOvr>
+</p:sld>
+</file>
+
+<file path=ppt/slides/slide9.xml><?xml version="1.0" encoding="utf-8"?>
+<p:sld xmlns:a="http://schemas.openxmlformats.org/drawingml/2006/main" xmlns:r="http://schemas.openxmlformats.org/officeDocument/2006/relationships" xmlns:p="http://schemas.openxmlformats.org/presentationml/2006/main">
+  <p:cSld>
+    <p:spTree>
+      <p:nvGrpSpPr>
+        <p:cNvPr id="1" name=""/>
+        <p:cNvGrpSpPr/>
+        <p:nvPr/>
+      </p:nvGrpSpPr>
+      <p:grpSpPr>
+        <a:xfrm>
+          <a:off x="0" y="0"/>
+          <a:ext cx="0" cy="0"/>
+          <a:chOff x="0" y="0"/>
+          <a:chExt cx="0" cy="0"/>
+        </a:xfrm>
+      </p:grpSpPr>
+      <p:sp>
+        <p:nvSpPr>
+          <p:cNvPr id="2" name="Title 1"/>
+          <p:cNvSpPr>
+            <a:spLocks noGrp="1"/>
+          </p:cNvSpPr>
+          <p:nvPr>
+            <p:ph type="title"/>
+          </p:nvPr>
+        </p:nvSpPr>
+        <p:spPr>
+          <a:xfrm>
+            <a:off x="708891" y="2424834"/>
+            <a:ext cx="10515600" cy="1325563"/>
+          </a:xfrm>
+        </p:spPr>
+        <p:txBody>
+          <a:bodyPr>
+            <a:normAutofit/>
+          </a:bodyPr>
+          <a:lstStyle/>
+          <a:p>
+            <a:pPr algn="ctr"/>
+            <a:r>
+              <a:rPr lang="en-US" altLang="ko-KR" sz="6000" b="1" dirty="0" smtClean="0"/>
+              <a:t>Experiments</a:t>
+            </a:r>
+            <a:endParaRPr lang="ko-KR" altLang="en-US" sz="6000" b="1" dirty="0"/>
+          </a:p>
+        </p:txBody>
+      </p:sp>
+    </p:spTree>
+    <p:extLst>
+      <p:ext uri="{BB962C8B-B14F-4D97-AF65-F5344CB8AC3E}">
+        <p14:creationId xmlns:p14="http://schemas.microsoft.com/office/powerpoint/2010/main" val="2317551565"/>
       </p:ext>
     </p:extLst>
   </p:cSld>
